--- a/Artigo/tcc_bcc_2021_2_dbauler_DouglasEduardoBauler-AP.pptx
+++ b/Artigo/tcc_bcc_2021_2_dbauler_DouglasEduardoBauler-AP.pptx
@@ -12,24 +12,26 @@
     <p:sldId id="261" r:id="rId6"/>
     <p:sldId id="269" r:id="rId7"/>
     <p:sldId id="262" r:id="rId8"/>
-    <p:sldId id="270" r:id="rId9"/>
-    <p:sldId id="273" r:id="rId10"/>
-    <p:sldId id="272" r:id="rId11"/>
-    <p:sldId id="263" r:id="rId12"/>
-    <p:sldId id="271" r:id="rId13"/>
-    <p:sldId id="264" r:id="rId14"/>
-    <p:sldId id="274" r:id="rId15"/>
-    <p:sldId id="275" r:id="rId16"/>
-    <p:sldId id="280" r:id="rId17"/>
-    <p:sldId id="281" r:id="rId18"/>
-    <p:sldId id="265" r:id="rId19"/>
-    <p:sldId id="282" r:id="rId20"/>
-    <p:sldId id="276" r:id="rId21"/>
-    <p:sldId id="279" r:id="rId22"/>
-    <p:sldId id="267" r:id="rId23"/>
-    <p:sldId id="268" r:id="rId24"/>
-    <p:sldId id="277" r:id="rId25"/>
-    <p:sldId id="278" r:id="rId26"/>
+    <p:sldId id="284" r:id="rId9"/>
+    <p:sldId id="270" r:id="rId10"/>
+    <p:sldId id="273" r:id="rId11"/>
+    <p:sldId id="272" r:id="rId12"/>
+    <p:sldId id="263" r:id="rId13"/>
+    <p:sldId id="271" r:id="rId14"/>
+    <p:sldId id="264" r:id="rId15"/>
+    <p:sldId id="274" r:id="rId16"/>
+    <p:sldId id="275" r:id="rId17"/>
+    <p:sldId id="280" r:id="rId18"/>
+    <p:sldId id="281" r:id="rId19"/>
+    <p:sldId id="283" r:id="rId20"/>
+    <p:sldId id="265" r:id="rId21"/>
+    <p:sldId id="282" r:id="rId22"/>
+    <p:sldId id="276" r:id="rId23"/>
+    <p:sldId id="279" r:id="rId24"/>
+    <p:sldId id="267" r:id="rId25"/>
+    <p:sldId id="268" r:id="rId26"/>
+    <p:sldId id="277" r:id="rId27"/>
+    <p:sldId id="278" r:id="rId28"/>
   </p:sldIdLst>
   <p:sldSz cx="9144000" cy="6858000" type="screen4x3"/>
   <p:notesSz cx="6858000" cy="9144000"/>
@@ -4561,6 +4563,1319 @@
 </file>
 
 <file path=ppt/slides/slide10.xml><?xml version="1.0" encoding="utf-8"?>
+<p:sld xmlns:a="http://schemas.openxmlformats.org/drawingml/2006/main" xmlns:r="http://schemas.openxmlformats.org/officeDocument/2006/relationships" xmlns:p="http://schemas.openxmlformats.org/presentationml/2006/main">
+  <p:cSld>
+    <p:spTree>
+      <p:nvGrpSpPr>
+        <p:cNvPr id="1" name=""/>
+        <p:cNvGrpSpPr/>
+        <p:nvPr/>
+      </p:nvGrpSpPr>
+      <p:grpSpPr>
+        <a:xfrm>
+          <a:off x="0" y="0"/>
+          <a:ext cx="0" cy="0"/>
+          <a:chOff x="0" y="0"/>
+          <a:chExt cx="0" cy="0"/>
+        </a:xfrm>
+      </p:grpSpPr>
+      <p:sp>
+        <p:nvSpPr>
+          <p:cNvPr id="2" name="Título 1"/>
+          <p:cNvSpPr>
+            <a:spLocks noGrp="1"/>
+          </p:cNvSpPr>
+          <p:nvPr>
+            <p:ph type="title"/>
+          </p:nvPr>
+        </p:nvSpPr>
+        <p:spPr/>
+        <p:txBody>
+          <a:bodyPr/>
+          <a:lstStyle/>
+          <a:p>
+            <a:r>
+              <a:rPr lang="pt-BR" dirty="0"/>
+              <a:t>Trabalhos Correlatos (2/3)</a:t>
+            </a:r>
+          </a:p>
+        </p:txBody>
+      </p:sp>
+      <p:sp>
+        <p:nvSpPr>
+          <p:cNvPr id="3" name="Espaço Reservado para Conteúdo 2"/>
+          <p:cNvSpPr>
+            <a:spLocks noGrp="1"/>
+          </p:cNvSpPr>
+          <p:nvPr>
+            <p:ph idx="1"/>
+          </p:nvPr>
+        </p:nvSpPr>
+        <p:spPr/>
+        <p:txBody>
+          <a:bodyPr/>
+          <a:lstStyle/>
+          <a:p>
+            <a:pPr eaLnBrk="1" hangingPunct="1"/>
+            <a:r>
+              <a:rPr lang="pt-BR" altLang="pt-BR" dirty="0" err="1"/>
+              <a:t>Questmeter</a:t>
+            </a:r>
+            <a:r>
+              <a:rPr lang="pt-BR" altLang="pt-BR" dirty="0"/>
+              <a:t> é uma ferramenta de quis com conceito de </a:t>
+            </a:r>
+            <a:r>
+              <a:rPr lang="pt-BR" altLang="pt-BR" dirty="0" err="1"/>
+              <a:t>Clickers</a:t>
+            </a:r>
+            <a:endParaRPr lang="pt-BR" altLang="pt-BR" dirty="0"/>
+          </a:p>
+          <a:p>
+            <a:pPr marL="0" indent="0">
+              <a:buNone/>
+            </a:pPr>
+            <a:endParaRPr lang="pt-BR" dirty="0"/>
+          </a:p>
+          <a:p>
+            <a:endParaRPr lang="pt-BR" dirty="0"/>
+          </a:p>
+        </p:txBody>
+      </p:sp>
+      <p:graphicFrame>
+        <p:nvGraphicFramePr>
+          <p:cNvPr id="5" name="Tabela 4">
+            <a:extLst>
+              <a:ext uri="{FF2B5EF4-FFF2-40B4-BE49-F238E27FC236}">
+                <a16:creationId xmlns:a16="http://schemas.microsoft.com/office/drawing/2014/main" id="{958886B5-AD6F-4924-842C-248B3A8E0390}"/>
+              </a:ext>
+            </a:extLst>
+          </p:cNvPr>
+          <p:cNvGraphicFramePr>
+            <a:graphicFrameLocks noGrp="1"/>
+          </p:cNvGraphicFramePr>
+          <p:nvPr>
+            <p:extLst>
+              <p:ext uri="{D42A27DB-BD31-4B8C-83A1-F6EECF244321}">
+                <p14:modId xmlns:p14="http://schemas.microsoft.com/office/powerpoint/2010/main" val="1138351949"/>
+              </p:ext>
+            </p:extLst>
+          </p:nvPr>
+        </p:nvGraphicFramePr>
+        <p:xfrm>
+          <a:off x="611560" y="2996952"/>
+          <a:ext cx="4176464" cy="2808312"/>
+        </p:xfrm>
+        <a:graphic>
+          <a:graphicData uri="http://schemas.openxmlformats.org/drawingml/2006/table">
+            <a:tbl>
+              <a:tblPr firstRow="1" firstCol="1" bandRow="1"/>
+              <a:tblGrid>
+                <a:gridCol w="2415822">
+                  <a:extLst>
+                    <a:ext uri="{9D8B030D-6E8A-4147-A177-3AD203B41FA5}">
+                      <a16:colId xmlns:a16="http://schemas.microsoft.com/office/drawing/2014/main" val="4215553245"/>
+                    </a:ext>
+                  </a:extLst>
+                </a:gridCol>
+                <a:gridCol w="1760642">
+                  <a:extLst>
+                    <a:ext uri="{9D8B030D-6E8A-4147-A177-3AD203B41FA5}">
+                      <a16:colId xmlns:a16="http://schemas.microsoft.com/office/drawing/2014/main" val="939591887"/>
+                    </a:ext>
+                  </a:extLst>
+                </a:gridCol>
+              </a:tblGrid>
+              <a:tr h="648072">
+                <a:tc>
+                  <a:txBody>
+                    <a:bodyPr/>
+                    <a:lstStyle/>
+                    <a:p>
+                      <a:pPr lvl="0" indent="431800" algn="l">
+                        <a:spcAft>
+                          <a:spcPts val="600"/>
+                        </a:spcAft>
+                      </a:pPr>
+                      <a:endParaRPr lang="pt-BR" sz="1000" dirty="0">
+                        <a:solidFill>
+                          <a:schemeClr val="bg1"/>
+                        </a:solidFill>
+                        <a:effectLst/>
+                        <a:latin typeface="Times New Roman" panose="02020603050405020304" pitchFamily="18" charset="0"/>
+                        <a:ea typeface="Times New Roman" panose="02020603050405020304" pitchFamily="18" charset="0"/>
+                      </a:endParaRPr>
+                    </a:p>
+                  </a:txBody>
+                  <a:tcPr marL="68581" marR="68581" marT="0" marB="0" anchor="b">
+                    <a:lnL w="12700" cap="flat" cmpd="sng" algn="ctr">
+                      <a:solidFill>
+                        <a:srgbClr val="000000"/>
+                      </a:solidFill>
+                      <a:prstDash val="solid"/>
+                      <a:round/>
+                      <a:headEnd type="none" w="med" len="med"/>
+                      <a:tailEnd type="none" w="med" len="med"/>
+                    </a:lnL>
+                    <a:lnR w="12700" cap="flat" cmpd="sng" algn="ctr">
+                      <a:solidFill>
+                        <a:srgbClr val="000000"/>
+                      </a:solidFill>
+                      <a:prstDash val="solid"/>
+                      <a:round/>
+                      <a:headEnd type="none" w="med" len="med"/>
+                      <a:tailEnd type="none" w="med" len="med"/>
+                    </a:lnR>
+                    <a:lnT w="12700" cap="flat" cmpd="sng" algn="ctr">
+                      <a:solidFill>
+                        <a:srgbClr val="000000"/>
+                      </a:solidFill>
+                      <a:prstDash val="solid"/>
+                      <a:round/>
+                      <a:headEnd type="none" w="med" len="med"/>
+                      <a:tailEnd type="none" w="med" len="med"/>
+                    </a:lnT>
+                    <a:lnB w="12700" cap="flat" cmpd="sng" algn="ctr">
+                      <a:solidFill>
+                        <a:srgbClr val="000000"/>
+                      </a:solidFill>
+                      <a:prstDash val="solid"/>
+                      <a:round/>
+                      <a:headEnd type="none" w="med" len="med"/>
+                      <a:tailEnd type="none" w="med" len="med"/>
+                    </a:lnB>
+                    <a:lnTlToBr w="6350" cap="flat" cmpd="sng" algn="ctr">
+                      <a:solidFill>
+                        <a:srgbClr val="000000"/>
+                      </a:solidFill>
+                      <a:prstDash val="solid"/>
+                      <a:round/>
+                      <a:headEnd type="none" w="med" len="med"/>
+                      <a:tailEnd type="none" w="med" len="med"/>
+                    </a:lnTlToBr>
+                    <a:solidFill>
+                      <a:srgbClr val="A6A6A6"/>
+                    </a:solidFill>
+                  </a:tcPr>
+                </a:tc>
+                <a:tc>
+                  <a:txBody>
+                    <a:bodyPr/>
+                    <a:lstStyle/>
+                    <a:p>
+                      <a:pPr algn="ctr"/>
+                      <a:r>
+                        <a:rPr lang="pt-BR" sz="1400" dirty="0" err="1">
+                          <a:solidFill>
+                            <a:schemeClr val="bg1"/>
+                          </a:solidFill>
+                          <a:effectLst/>
+                          <a:latin typeface="+mj-lt"/>
+                          <a:ea typeface="Times New Roman" panose="02020603050405020304" pitchFamily="18" charset="0"/>
+                        </a:rPr>
+                        <a:t>Questmeter</a:t>
+                      </a:r>
+                      <a:r>
+                        <a:rPr lang="pt-BR" sz="1400" dirty="0">
+                          <a:solidFill>
+                            <a:schemeClr val="bg1"/>
+                          </a:solidFill>
+                          <a:effectLst/>
+                          <a:latin typeface="+mj-lt"/>
+                          <a:ea typeface="Times New Roman" panose="02020603050405020304" pitchFamily="18" charset="0"/>
+                        </a:rPr>
+                        <a:t> (2019)</a:t>
+                      </a:r>
+                    </a:p>
+                  </a:txBody>
+                  <a:tcPr marL="68581" marR="68581" marT="0" marB="0" anchor="ctr">
+                    <a:lnL w="12700" cap="flat" cmpd="sng" algn="ctr">
+                      <a:solidFill>
+                        <a:srgbClr val="000000"/>
+                      </a:solidFill>
+                      <a:prstDash val="solid"/>
+                      <a:round/>
+                      <a:headEnd type="none" w="med" len="med"/>
+                      <a:tailEnd type="none" w="med" len="med"/>
+                    </a:lnL>
+                    <a:lnR w="12700" cap="flat" cmpd="sng" algn="ctr">
+                      <a:solidFill>
+                        <a:srgbClr val="000000"/>
+                      </a:solidFill>
+                      <a:prstDash val="solid"/>
+                      <a:round/>
+                      <a:headEnd type="none" w="med" len="med"/>
+                      <a:tailEnd type="none" w="med" len="med"/>
+                    </a:lnR>
+                    <a:lnT w="12700" cap="flat" cmpd="sng" algn="ctr">
+                      <a:solidFill>
+                        <a:srgbClr val="000000"/>
+                      </a:solidFill>
+                      <a:prstDash val="solid"/>
+                      <a:round/>
+                      <a:headEnd type="none" w="med" len="med"/>
+                      <a:tailEnd type="none" w="med" len="med"/>
+                    </a:lnT>
+                    <a:lnB w="12700" cap="flat" cmpd="sng" algn="ctr">
+                      <a:solidFill>
+                        <a:srgbClr val="000000"/>
+                      </a:solidFill>
+                      <a:prstDash val="solid"/>
+                      <a:round/>
+                      <a:headEnd type="none" w="med" len="med"/>
+                      <a:tailEnd type="none" w="med" len="med"/>
+                    </a:lnB>
+                    <a:solidFill>
+                      <a:srgbClr val="A6A6A6"/>
+                    </a:solidFill>
+                  </a:tcPr>
+                </a:tc>
+                <a:extLst>
+                  <a:ext uri="{0D108BD9-81ED-4DB2-BD59-A6C34878D82A}">
+                    <a16:rowId xmlns:a16="http://schemas.microsoft.com/office/drawing/2014/main" val="722429279"/>
+                  </a:ext>
+                </a:extLst>
+              </a:tr>
+              <a:tr h="432048">
+                <a:tc>
+                  <a:txBody>
+                    <a:bodyPr/>
+                    <a:lstStyle/>
+                    <a:p>
+                      <a:r>
+                        <a:rPr lang="pt-BR" sz="1000" dirty="0">
+                          <a:effectLst/>
+                          <a:latin typeface="Arial (Corpo)"/>
+                          <a:ea typeface="Times New Roman" panose="02020603050405020304" pitchFamily="18" charset="0"/>
+                        </a:rPr>
+                        <a:t>transformações geométricas</a:t>
+                      </a:r>
+                    </a:p>
+                  </a:txBody>
+                  <a:tcPr marL="68579" marR="68579" marT="0" marB="0" anchor="ctr">
+                    <a:lnL w="12700" cap="flat" cmpd="sng" algn="ctr">
+                      <a:solidFill>
+                        <a:srgbClr val="000000"/>
+                      </a:solidFill>
+                      <a:prstDash val="solid"/>
+                      <a:round/>
+                      <a:headEnd type="none" w="med" len="med"/>
+                      <a:tailEnd type="none" w="med" len="med"/>
+                    </a:lnL>
+                    <a:lnR w="12700" cap="flat" cmpd="sng" algn="ctr">
+                      <a:solidFill>
+                        <a:srgbClr val="000000"/>
+                      </a:solidFill>
+                      <a:prstDash val="solid"/>
+                      <a:round/>
+                      <a:headEnd type="none" w="med" len="med"/>
+                      <a:tailEnd type="none" w="med" len="med"/>
+                    </a:lnR>
+                    <a:lnT w="12700" cap="flat" cmpd="sng" algn="ctr">
+                      <a:solidFill>
+                        <a:srgbClr val="000000"/>
+                      </a:solidFill>
+                      <a:prstDash val="solid"/>
+                      <a:round/>
+                      <a:headEnd type="none" w="med" len="med"/>
+                      <a:tailEnd type="none" w="med" len="med"/>
+                    </a:lnT>
+                    <a:lnB w="12700" cap="flat" cmpd="sng" algn="ctr">
+                      <a:solidFill>
+                        <a:srgbClr val="000000"/>
+                      </a:solidFill>
+                      <a:prstDash val="solid"/>
+                      <a:round/>
+                      <a:headEnd type="none" w="med" len="med"/>
+                      <a:tailEnd type="none" w="med" len="med"/>
+                    </a:lnB>
+                  </a:tcPr>
+                </a:tc>
+                <a:tc>
+                  <a:txBody>
+                    <a:bodyPr/>
+                    <a:lstStyle/>
+                    <a:p>
+                      <a:pPr algn="ctr"/>
+                      <a:r>
+                        <a:rPr lang="pt-BR" sz="1000" dirty="0">
+                          <a:effectLst/>
+                          <a:latin typeface="Arial (Corpo)"/>
+                          <a:ea typeface="Times New Roman" panose="02020603050405020304" pitchFamily="18" charset="0"/>
+                        </a:rPr>
+                        <a:t>Não</a:t>
+                      </a:r>
+                    </a:p>
+                  </a:txBody>
+                  <a:tcPr marL="68579" marR="68579" marT="0" marB="0" anchor="ctr">
+                    <a:lnL w="12700" cap="flat" cmpd="sng" algn="ctr">
+                      <a:solidFill>
+                        <a:srgbClr val="000000"/>
+                      </a:solidFill>
+                      <a:prstDash val="solid"/>
+                      <a:round/>
+                      <a:headEnd type="none" w="med" len="med"/>
+                      <a:tailEnd type="none" w="med" len="med"/>
+                    </a:lnL>
+                    <a:lnR w="12700" cap="flat" cmpd="sng" algn="ctr">
+                      <a:solidFill>
+                        <a:srgbClr val="000000"/>
+                      </a:solidFill>
+                      <a:prstDash val="solid"/>
+                      <a:round/>
+                      <a:headEnd type="none" w="med" len="med"/>
+                      <a:tailEnd type="none" w="med" len="med"/>
+                    </a:lnR>
+                    <a:lnT w="12700" cap="flat" cmpd="sng" algn="ctr">
+                      <a:solidFill>
+                        <a:srgbClr val="000000"/>
+                      </a:solidFill>
+                      <a:prstDash val="solid"/>
+                      <a:round/>
+                      <a:headEnd type="none" w="med" len="med"/>
+                      <a:tailEnd type="none" w="med" len="med"/>
+                    </a:lnT>
+                    <a:lnB w="12700" cap="flat" cmpd="sng" algn="ctr">
+                      <a:solidFill>
+                        <a:srgbClr val="000000"/>
+                      </a:solidFill>
+                      <a:prstDash val="solid"/>
+                      <a:round/>
+                      <a:headEnd type="none" w="med" len="med"/>
+                      <a:tailEnd type="none" w="med" len="med"/>
+                    </a:lnB>
+                  </a:tcPr>
+                </a:tc>
+                <a:extLst>
+                  <a:ext uri="{0D108BD9-81ED-4DB2-BD59-A6C34878D82A}">
+                    <a16:rowId xmlns:a16="http://schemas.microsoft.com/office/drawing/2014/main" val="1287992700"/>
+                  </a:ext>
+                </a:extLst>
+              </a:tr>
+              <a:tr h="432048">
+                <a:tc>
+                  <a:txBody>
+                    <a:bodyPr/>
+                    <a:lstStyle/>
+                    <a:p>
+                      <a:r>
+                        <a:rPr lang="pt-BR" sz="1000" dirty="0">
+                          <a:effectLst/>
+                          <a:latin typeface="Arial (Corpo)"/>
+                          <a:ea typeface="Times New Roman" panose="02020603050405020304" pitchFamily="18" charset="0"/>
+                        </a:rPr>
+                        <a:t>motor de jogos</a:t>
+                      </a:r>
+                    </a:p>
+                  </a:txBody>
+                  <a:tcPr marL="68579" marR="68579" marT="0" marB="0" anchor="ctr">
+                    <a:lnL w="12700" cap="flat" cmpd="sng" algn="ctr">
+                      <a:solidFill>
+                        <a:srgbClr val="000000"/>
+                      </a:solidFill>
+                      <a:prstDash val="solid"/>
+                      <a:round/>
+                      <a:headEnd type="none" w="med" len="med"/>
+                      <a:tailEnd type="none" w="med" len="med"/>
+                    </a:lnL>
+                    <a:lnR w="12700" cap="flat" cmpd="sng" algn="ctr">
+                      <a:solidFill>
+                        <a:srgbClr val="000000"/>
+                      </a:solidFill>
+                      <a:prstDash val="solid"/>
+                      <a:round/>
+                      <a:headEnd type="none" w="med" len="med"/>
+                      <a:tailEnd type="none" w="med" len="med"/>
+                    </a:lnR>
+                    <a:lnT w="12700" cap="flat" cmpd="sng" algn="ctr">
+                      <a:solidFill>
+                        <a:srgbClr val="000000"/>
+                      </a:solidFill>
+                      <a:prstDash val="solid"/>
+                      <a:round/>
+                      <a:headEnd type="none" w="med" len="med"/>
+                      <a:tailEnd type="none" w="med" len="med"/>
+                    </a:lnT>
+                    <a:lnB w="12700" cap="flat" cmpd="sng" algn="ctr">
+                      <a:solidFill>
+                        <a:srgbClr val="000000"/>
+                      </a:solidFill>
+                      <a:prstDash val="solid"/>
+                      <a:round/>
+                      <a:headEnd type="none" w="med" len="med"/>
+                      <a:tailEnd type="none" w="med" len="med"/>
+                    </a:lnB>
+                  </a:tcPr>
+                </a:tc>
+                <a:tc>
+                  <a:txBody>
+                    <a:bodyPr/>
+                    <a:lstStyle/>
+                    <a:p>
+                      <a:pPr algn="ctr"/>
+                      <a:r>
+                        <a:rPr lang="pt-BR" sz="1000" dirty="0">
+                          <a:effectLst/>
+                          <a:latin typeface="Arial (Corpo)"/>
+                          <a:ea typeface="Times New Roman" panose="02020603050405020304" pitchFamily="18" charset="0"/>
+                        </a:rPr>
+                        <a:t>Não</a:t>
+                      </a:r>
+                    </a:p>
+                  </a:txBody>
+                  <a:tcPr marL="68579" marR="68579" marT="0" marB="0" anchor="ctr">
+                    <a:lnL w="12700" cap="flat" cmpd="sng" algn="ctr">
+                      <a:solidFill>
+                        <a:srgbClr val="000000"/>
+                      </a:solidFill>
+                      <a:prstDash val="solid"/>
+                      <a:round/>
+                      <a:headEnd type="none" w="med" len="med"/>
+                      <a:tailEnd type="none" w="med" len="med"/>
+                    </a:lnL>
+                    <a:lnR w="12700" cap="flat" cmpd="sng" algn="ctr">
+                      <a:solidFill>
+                        <a:srgbClr val="000000"/>
+                      </a:solidFill>
+                      <a:prstDash val="solid"/>
+                      <a:round/>
+                      <a:headEnd type="none" w="med" len="med"/>
+                      <a:tailEnd type="none" w="med" len="med"/>
+                    </a:lnR>
+                    <a:lnT w="12700" cap="flat" cmpd="sng" algn="ctr">
+                      <a:solidFill>
+                        <a:srgbClr val="000000"/>
+                      </a:solidFill>
+                      <a:prstDash val="solid"/>
+                      <a:round/>
+                      <a:headEnd type="none" w="med" len="med"/>
+                      <a:tailEnd type="none" w="med" len="med"/>
+                    </a:lnT>
+                    <a:lnB w="12700" cap="flat" cmpd="sng" algn="ctr">
+                      <a:solidFill>
+                        <a:srgbClr val="000000"/>
+                      </a:solidFill>
+                      <a:prstDash val="solid"/>
+                      <a:round/>
+                      <a:headEnd type="none" w="med" len="med"/>
+                      <a:tailEnd type="none" w="med" len="med"/>
+                    </a:lnB>
+                  </a:tcPr>
+                </a:tc>
+                <a:extLst>
+                  <a:ext uri="{0D108BD9-81ED-4DB2-BD59-A6C34878D82A}">
+                    <a16:rowId xmlns:a16="http://schemas.microsoft.com/office/drawing/2014/main" val="3318941460"/>
+                  </a:ext>
+                </a:extLst>
+              </a:tr>
+              <a:tr h="432048">
+                <a:tc>
+                  <a:txBody>
+                    <a:bodyPr/>
+                    <a:lstStyle/>
+                    <a:p>
+                      <a:r>
+                        <a:rPr lang="pt-BR" sz="1000" dirty="0">
+                          <a:effectLst/>
+                          <a:latin typeface="Arial (Corpo)"/>
+                          <a:ea typeface="Times New Roman" panose="02020603050405020304" pitchFamily="18" charset="0"/>
+                        </a:rPr>
+                        <a:t>exportação de atividades</a:t>
+                      </a:r>
+                    </a:p>
+                  </a:txBody>
+                  <a:tcPr marL="68579" marR="68579" marT="0" marB="0" anchor="ctr">
+                    <a:lnL w="12700" cap="flat" cmpd="sng" algn="ctr">
+                      <a:solidFill>
+                        <a:srgbClr val="000000"/>
+                      </a:solidFill>
+                      <a:prstDash val="solid"/>
+                      <a:round/>
+                      <a:headEnd type="none" w="med" len="med"/>
+                      <a:tailEnd type="none" w="med" len="med"/>
+                    </a:lnL>
+                    <a:lnR w="12700" cap="flat" cmpd="sng" algn="ctr">
+                      <a:solidFill>
+                        <a:srgbClr val="000000"/>
+                      </a:solidFill>
+                      <a:prstDash val="solid"/>
+                      <a:round/>
+                      <a:headEnd type="none" w="med" len="med"/>
+                      <a:tailEnd type="none" w="med" len="med"/>
+                    </a:lnR>
+                    <a:lnT w="12700" cap="flat" cmpd="sng" algn="ctr">
+                      <a:solidFill>
+                        <a:srgbClr val="000000"/>
+                      </a:solidFill>
+                      <a:prstDash val="solid"/>
+                      <a:round/>
+                      <a:headEnd type="none" w="med" len="med"/>
+                      <a:tailEnd type="none" w="med" len="med"/>
+                    </a:lnT>
+                    <a:lnB w="12700" cap="flat" cmpd="sng" algn="ctr">
+                      <a:solidFill>
+                        <a:srgbClr val="000000"/>
+                      </a:solidFill>
+                      <a:prstDash val="solid"/>
+                      <a:round/>
+                      <a:headEnd type="none" w="med" len="med"/>
+                      <a:tailEnd type="none" w="med" len="med"/>
+                    </a:lnB>
+                  </a:tcPr>
+                </a:tc>
+                <a:tc>
+                  <a:txBody>
+                    <a:bodyPr/>
+                    <a:lstStyle/>
+                    <a:p>
+                      <a:pPr algn="ctr"/>
+                      <a:r>
+                        <a:rPr lang="pt-BR" sz="1000" dirty="0">
+                          <a:effectLst/>
+                          <a:latin typeface="Arial (Corpo)"/>
+                          <a:ea typeface="Times New Roman" panose="02020603050405020304" pitchFamily="18" charset="0"/>
+                        </a:rPr>
+                        <a:t>Sim</a:t>
+                      </a:r>
+                    </a:p>
+                  </a:txBody>
+                  <a:tcPr marL="68579" marR="68579" marT="0" marB="0" anchor="ctr">
+                    <a:lnL w="12700" cap="flat" cmpd="sng" algn="ctr">
+                      <a:solidFill>
+                        <a:srgbClr val="000000"/>
+                      </a:solidFill>
+                      <a:prstDash val="solid"/>
+                      <a:round/>
+                      <a:headEnd type="none" w="med" len="med"/>
+                      <a:tailEnd type="none" w="med" len="med"/>
+                    </a:lnL>
+                    <a:lnR w="12700" cap="flat" cmpd="sng" algn="ctr">
+                      <a:solidFill>
+                        <a:srgbClr val="000000"/>
+                      </a:solidFill>
+                      <a:prstDash val="solid"/>
+                      <a:round/>
+                      <a:headEnd type="none" w="med" len="med"/>
+                      <a:tailEnd type="none" w="med" len="med"/>
+                    </a:lnR>
+                    <a:lnT w="12700" cap="flat" cmpd="sng" algn="ctr">
+                      <a:solidFill>
+                        <a:srgbClr val="000000"/>
+                      </a:solidFill>
+                      <a:prstDash val="solid"/>
+                      <a:round/>
+                      <a:headEnd type="none" w="med" len="med"/>
+                      <a:tailEnd type="none" w="med" len="med"/>
+                    </a:lnT>
+                    <a:lnB w="12700" cap="flat" cmpd="sng" algn="ctr">
+                      <a:solidFill>
+                        <a:srgbClr val="000000"/>
+                      </a:solidFill>
+                      <a:prstDash val="solid"/>
+                      <a:round/>
+                      <a:headEnd type="none" w="med" len="med"/>
+                      <a:tailEnd type="none" w="med" len="med"/>
+                    </a:lnB>
+                  </a:tcPr>
+                </a:tc>
+                <a:extLst>
+                  <a:ext uri="{0D108BD9-81ED-4DB2-BD59-A6C34878D82A}">
+                    <a16:rowId xmlns:a16="http://schemas.microsoft.com/office/drawing/2014/main" val="218770268"/>
+                  </a:ext>
+                </a:extLst>
+              </a:tr>
+              <a:tr h="432048">
+                <a:tc>
+                  <a:txBody>
+                    <a:bodyPr/>
+                    <a:lstStyle/>
+                    <a:p>
+                      <a:r>
+                        <a:rPr lang="pt-BR" sz="1000" dirty="0">
+                          <a:effectLst/>
+                          <a:latin typeface="Arial (Corpo)"/>
+                          <a:ea typeface="Times New Roman" panose="02020603050405020304" pitchFamily="18" charset="0"/>
+                        </a:rPr>
+                        <a:t>tutoriais interativos</a:t>
+                      </a:r>
+                    </a:p>
+                  </a:txBody>
+                  <a:tcPr marL="68579" marR="68579" marT="0" marB="0" anchor="ctr">
+                    <a:lnL w="12700" cap="flat" cmpd="sng" algn="ctr">
+                      <a:solidFill>
+                        <a:srgbClr val="000000"/>
+                      </a:solidFill>
+                      <a:prstDash val="solid"/>
+                      <a:round/>
+                      <a:headEnd type="none" w="med" len="med"/>
+                      <a:tailEnd type="none" w="med" len="med"/>
+                    </a:lnL>
+                    <a:lnR w="12700" cap="flat" cmpd="sng" algn="ctr">
+                      <a:solidFill>
+                        <a:srgbClr val="000000"/>
+                      </a:solidFill>
+                      <a:prstDash val="solid"/>
+                      <a:round/>
+                      <a:headEnd type="none" w="med" len="med"/>
+                      <a:tailEnd type="none" w="med" len="med"/>
+                    </a:lnR>
+                    <a:lnT w="12700" cap="flat" cmpd="sng" algn="ctr">
+                      <a:solidFill>
+                        <a:srgbClr val="000000"/>
+                      </a:solidFill>
+                      <a:prstDash val="solid"/>
+                      <a:round/>
+                      <a:headEnd type="none" w="med" len="med"/>
+                      <a:tailEnd type="none" w="med" len="med"/>
+                    </a:lnT>
+                    <a:lnB w="12700" cap="flat" cmpd="sng" algn="ctr">
+                      <a:solidFill>
+                        <a:srgbClr val="000000"/>
+                      </a:solidFill>
+                      <a:prstDash val="solid"/>
+                      <a:round/>
+                      <a:headEnd type="none" w="med" len="med"/>
+                      <a:tailEnd type="none" w="med" len="med"/>
+                    </a:lnB>
+                  </a:tcPr>
+                </a:tc>
+                <a:tc>
+                  <a:txBody>
+                    <a:bodyPr/>
+                    <a:lstStyle/>
+                    <a:p>
+                      <a:pPr algn="ctr"/>
+                      <a:r>
+                        <a:rPr lang="pt-BR" sz="1000" dirty="0">
+                          <a:effectLst/>
+                          <a:latin typeface="Arial (Corpo)"/>
+                          <a:ea typeface="Times New Roman" panose="02020603050405020304" pitchFamily="18" charset="0"/>
+                        </a:rPr>
+                        <a:t>Sim</a:t>
+                      </a:r>
+                    </a:p>
+                  </a:txBody>
+                  <a:tcPr marL="68579" marR="68579" marT="0" marB="0" anchor="ctr">
+                    <a:lnL w="12700" cap="flat" cmpd="sng" algn="ctr">
+                      <a:solidFill>
+                        <a:srgbClr val="000000"/>
+                      </a:solidFill>
+                      <a:prstDash val="solid"/>
+                      <a:round/>
+                      <a:headEnd type="none" w="med" len="med"/>
+                      <a:tailEnd type="none" w="med" len="med"/>
+                    </a:lnL>
+                    <a:lnR w="12700" cap="flat" cmpd="sng" algn="ctr">
+                      <a:solidFill>
+                        <a:srgbClr val="000000"/>
+                      </a:solidFill>
+                      <a:prstDash val="solid"/>
+                      <a:round/>
+                      <a:headEnd type="none" w="med" len="med"/>
+                      <a:tailEnd type="none" w="med" len="med"/>
+                    </a:lnR>
+                    <a:lnT w="12700" cap="flat" cmpd="sng" algn="ctr">
+                      <a:solidFill>
+                        <a:srgbClr val="000000"/>
+                      </a:solidFill>
+                      <a:prstDash val="solid"/>
+                      <a:round/>
+                      <a:headEnd type="none" w="med" len="med"/>
+                      <a:tailEnd type="none" w="med" len="med"/>
+                    </a:lnT>
+                    <a:lnB w="12700" cap="flat" cmpd="sng" algn="ctr">
+                      <a:solidFill>
+                        <a:srgbClr val="000000"/>
+                      </a:solidFill>
+                      <a:prstDash val="solid"/>
+                      <a:round/>
+                      <a:headEnd type="none" w="med" len="med"/>
+                      <a:tailEnd type="none" w="med" len="med"/>
+                    </a:lnB>
+                  </a:tcPr>
+                </a:tc>
+                <a:extLst>
+                  <a:ext uri="{0D108BD9-81ED-4DB2-BD59-A6C34878D82A}">
+                    <a16:rowId xmlns:a16="http://schemas.microsoft.com/office/drawing/2014/main" val="1062201106"/>
+                  </a:ext>
+                </a:extLst>
+              </a:tr>
+              <a:tr h="432048">
+                <a:tc>
+                  <a:txBody>
+                    <a:bodyPr/>
+                    <a:lstStyle/>
+                    <a:p>
+                      <a:r>
+                        <a:rPr lang="pt-BR" sz="1000" dirty="0">
+                          <a:effectLst/>
+                          <a:latin typeface="Arial (Corpo)"/>
+                          <a:ea typeface="Times New Roman" panose="02020603050405020304" pitchFamily="18" charset="0"/>
+                        </a:rPr>
+                        <a:t>múltiplas plataformas</a:t>
+                      </a:r>
+                    </a:p>
+                  </a:txBody>
+                  <a:tcPr marL="68579" marR="68579" marT="0" marB="0" anchor="ctr">
+                    <a:lnL w="12700" cap="flat" cmpd="sng" algn="ctr">
+                      <a:solidFill>
+                        <a:srgbClr val="000000"/>
+                      </a:solidFill>
+                      <a:prstDash val="solid"/>
+                      <a:round/>
+                      <a:headEnd type="none" w="med" len="med"/>
+                      <a:tailEnd type="none" w="med" len="med"/>
+                    </a:lnL>
+                    <a:lnR w="12700" cap="flat" cmpd="sng" algn="ctr">
+                      <a:solidFill>
+                        <a:srgbClr val="000000"/>
+                      </a:solidFill>
+                      <a:prstDash val="solid"/>
+                      <a:round/>
+                      <a:headEnd type="none" w="med" len="med"/>
+                      <a:tailEnd type="none" w="med" len="med"/>
+                    </a:lnR>
+                    <a:lnT w="12700" cap="flat" cmpd="sng" algn="ctr">
+                      <a:solidFill>
+                        <a:srgbClr val="000000"/>
+                      </a:solidFill>
+                      <a:prstDash val="solid"/>
+                      <a:round/>
+                      <a:headEnd type="none" w="med" len="med"/>
+                      <a:tailEnd type="none" w="med" len="med"/>
+                    </a:lnT>
+                    <a:lnB w="12700" cap="flat" cmpd="sng" algn="ctr">
+                      <a:solidFill>
+                        <a:srgbClr val="000000"/>
+                      </a:solidFill>
+                      <a:prstDash val="solid"/>
+                      <a:round/>
+                      <a:headEnd type="none" w="med" len="med"/>
+                      <a:tailEnd type="none" w="med" len="med"/>
+                    </a:lnB>
+                  </a:tcPr>
+                </a:tc>
+                <a:tc>
+                  <a:txBody>
+                    <a:bodyPr/>
+                    <a:lstStyle/>
+                    <a:p>
+                      <a:pPr algn="ctr"/>
+                      <a:r>
+                        <a:rPr lang="pt-BR" sz="1000" dirty="0">
+                          <a:effectLst/>
+                          <a:latin typeface="Arial (Corpo)"/>
+                          <a:ea typeface="Times New Roman" panose="02020603050405020304" pitchFamily="18" charset="0"/>
+                        </a:rPr>
+                        <a:t>Sim</a:t>
+                      </a:r>
+                    </a:p>
+                  </a:txBody>
+                  <a:tcPr marL="68579" marR="68579" marT="0" marB="0" anchor="ctr">
+                    <a:lnL w="12700" cap="flat" cmpd="sng" algn="ctr">
+                      <a:solidFill>
+                        <a:srgbClr val="000000"/>
+                      </a:solidFill>
+                      <a:prstDash val="solid"/>
+                      <a:round/>
+                      <a:headEnd type="none" w="med" len="med"/>
+                      <a:tailEnd type="none" w="med" len="med"/>
+                    </a:lnL>
+                    <a:lnR w="12700" cap="flat" cmpd="sng" algn="ctr">
+                      <a:solidFill>
+                        <a:srgbClr val="000000"/>
+                      </a:solidFill>
+                      <a:prstDash val="solid"/>
+                      <a:round/>
+                      <a:headEnd type="none" w="med" len="med"/>
+                      <a:tailEnd type="none" w="med" len="med"/>
+                    </a:lnR>
+                    <a:lnT w="12700" cap="flat" cmpd="sng" algn="ctr">
+                      <a:solidFill>
+                        <a:srgbClr val="000000"/>
+                      </a:solidFill>
+                      <a:prstDash val="solid"/>
+                      <a:round/>
+                      <a:headEnd type="none" w="med" len="med"/>
+                      <a:tailEnd type="none" w="med" len="med"/>
+                    </a:lnT>
+                    <a:lnB w="12700" cap="flat" cmpd="sng" algn="ctr">
+                      <a:solidFill>
+                        <a:srgbClr val="000000"/>
+                      </a:solidFill>
+                      <a:prstDash val="solid"/>
+                      <a:round/>
+                      <a:headEnd type="none" w="med" len="med"/>
+                      <a:tailEnd type="none" w="med" len="med"/>
+                    </a:lnB>
+                  </a:tcPr>
+                </a:tc>
+                <a:extLst>
+                  <a:ext uri="{0D108BD9-81ED-4DB2-BD59-A6C34878D82A}">
+                    <a16:rowId xmlns:a16="http://schemas.microsoft.com/office/drawing/2014/main" val="3751742738"/>
+                  </a:ext>
+                </a:extLst>
+              </a:tr>
+            </a:tbl>
+          </a:graphicData>
+        </a:graphic>
+      </p:graphicFrame>
+      <p:sp>
+        <p:nvSpPr>
+          <p:cNvPr id="6" name="CaixaDeTexto 17">
+            <a:extLst>
+              <a:ext uri="{FF2B5EF4-FFF2-40B4-BE49-F238E27FC236}">
+                <a16:creationId xmlns:a16="http://schemas.microsoft.com/office/drawing/2014/main" id="{9DCD0B1A-8507-4007-912C-BE74A2E294F7}"/>
+              </a:ext>
+            </a:extLst>
+          </p:cNvPr>
+          <p:cNvSpPr txBox="1">
+            <a:spLocks noChangeArrowheads="1"/>
+          </p:cNvSpPr>
+          <p:nvPr/>
+        </p:nvSpPr>
+        <p:spPr bwMode="auto">
+          <a:xfrm>
+            <a:off x="539552" y="3337284"/>
+            <a:ext cx="1408113" cy="307975"/>
+          </a:xfrm>
+          <a:prstGeom prst="rect">
+            <a:avLst/>
+          </a:prstGeom>
+          <a:noFill/>
+          <a:ln>
+            <a:noFill/>
+          </a:ln>
+          <a:extLst>
+            <a:ext uri="{909E8E84-426E-40DD-AFC4-6F175D3DCCD1}">
+              <a14:hiddenFill xmlns:a14="http://schemas.microsoft.com/office/drawing/2010/main">
+                <a:solidFill>
+                  <a:srgbClr val="FFFFFF"/>
+                </a:solidFill>
+              </a14:hiddenFill>
+            </a:ext>
+            <a:ext uri="{91240B29-F687-4F45-9708-019B960494DF}">
+              <a14:hiddenLine xmlns:a14="http://schemas.microsoft.com/office/drawing/2010/main" w="9525">
+                <a:solidFill>
+                  <a:srgbClr val="000000"/>
+                </a:solidFill>
+                <a:miter lim="800000"/>
+                <a:headEnd/>
+                <a:tailEnd/>
+              </a14:hiddenLine>
+            </a:ext>
+          </a:extLst>
+        </p:spPr>
+        <p:txBody>
+          <a:bodyPr>
+            <a:spAutoFit/>
+          </a:bodyPr>
+          <a:lstStyle>
+            <a:lvl1pPr>
+              <a:spcBef>
+                <a:spcPct val="20000"/>
+              </a:spcBef>
+              <a:buChar char="•"/>
+              <a:defRPr sz="3200">
+                <a:solidFill>
+                  <a:schemeClr val="tx1"/>
+                </a:solidFill>
+                <a:latin typeface="Arial" panose="020B0604020202020204" pitchFamily="34" charset="0"/>
+              </a:defRPr>
+            </a:lvl1pPr>
+            <a:lvl2pPr marL="742950" indent="-285750">
+              <a:spcBef>
+                <a:spcPct val="20000"/>
+              </a:spcBef>
+              <a:buChar char="–"/>
+              <a:defRPr sz="2800">
+                <a:solidFill>
+                  <a:schemeClr val="tx1"/>
+                </a:solidFill>
+                <a:latin typeface="Arial" panose="020B0604020202020204" pitchFamily="34" charset="0"/>
+              </a:defRPr>
+            </a:lvl2pPr>
+            <a:lvl3pPr marL="1143000" indent="-228600">
+              <a:spcBef>
+                <a:spcPct val="20000"/>
+              </a:spcBef>
+              <a:buChar char="•"/>
+              <a:defRPr sz="2400">
+                <a:solidFill>
+                  <a:schemeClr val="tx1"/>
+                </a:solidFill>
+                <a:latin typeface="Arial" panose="020B0604020202020204" pitchFamily="34" charset="0"/>
+              </a:defRPr>
+            </a:lvl3pPr>
+            <a:lvl4pPr marL="1600200" indent="-228600">
+              <a:spcBef>
+                <a:spcPct val="20000"/>
+              </a:spcBef>
+              <a:buChar char="–"/>
+              <a:defRPr sz="2000">
+                <a:solidFill>
+                  <a:schemeClr val="tx1"/>
+                </a:solidFill>
+                <a:latin typeface="Arial" panose="020B0604020202020204" pitchFamily="34" charset="0"/>
+              </a:defRPr>
+            </a:lvl4pPr>
+            <a:lvl5pPr marL="2057400" indent="-228600">
+              <a:spcBef>
+                <a:spcPct val="20000"/>
+              </a:spcBef>
+              <a:buChar char="»"/>
+              <a:defRPr sz="2000">
+                <a:solidFill>
+                  <a:schemeClr val="tx1"/>
+                </a:solidFill>
+                <a:latin typeface="Arial" panose="020B0604020202020204" pitchFamily="34" charset="0"/>
+              </a:defRPr>
+            </a:lvl5pPr>
+            <a:lvl6pPr marL="2514600" indent="-228600" eaLnBrk="0" fontAlgn="base" hangingPunct="0">
+              <a:spcBef>
+                <a:spcPct val="20000"/>
+              </a:spcBef>
+              <a:spcAft>
+                <a:spcPct val="0"/>
+              </a:spcAft>
+              <a:buChar char="»"/>
+              <a:defRPr sz="2000">
+                <a:solidFill>
+                  <a:schemeClr val="tx1"/>
+                </a:solidFill>
+                <a:latin typeface="Arial" panose="020B0604020202020204" pitchFamily="34" charset="0"/>
+              </a:defRPr>
+            </a:lvl6pPr>
+            <a:lvl7pPr marL="2971800" indent="-228600" eaLnBrk="0" fontAlgn="base" hangingPunct="0">
+              <a:spcBef>
+                <a:spcPct val="20000"/>
+              </a:spcBef>
+              <a:spcAft>
+                <a:spcPct val="0"/>
+              </a:spcAft>
+              <a:buChar char="»"/>
+              <a:defRPr sz="2000">
+                <a:solidFill>
+                  <a:schemeClr val="tx1"/>
+                </a:solidFill>
+                <a:latin typeface="Arial" panose="020B0604020202020204" pitchFamily="34" charset="0"/>
+              </a:defRPr>
+            </a:lvl7pPr>
+            <a:lvl8pPr marL="3429000" indent="-228600" eaLnBrk="0" fontAlgn="base" hangingPunct="0">
+              <a:spcBef>
+                <a:spcPct val="20000"/>
+              </a:spcBef>
+              <a:spcAft>
+                <a:spcPct val="0"/>
+              </a:spcAft>
+              <a:buChar char="»"/>
+              <a:defRPr sz="2000">
+                <a:solidFill>
+                  <a:schemeClr val="tx1"/>
+                </a:solidFill>
+                <a:latin typeface="Arial" panose="020B0604020202020204" pitchFamily="34" charset="0"/>
+              </a:defRPr>
+            </a:lvl8pPr>
+            <a:lvl9pPr marL="3886200" indent="-228600" eaLnBrk="0" fontAlgn="base" hangingPunct="0">
+              <a:spcBef>
+                <a:spcPct val="20000"/>
+              </a:spcBef>
+              <a:spcAft>
+                <a:spcPct val="0"/>
+              </a:spcAft>
+              <a:buChar char="»"/>
+              <a:defRPr sz="2000">
+                <a:solidFill>
+                  <a:schemeClr val="tx1"/>
+                </a:solidFill>
+                <a:latin typeface="Arial" panose="020B0604020202020204" pitchFamily="34" charset="0"/>
+              </a:defRPr>
+            </a:lvl9pPr>
+          </a:lstStyle>
+          <a:p>
+            <a:pPr>
+              <a:spcBef>
+                <a:spcPct val="0"/>
+              </a:spcBef>
+              <a:buFontTx/>
+              <a:buNone/>
+            </a:pPr>
+            <a:r>
+              <a:rPr lang="pt-BR" altLang="pt-BR" sz="1400" dirty="0">
+                <a:solidFill>
+                  <a:schemeClr val="bg1"/>
+                </a:solidFill>
+              </a:rPr>
+              <a:t>Características</a:t>
+            </a:r>
+          </a:p>
+        </p:txBody>
+      </p:sp>
+      <p:sp>
+        <p:nvSpPr>
+          <p:cNvPr id="7" name="CaixaDeTexto 16">
+            <a:extLst>
+              <a:ext uri="{FF2B5EF4-FFF2-40B4-BE49-F238E27FC236}">
+                <a16:creationId xmlns:a16="http://schemas.microsoft.com/office/drawing/2014/main" id="{96B06BF0-F38D-4708-AF64-1149F4C2D779}"/>
+              </a:ext>
+            </a:extLst>
+          </p:cNvPr>
+          <p:cNvSpPr txBox="1">
+            <a:spLocks noChangeArrowheads="1"/>
+          </p:cNvSpPr>
+          <p:nvPr/>
+        </p:nvSpPr>
+        <p:spPr bwMode="auto">
+          <a:xfrm>
+            <a:off x="1763688" y="2973394"/>
+            <a:ext cx="1009650" cy="306387"/>
+          </a:xfrm>
+          <a:prstGeom prst="rect">
+            <a:avLst/>
+          </a:prstGeom>
+          <a:noFill/>
+          <a:ln>
+            <a:noFill/>
+          </a:ln>
+          <a:extLst>
+            <a:ext uri="{909E8E84-426E-40DD-AFC4-6F175D3DCCD1}">
+              <a14:hiddenFill xmlns:a14="http://schemas.microsoft.com/office/drawing/2010/main">
+                <a:solidFill>
+                  <a:srgbClr val="FFFFFF"/>
+                </a:solidFill>
+              </a14:hiddenFill>
+            </a:ext>
+            <a:ext uri="{91240B29-F687-4F45-9708-019B960494DF}">
+              <a14:hiddenLine xmlns:a14="http://schemas.microsoft.com/office/drawing/2010/main" w="9525">
+                <a:solidFill>
+                  <a:srgbClr val="000000"/>
+                </a:solidFill>
+                <a:miter lim="800000"/>
+                <a:headEnd/>
+                <a:tailEnd/>
+              </a14:hiddenLine>
+            </a:ext>
+          </a:extLst>
+        </p:spPr>
+        <p:txBody>
+          <a:bodyPr>
+            <a:spAutoFit/>
+          </a:bodyPr>
+          <a:lstStyle>
+            <a:lvl1pPr>
+              <a:spcBef>
+                <a:spcPct val="20000"/>
+              </a:spcBef>
+              <a:buChar char="•"/>
+              <a:defRPr sz="3200">
+                <a:solidFill>
+                  <a:schemeClr val="tx1"/>
+                </a:solidFill>
+                <a:latin typeface="Arial" panose="020B0604020202020204" pitchFamily="34" charset="0"/>
+              </a:defRPr>
+            </a:lvl1pPr>
+            <a:lvl2pPr marL="742950" indent="-285750">
+              <a:spcBef>
+                <a:spcPct val="20000"/>
+              </a:spcBef>
+              <a:buChar char="–"/>
+              <a:defRPr sz="2800">
+                <a:solidFill>
+                  <a:schemeClr val="tx1"/>
+                </a:solidFill>
+                <a:latin typeface="Arial" panose="020B0604020202020204" pitchFamily="34" charset="0"/>
+              </a:defRPr>
+            </a:lvl2pPr>
+            <a:lvl3pPr marL="1143000" indent="-228600">
+              <a:spcBef>
+                <a:spcPct val="20000"/>
+              </a:spcBef>
+              <a:buChar char="•"/>
+              <a:defRPr sz="2400">
+                <a:solidFill>
+                  <a:schemeClr val="tx1"/>
+                </a:solidFill>
+                <a:latin typeface="Arial" panose="020B0604020202020204" pitchFamily="34" charset="0"/>
+              </a:defRPr>
+            </a:lvl3pPr>
+            <a:lvl4pPr marL="1600200" indent="-228600">
+              <a:spcBef>
+                <a:spcPct val="20000"/>
+              </a:spcBef>
+              <a:buChar char="–"/>
+              <a:defRPr sz="2000">
+                <a:solidFill>
+                  <a:schemeClr val="tx1"/>
+                </a:solidFill>
+                <a:latin typeface="Arial" panose="020B0604020202020204" pitchFamily="34" charset="0"/>
+              </a:defRPr>
+            </a:lvl4pPr>
+            <a:lvl5pPr marL="2057400" indent="-228600">
+              <a:spcBef>
+                <a:spcPct val="20000"/>
+              </a:spcBef>
+              <a:buChar char="»"/>
+              <a:defRPr sz="2000">
+                <a:solidFill>
+                  <a:schemeClr val="tx1"/>
+                </a:solidFill>
+                <a:latin typeface="Arial" panose="020B0604020202020204" pitchFamily="34" charset="0"/>
+              </a:defRPr>
+            </a:lvl5pPr>
+            <a:lvl6pPr marL="2514600" indent="-228600" eaLnBrk="0" fontAlgn="base" hangingPunct="0">
+              <a:spcBef>
+                <a:spcPct val="20000"/>
+              </a:spcBef>
+              <a:spcAft>
+                <a:spcPct val="0"/>
+              </a:spcAft>
+              <a:buChar char="»"/>
+              <a:defRPr sz="2000">
+                <a:solidFill>
+                  <a:schemeClr val="tx1"/>
+                </a:solidFill>
+                <a:latin typeface="Arial" panose="020B0604020202020204" pitchFamily="34" charset="0"/>
+              </a:defRPr>
+            </a:lvl6pPr>
+            <a:lvl7pPr marL="2971800" indent="-228600" eaLnBrk="0" fontAlgn="base" hangingPunct="0">
+              <a:spcBef>
+                <a:spcPct val="20000"/>
+              </a:spcBef>
+              <a:spcAft>
+                <a:spcPct val="0"/>
+              </a:spcAft>
+              <a:buChar char="»"/>
+              <a:defRPr sz="2000">
+                <a:solidFill>
+                  <a:schemeClr val="tx1"/>
+                </a:solidFill>
+                <a:latin typeface="Arial" panose="020B0604020202020204" pitchFamily="34" charset="0"/>
+              </a:defRPr>
+            </a:lvl7pPr>
+            <a:lvl8pPr marL="3429000" indent="-228600" eaLnBrk="0" fontAlgn="base" hangingPunct="0">
+              <a:spcBef>
+                <a:spcPct val="20000"/>
+              </a:spcBef>
+              <a:spcAft>
+                <a:spcPct val="0"/>
+              </a:spcAft>
+              <a:buChar char="»"/>
+              <a:defRPr sz="2000">
+                <a:solidFill>
+                  <a:schemeClr val="tx1"/>
+                </a:solidFill>
+                <a:latin typeface="Arial" panose="020B0604020202020204" pitchFamily="34" charset="0"/>
+              </a:defRPr>
+            </a:lvl8pPr>
+            <a:lvl9pPr marL="3886200" indent="-228600" eaLnBrk="0" fontAlgn="base" hangingPunct="0">
+              <a:spcBef>
+                <a:spcPct val="20000"/>
+              </a:spcBef>
+              <a:spcAft>
+                <a:spcPct val="0"/>
+              </a:spcAft>
+              <a:buChar char="»"/>
+              <a:defRPr sz="2000">
+                <a:solidFill>
+                  <a:schemeClr val="tx1"/>
+                </a:solidFill>
+                <a:latin typeface="Arial" panose="020B0604020202020204" pitchFamily="34" charset="0"/>
+              </a:defRPr>
+            </a:lvl9pPr>
+          </a:lstStyle>
+          <a:p>
+            <a:pPr>
+              <a:spcBef>
+                <a:spcPct val="0"/>
+              </a:spcBef>
+              <a:buFontTx/>
+              <a:buNone/>
+            </a:pPr>
+            <a:r>
+              <a:rPr lang="pt-BR" altLang="pt-BR" sz="1400" dirty="0">
+                <a:solidFill>
+                  <a:schemeClr val="bg1"/>
+                </a:solidFill>
+              </a:rPr>
+              <a:t>Trabalho</a:t>
+            </a:r>
+          </a:p>
+        </p:txBody>
+      </p:sp>
+      <p:pic>
+        <p:nvPicPr>
+          <p:cNvPr id="8" name="Imagem 3" descr="Interface gráfica do usuário, Aplicativo&#10;&#10;Descrição gerada automaticamente">
+            <a:extLst>
+              <a:ext uri="{FF2B5EF4-FFF2-40B4-BE49-F238E27FC236}">
+                <a16:creationId xmlns:a16="http://schemas.microsoft.com/office/drawing/2014/main" id="{C16521D6-3A20-4FD4-B7E2-7D44EC301254}"/>
+              </a:ext>
+            </a:extLst>
+          </p:cNvPr>
+          <p:cNvPicPr>
+            <a:picLocks noChangeAspect="1" noChangeArrowheads="1"/>
+          </p:cNvPicPr>
+          <p:nvPr/>
+        </p:nvPicPr>
+        <p:blipFill>
+          <a:blip r:embed="rId2">
+            <a:extLst>
+              <a:ext uri="{28A0092B-C50C-407E-A947-70E740481C1C}">
+                <a14:useLocalDpi xmlns:a14="http://schemas.microsoft.com/office/drawing/2010/main" val="0"/>
+              </a:ext>
+            </a:extLst>
+          </a:blip>
+          <a:srcRect/>
+          <a:stretch>
+            <a:fillRect/>
+          </a:stretch>
+        </p:blipFill>
+        <p:spPr bwMode="auto">
+          <a:xfrm>
+            <a:off x="4994454" y="2965995"/>
+            <a:ext cx="3602850" cy="1975173"/>
+          </a:xfrm>
+          <a:prstGeom prst="rect">
+            <a:avLst/>
+          </a:prstGeom>
+          <a:noFill/>
+          <a:ln>
+            <a:noFill/>
+          </a:ln>
+          <a:extLst>
+            <a:ext uri="{909E8E84-426E-40DD-AFC4-6F175D3DCCD1}">
+              <a14:hiddenFill xmlns:a14="http://schemas.microsoft.com/office/drawing/2010/main">
+                <a:solidFill>
+                  <a:srgbClr val="FFFFFF"/>
+                </a:solidFill>
+              </a14:hiddenFill>
+            </a:ext>
+            <a:ext uri="{91240B29-F687-4F45-9708-019B960494DF}">
+              <a14:hiddenLine xmlns:a14="http://schemas.microsoft.com/office/drawing/2010/main" w="9525">
+                <a:solidFill>
+                  <a:srgbClr val="000000"/>
+                </a:solidFill>
+                <a:miter lim="800000"/>
+                <a:headEnd/>
+                <a:tailEnd/>
+              </a14:hiddenLine>
+            </a:ext>
+          </a:extLst>
+        </p:spPr>
+      </p:pic>
+    </p:spTree>
+    <p:extLst>
+      <p:ext uri="{BB962C8B-B14F-4D97-AF65-F5344CB8AC3E}">
+        <p14:creationId xmlns:p14="http://schemas.microsoft.com/office/powerpoint/2010/main" val="4196046499"/>
+      </p:ext>
+    </p:extLst>
+  </p:cSld>
+  <p:clrMapOvr>
+    <a:masterClrMapping/>
+  </p:clrMapOvr>
+</p:sld>
+</file>
+
+<file path=ppt/slides/slide11.xml><?xml version="1.0" encoding="utf-8"?>
 <p:sld xmlns:a="http://schemas.openxmlformats.org/drawingml/2006/main" xmlns:r="http://schemas.openxmlformats.org/officeDocument/2006/relationships" xmlns:p="http://schemas.openxmlformats.org/presentationml/2006/main">
   <p:cSld>
     <p:spTree>
@@ -5995,126 +7310,6 @@
 </p:sld>
 </file>
 
-<file path=ppt/slides/slide11.xml><?xml version="1.0" encoding="utf-8"?>
-<p:sld xmlns:a="http://schemas.openxmlformats.org/drawingml/2006/main" xmlns:r="http://schemas.openxmlformats.org/officeDocument/2006/relationships" xmlns:p="http://schemas.openxmlformats.org/presentationml/2006/main">
-  <p:cSld>
-    <p:spTree>
-      <p:nvGrpSpPr>
-        <p:cNvPr id="1" name=""/>
-        <p:cNvGrpSpPr/>
-        <p:nvPr/>
-      </p:nvGrpSpPr>
-      <p:grpSpPr>
-        <a:xfrm>
-          <a:off x="0" y="0"/>
-          <a:ext cx="0" cy="0"/>
-          <a:chOff x="0" y="0"/>
-          <a:chExt cx="0" cy="0"/>
-        </a:xfrm>
-      </p:grpSpPr>
-      <p:sp>
-        <p:nvSpPr>
-          <p:cNvPr id="2" name="Título 1"/>
-          <p:cNvSpPr>
-            <a:spLocks noGrp="1"/>
-          </p:cNvSpPr>
-          <p:nvPr>
-            <p:ph type="title"/>
-          </p:nvPr>
-        </p:nvSpPr>
-        <p:spPr/>
-        <p:txBody>
-          <a:bodyPr/>
-          <a:lstStyle/>
-          <a:p>
-            <a:r>
-              <a:rPr lang="pt-BR" dirty="0"/>
-              <a:t>Especificação (1/4)</a:t>
-            </a:r>
-          </a:p>
-        </p:txBody>
-      </p:sp>
-      <p:sp>
-        <p:nvSpPr>
-          <p:cNvPr id="3" name="Espaço Reservado para Conteúdo 2"/>
-          <p:cNvSpPr>
-            <a:spLocks noGrp="1"/>
-          </p:cNvSpPr>
-          <p:nvPr>
-            <p:ph idx="1"/>
-          </p:nvPr>
-        </p:nvSpPr>
-        <p:spPr/>
-        <p:txBody>
-          <a:bodyPr>
-            <a:normAutofit/>
-          </a:bodyPr>
-          <a:lstStyle/>
-          <a:p>
-            <a:r>
-              <a:rPr lang="pt-BR" dirty="0"/>
-              <a:t>Requisitos funcionais</a:t>
-            </a:r>
-          </a:p>
-          <a:p>
-            <a:pPr lvl="1"/>
-            <a:r>
-              <a:rPr lang="pt-BR" b="1" dirty="0"/>
-              <a:t>RF01</a:t>
-            </a:r>
-            <a:r>
-              <a:rPr lang="pt-BR" dirty="0"/>
-              <a:t>:	Permitir importar/exportar atividades em forma de exercícios com a opção de bloqueio de campos</a:t>
-            </a:r>
-          </a:p>
-          <a:p>
-            <a:pPr lvl="1"/>
-            <a:r>
-              <a:rPr lang="pt-BR" b="1" dirty="0"/>
-              <a:t>RF02</a:t>
-            </a:r>
-            <a:r>
-              <a:rPr lang="pt-BR" dirty="0"/>
-              <a:t>:	Disponibilizar guia de Ajuda o qual documenta as funcionalidades disponíveis da ferramenta</a:t>
-            </a:r>
-          </a:p>
-          <a:p>
-            <a:pPr lvl="1"/>
-            <a:r>
-              <a:rPr lang="pt-BR" b="1" dirty="0"/>
-              <a:t>RF03</a:t>
-            </a:r>
-            <a:r>
-              <a:rPr lang="pt-BR" dirty="0"/>
-              <a:t>:	Desenhar novos componentes dos tipos Iteração, Polígono e </a:t>
-            </a:r>
-            <a:r>
-              <a:rPr lang="pt-BR" dirty="0" err="1"/>
-              <a:t>Spline</a:t>
-            </a:r>
-            <a:endParaRPr lang="pt-BR" dirty="0"/>
-          </a:p>
-          <a:p>
-            <a:endParaRPr lang="pt-BR" dirty="0"/>
-          </a:p>
-          <a:p>
-            <a:endParaRPr lang="pt-BR" dirty="0"/>
-          </a:p>
-        </p:txBody>
-      </p:sp>
-    </p:spTree>
-    <p:extLst>
-      <p:ext uri="{BB962C8B-B14F-4D97-AF65-F5344CB8AC3E}">
-        <p14:creationId xmlns:p14="http://schemas.microsoft.com/office/powerpoint/2010/main" val="1997644590"/>
-      </p:ext>
-    </p:extLst>
-  </p:cSld>
-  <p:clrMapOvr>
-    <a:masterClrMapping/>
-  </p:clrMapOvr>
-</p:sld>
-</file>
-
 <file path=ppt/slides/slide12.xml><?xml version="1.0" encoding="utf-8"?>
 <p:sld xmlns:a="http://schemas.openxmlformats.org/drawingml/2006/main" xmlns:r="http://schemas.openxmlformats.org/officeDocument/2006/relationships" xmlns:p="http://schemas.openxmlformats.org/presentationml/2006/main">
   <p:cSld>
@@ -6149,7 +7344,7 @@
           <a:p>
             <a:r>
               <a:rPr lang="pt-BR" dirty="0"/>
-              <a:t>Especificação (2/4)</a:t>
+              <a:t>Especificação (1/4)</a:t>
             </a:r>
           </a:p>
         </p:txBody>
@@ -6173,30 +7368,46 @@
           <a:p>
             <a:r>
               <a:rPr lang="pt-BR" dirty="0"/>
-              <a:t>Requisitos não funcionais</a:t>
+              <a:t>Requisitos funcionais</a:t>
             </a:r>
           </a:p>
           <a:p>
             <a:pPr lvl="1"/>
             <a:r>
               <a:rPr lang="pt-BR" b="1" dirty="0"/>
-              <a:t>RNF01</a:t>
+              <a:t>RF01</a:t>
             </a:r>
             <a:r>
               <a:rPr lang="pt-BR" dirty="0"/>
-              <a:t>: Ser desenvolvida na linguagem C#</a:t>
+              <a:t>:	Permitir importar/exportar atividades em forma de exercícios com a opção de bloqueio de campos</a:t>
             </a:r>
           </a:p>
           <a:p>
             <a:pPr lvl="1"/>
             <a:r>
               <a:rPr lang="pt-BR" b="1" dirty="0"/>
-              <a:t>RNF02</a:t>
+              <a:t>RF02</a:t>
             </a:r>
             <a:r>
               <a:rPr lang="pt-BR" dirty="0"/>
-              <a:t>: Utilizar motor de jogos Unity</a:t>
-            </a:r>
+              <a:t>:	Disponibilizar guia de Ajuda o qual documenta as funcionalidades disponíveis da ferramenta</a:t>
+            </a:r>
+          </a:p>
+          <a:p>
+            <a:pPr lvl="1"/>
+            <a:r>
+              <a:rPr lang="pt-BR" b="1" dirty="0"/>
+              <a:t>RF03</a:t>
+            </a:r>
+            <a:r>
+              <a:rPr lang="pt-BR" dirty="0"/>
+              <a:t>:	Desenhar novos componentes dos tipos Iteração, Polígono e </a:t>
+            </a:r>
+            <a:r>
+              <a:rPr lang="pt-BR" dirty="0" err="1"/>
+              <a:t>Spline</a:t>
+            </a:r>
+            <a:endParaRPr lang="pt-BR" dirty="0"/>
           </a:p>
           <a:p>
             <a:endParaRPr lang="pt-BR" dirty="0"/>
@@ -6209,7 +7420,7 @@
     </p:spTree>
     <p:extLst>
       <p:ext uri="{BB962C8B-B14F-4D97-AF65-F5344CB8AC3E}">
-        <p14:creationId xmlns:p14="http://schemas.microsoft.com/office/powerpoint/2010/main" val="1989043702"/>
+        <p14:creationId xmlns:p14="http://schemas.microsoft.com/office/powerpoint/2010/main" val="1997644590"/>
       </p:ext>
     </p:extLst>
   </p:cSld>
@@ -6253,7 +7464,7 @@
           <a:p>
             <a:r>
               <a:rPr lang="pt-BR" dirty="0"/>
-              <a:t>Especificação (3/4)</a:t>
+              <a:t>Especificação (2/4)</a:t>
             </a:r>
           </a:p>
         </p:txBody>
@@ -6269,6 +7480,93 @@
           </p:nvPr>
         </p:nvSpPr>
         <p:spPr/>
+        <p:txBody>
+          <a:bodyPr>
+            <a:normAutofit/>
+          </a:bodyPr>
+          <a:lstStyle/>
+          <a:p>
+            <a:r>
+              <a:rPr lang="pt-BR" dirty="0"/>
+              <a:t>Requisitos não funcionais</a:t>
+            </a:r>
+          </a:p>
+          <a:p>
+            <a:pPr lvl="1"/>
+            <a:r>
+              <a:rPr lang="pt-BR" b="1" dirty="0"/>
+              <a:t>RNF01</a:t>
+            </a:r>
+            <a:r>
+              <a:rPr lang="pt-BR" dirty="0"/>
+              <a:t>: Ser desenvolvida na linguagem C#</a:t>
+            </a:r>
+          </a:p>
+          <a:p>
+            <a:pPr lvl="1"/>
+            <a:r>
+              <a:rPr lang="pt-BR" b="1" dirty="0"/>
+              <a:t>RNF02</a:t>
+            </a:r>
+            <a:r>
+              <a:rPr lang="pt-BR" dirty="0"/>
+              <a:t>: Utilizar motor de jogos Unity</a:t>
+            </a:r>
+          </a:p>
+          <a:p>
+            <a:endParaRPr lang="pt-BR" dirty="0"/>
+          </a:p>
+          <a:p>
+            <a:endParaRPr lang="pt-BR" dirty="0"/>
+          </a:p>
+        </p:txBody>
+      </p:sp>
+    </p:spTree>
+    <p:extLst>
+      <p:ext uri="{BB962C8B-B14F-4D97-AF65-F5344CB8AC3E}">
+        <p14:creationId xmlns:p14="http://schemas.microsoft.com/office/powerpoint/2010/main" val="1989043702"/>
+      </p:ext>
+    </p:extLst>
+  </p:cSld>
+  <p:clrMapOvr>
+    <a:masterClrMapping/>
+  </p:clrMapOvr>
+</p:sld>
+</file>
+
+<file path=ppt/slides/slide14.xml><?xml version="1.0" encoding="utf-8"?>
+<p:sld xmlns:a="http://schemas.openxmlformats.org/drawingml/2006/main" xmlns:r="http://schemas.openxmlformats.org/officeDocument/2006/relationships" xmlns:p="http://schemas.openxmlformats.org/presentationml/2006/main">
+  <p:cSld>
+    <p:spTree>
+      <p:nvGrpSpPr>
+        <p:cNvPr id="1" name=""/>
+        <p:cNvGrpSpPr/>
+        <p:nvPr/>
+      </p:nvGrpSpPr>
+      <p:grpSpPr>
+        <a:xfrm>
+          <a:off x="0" y="0"/>
+          <a:ext cx="0" cy="0"/>
+          <a:chOff x="0" y="0"/>
+          <a:chExt cx="0" cy="0"/>
+        </a:xfrm>
+      </p:grpSpPr>
+      <p:sp>
+        <p:nvSpPr>
+          <p:cNvPr id="3" name="Espaço Reservado para Conteúdo 2"/>
+          <p:cNvSpPr>
+            <a:spLocks noGrp="1"/>
+          </p:cNvSpPr>
+          <p:nvPr>
+            <p:ph idx="1"/>
+          </p:nvPr>
+        </p:nvSpPr>
+        <p:spPr>
+          <a:xfrm>
+            <a:off x="0" y="6165304"/>
+            <a:ext cx="7632848" cy="504056"/>
+          </a:xfrm>
+        </p:spPr>
         <p:txBody>
           <a:bodyPr>
             <a:normAutofit/>
@@ -6315,8 +7613,8 @@
         </p:blipFill>
         <p:spPr>
           <a:xfrm>
-            <a:off x="1310569" y="1844824"/>
-            <a:ext cx="6213759" cy="4414188"/>
+            <a:off x="179512" y="116632"/>
+            <a:ext cx="8413223" cy="5976664"/>
           </a:xfrm>
           <a:prstGeom prst="rect">
             <a:avLst/>
@@ -6341,7 +7639,7 @@
 </p:sld>
 </file>
 
-<file path=ppt/slides/slide14.xml><?xml version="1.0" encoding="utf-8"?>
+<file path=ppt/slides/slide15.xml><?xml version="1.0" encoding="utf-8"?>
 <p:sld xmlns:a="http://schemas.openxmlformats.org/drawingml/2006/main" xmlns:r="http://schemas.openxmlformats.org/officeDocument/2006/relationships" xmlns:p="http://schemas.openxmlformats.org/presentationml/2006/main">
   <p:cSld>
     <p:spTree>
@@ -6360,28 +7658,6 @@
       </p:grpSpPr>
       <p:sp>
         <p:nvSpPr>
-          <p:cNvPr id="2" name="Título 1"/>
-          <p:cNvSpPr>
-            <a:spLocks noGrp="1"/>
-          </p:cNvSpPr>
-          <p:nvPr>
-            <p:ph type="title"/>
-          </p:nvPr>
-        </p:nvSpPr>
-        <p:spPr/>
-        <p:txBody>
-          <a:bodyPr/>
-          <a:lstStyle/>
-          <a:p>
-            <a:r>
-              <a:rPr lang="pt-BR" dirty="0"/>
-              <a:t>Especificação (4/4)</a:t>
-            </a:r>
-          </a:p>
-        </p:txBody>
-      </p:sp>
-      <p:sp>
-        <p:nvSpPr>
           <p:cNvPr id="3" name="Espaço Reservado para Conteúdo 2"/>
           <p:cNvSpPr>
             <a:spLocks noGrp="1"/>
@@ -6390,7 +7666,12 @@
             <p:ph idx="1"/>
           </p:nvPr>
         </p:nvSpPr>
-        <p:spPr/>
+        <p:spPr>
+          <a:xfrm>
+            <a:off x="5508104" y="548680"/>
+            <a:ext cx="3336006" cy="1008112"/>
+          </a:xfrm>
+        </p:spPr>
         <p:txBody>
           <a:bodyPr>
             <a:normAutofit/>
@@ -6434,8 +7715,8 @@
         </p:blipFill>
         <p:spPr>
           <a:xfrm>
-            <a:off x="2550998" y="1844824"/>
-            <a:ext cx="4042003" cy="4527442"/>
+            <a:off x="179512" y="404664"/>
+            <a:ext cx="5078688" cy="5688632"/>
           </a:xfrm>
           <a:prstGeom prst="rect">
             <a:avLst/>
@@ -6451,135 +7732,6 @@
     <p:extLst>
       <p:ext uri="{BB962C8B-B14F-4D97-AF65-F5344CB8AC3E}">
         <p14:creationId xmlns:p14="http://schemas.microsoft.com/office/powerpoint/2010/main" val="3189901488"/>
-      </p:ext>
-    </p:extLst>
-  </p:cSld>
-  <p:clrMapOvr>
-    <a:masterClrMapping/>
-  </p:clrMapOvr>
-</p:sld>
-</file>
-
-<file path=ppt/slides/slide15.xml><?xml version="1.0" encoding="utf-8"?>
-<p:sld xmlns:a="http://schemas.openxmlformats.org/drawingml/2006/main" xmlns:r="http://schemas.openxmlformats.org/officeDocument/2006/relationships" xmlns:p="http://schemas.openxmlformats.org/presentationml/2006/main">
-  <p:cSld>
-    <p:spTree>
-      <p:nvGrpSpPr>
-        <p:cNvPr id="1" name=""/>
-        <p:cNvGrpSpPr/>
-        <p:nvPr/>
-      </p:nvGrpSpPr>
-      <p:grpSpPr>
-        <a:xfrm>
-          <a:off x="0" y="0"/>
-          <a:ext cx="0" cy="0"/>
-          <a:chOff x="0" y="0"/>
-          <a:chExt cx="0" cy="0"/>
-        </a:xfrm>
-      </p:grpSpPr>
-      <p:sp>
-        <p:nvSpPr>
-          <p:cNvPr id="2" name="Título 1"/>
-          <p:cNvSpPr>
-            <a:spLocks noGrp="1"/>
-          </p:cNvSpPr>
-          <p:nvPr>
-            <p:ph type="title"/>
-          </p:nvPr>
-        </p:nvSpPr>
-        <p:spPr/>
-        <p:txBody>
-          <a:bodyPr/>
-          <a:lstStyle/>
-          <a:p>
-            <a:r>
-              <a:rPr lang="pt-BR" dirty="0"/>
-              <a:t>Implementação (1/7)</a:t>
-            </a:r>
-          </a:p>
-        </p:txBody>
-      </p:sp>
-      <p:sp>
-        <p:nvSpPr>
-          <p:cNvPr id="3" name="Espaço Reservado para Conteúdo 2"/>
-          <p:cNvSpPr>
-            <a:spLocks noGrp="1"/>
-          </p:cNvSpPr>
-          <p:nvPr>
-            <p:ph idx="1"/>
-          </p:nvPr>
-        </p:nvSpPr>
-        <p:spPr/>
-        <p:txBody>
-          <a:bodyPr>
-            <a:normAutofit/>
-          </a:bodyPr>
-          <a:lstStyle/>
-          <a:p>
-            <a:r>
-              <a:rPr lang="pt-BR" dirty="0"/>
-              <a:t>Refatoração</a:t>
-            </a:r>
-          </a:p>
-          <a:p>
-            <a:pPr lvl="1"/>
-            <a:r>
-              <a:rPr lang="pt-BR" dirty="0"/>
-              <a:t>Comportamentos e propriedades</a:t>
-            </a:r>
-          </a:p>
-          <a:p>
-            <a:pPr lvl="1"/>
-            <a:r>
-              <a:rPr lang="pt-BR" dirty="0"/>
-              <a:t>Ajustes nas posições das peças nos slots</a:t>
-            </a:r>
-          </a:p>
-          <a:p>
-            <a:pPr lvl="1"/>
-            <a:r>
-              <a:rPr lang="pt-BR" dirty="0"/>
-              <a:t>Utilização de </a:t>
-            </a:r>
-            <a:r>
-              <a:rPr lang="pt-BR" dirty="0" err="1"/>
-              <a:t>coroutines</a:t>
-            </a:r>
-            <a:r>
-              <a:rPr lang="pt-BR" dirty="0"/>
-              <a:t> do Unity</a:t>
-            </a:r>
-          </a:p>
-          <a:p>
-            <a:pPr lvl="1"/>
-            <a:r>
-              <a:rPr lang="pt-BR" dirty="0"/>
-              <a:t>Rotina de remoção das peças</a:t>
-            </a:r>
-          </a:p>
-          <a:p>
-            <a:pPr lvl="1"/>
-            <a:r>
-              <a:rPr lang="pt-BR" dirty="0"/>
-              <a:t>Constantes e objetos globais não mais utilizados</a:t>
-            </a:r>
-          </a:p>
-          <a:p>
-            <a:pPr lvl="1"/>
-            <a:endParaRPr lang="pt-BR" dirty="0"/>
-          </a:p>
-          <a:p>
-            <a:endParaRPr lang="pt-BR" dirty="0"/>
-          </a:p>
-          <a:p>
-            <a:endParaRPr lang="pt-BR" dirty="0"/>
-          </a:p>
-        </p:txBody>
-      </p:sp>
-    </p:spTree>
-    <p:extLst>
-      <p:ext uri="{BB962C8B-B14F-4D97-AF65-F5344CB8AC3E}">
-        <p14:creationId xmlns:p14="http://schemas.microsoft.com/office/powerpoint/2010/main" val="555475493"/>
       </p:ext>
     </p:extLst>
   </p:cSld>
@@ -6623,7 +7775,7 @@
           <a:p>
             <a:r>
               <a:rPr lang="pt-BR" dirty="0"/>
-              <a:t>Implementação (2/7)</a:t>
+              <a:t>Implementação (1/8)</a:t>
             </a:r>
           </a:p>
         </p:txBody>
@@ -6647,85 +7799,68 @@
           <a:p>
             <a:r>
               <a:rPr lang="pt-BR" dirty="0"/>
-              <a:t>Adicionado peça </a:t>
+              <a:t>Refatoração</a:t>
+            </a:r>
+          </a:p>
+          <a:p>
+            <a:pPr lvl="1"/>
+            <a:r>
+              <a:rPr lang="pt-BR" dirty="0"/>
+              <a:t>Comportamentos e propriedades</a:t>
+            </a:r>
+          </a:p>
+          <a:p>
+            <a:pPr lvl="1"/>
+            <a:r>
+              <a:rPr lang="pt-BR" dirty="0"/>
+              <a:t>Ajustes nas posições das peças nos slots</a:t>
+            </a:r>
+          </a:p>
+          <a:p>
+            <a:pPr lvl="1"/>
+            <a:r>
+              <a:rPr lang="pt-BR" dirty="0"/>
+              <a:t>Utilização de </a:t>
             </a:r>
             <a:r>
               <a:rPr lang="pt-BR" dirty="0" err="1"/>
-              <a:t>Spline</a:t>
-            </a:r>
+              <a:t>coroutines</a:t>
+            </a:r>
+            <a:r>
+              <a:rPr lang="pt-BR" dirty="0"/>
+              <a:t> do Unity</a:t>
+            </a:r>
+          </a:p>
+          <a:p>
+            <a:pPr lvl="1"/>
+            <a:r>
+              <a:rPr lang="pt-BR" dirty="0"/>
+              <a:t>Rotina de remoção das peças</a:t>
+            </a:r>
+          </a:p>
+          <a:p>
+            <a:pPr lvl="1"/>
+            <a:r>
+              <a:rPr lang="pt-BR" dirty="0"/>
+              <a:t>Constantes e objetos globais não mais utilizados</a:t>
+            </a:r>
+          </a:p>
+          <a:p>
+            <a:pPr lvl="1"/>
             <a:endParaRPr lang="pt-BR" dirty="0"/>
           </a:p>
           <a:p>
-            <a:pPr lvl="1"/>
-            <a:r>
-              <a:rPr lang="pt-BR" dirty="0"/>
-              <a:t>Utilizando componente terceiro </a:t>
-            </a:r>
-            <a:r>
-              <a:rPr lang="pt-BR" dirty="0" err="1"/>
-              <a:t>SplineMesh</a:t>
-            </a:r>
             <a:endParaRPr lang="pt-BR" dirty="0"/>
           </a:p>
           <a:p>
-            <a:pPr marL="457200" lvl="1" indent="0">
-              <a:buNone/>
-            </a:pPr>
-            <a:endParaRPr lang="pt-BR" dirty="0"/>
-          </a:p>
-          <a:p>
-            <a:pPr marL="457200" lvl="1" indent="0">
-              <a:buNone/>
-            </a:pPr>
             <a:endParaRPr lang="pt-BR" dirty="0"/>
           </a:p>
         </p:txBody>
       </p:sp>
-      <p:pic>
-        <p:nvPicPr>
-          <p:cNvPr id="5" name="Imagem 4">
-            <a:extLst>
-              <a:ext uri="{FF2B5EF4-FFF2-40B4-BE49-F238E27FC236}">
-                <a16:creationId xmlns:a16="http://schemas.microsoft.com/office/drawing/2014/main" id="{048422F9-BE18-495B-9263-2DC4257B4740}"/>
-              </a:ext>
-            </a:extLst>
-          </p:cNvPr>
-          <p:cNvPicPr>
-            <a:picLocks noChangeAspect="1"/>
-          </p:cNvPicPr>
-          <p:nvPr/>
-        </p:nvPicPr>
-        <p:blipFill>
-          <a:blip r:embed="rId2">
-            <a:extLst>
-              <a:ext uri="{28A0092B-C50C-407E-A947-70E740481C1C}">
-                <a14:useLocalDpi xmlns:a14="http://schemas.microsoft.com/office/drawing/2010/main" val="0"/>
-              </a:ext>
-            </a:extLst>
-          </a:blip>
-          <a:stretch>
-            <a:fillRect/>
-          </a:stretch>
-        </p:blipFill>
-        <p:spPr>
-          <a:xfrm>
-            <a:off x="755576" y="2887530"/>
-            <a:ext cx="7729836" cy="2269661"/>
-          </a:xfrm>
-          <a:prstGeom prst="rect">
-            <a:avLst/>
-          </a:prstGeom>
-          <a:ln>
-            <a:solidFill>
-              <a:schemeClr val="tx1"/>
-            </a:solidFill>
-          </a:ln>
-        </p:spPr>
-      </p:pic>
     </p:spTree>
     <p:extLst>
       <p:ext uri="{BB962C8B-B14F-4D97-AF65-F5344CB8AC3E}">
-        <p14:creationId xmlns:p14="http://schemas.microsoft.com/office/powerpoint/2010/main" val="1696598633"/>
+        <p14:creationId xmlns:p14="http://schemas.microsoft.com/office/powerpoint/2010/main" val="555475493"/>
       </p:ext>
     </p:extLst>
   </p:cSld>
@@ -6769,7 +7904,7 @@
           <a:p>
             <a:r>
               <a:rPr lang="pt-BR" dirty="0"/>
-              <a:t>Implementação (3/7)</a:t>
+              <a:t>Implementação (2/8)</a:t>
             </a:r>
           </a:p>
         </p:txBody>
@@ -6793,37 +7928,46 @@
           <a:p>
             <a:r>
               <a:rPr lang="pt-BR" dirty="0"/>
-              <a:t>Peça Polígono</a:t>
-            </a:r>
+              <a:t>Adicionado peça </a:t>
+            </a:r>
+            <a:r>
+              <a:rPr lang="pt-BR" dirty="0" err="1"/>
+              <a:t>Spline</a:t>
+            </a:r>
+            <a:endParaRPr lang="pt-BR" dirty="0"/>
           </a:p>
           <a:p>
             <a:pPr lvl="1"/>
             <a:r>
               <a:rPr lang="pt-BR" dirty="0"/>
-              <a:t>Utilização de recurso como: </a:t>
+              <a:t>Utilizando componente terceiro </a:t>
             </a:r>
             <a:r>
               <a:rPr lang="pt-BR" dirty="0" err="1"/>
-              <a:t>MeshRenderer</a:t>
-            </a:r>
-            <a:r>
-              <a:rPr lang="pt-BR" dirty="0"/>
-              <a:t> e </a:t>
-            </a:r>
-            <a:r>
-              <a:rPr lang="pt-BR" dirty="0" err="1"/>
-              <a:t>Triangulator</a:t>
-            </a:r>
+              <a:t>SplineMesh</a:t>
+            </a:r>
+            <a:endParaRPr lang="pt-BR" dirty="0"/>
+          </a:p>
+          <a:p>
+            <a:pPr marL="457200" lvl="1" indent="0">
+              <a:buNone/>
+            </a:pPr>
+            <a:endParaRPr lang="pt-BR" dirty="0"/>
+          </a:p>
+          <a:p>
+            <a:pPr marL="457200" lvl="1" indent="0">
+              <a:buNone/>
+            </a:pPr>
             <a:endParaRPr lang="pt-BR" dirty="0"/>
           </a:p>
         </p:txBody>
       </p:sp>
       <p:pic>
         <p:nvPicPr>
-          <p:cNvPr id="4" name="Imagem 3">
+          <p:cNvPr id="5" name="Imagem 4">
             <a:extLst>
               <a:ext uri="{FF2B5EF4-FFF2-40B4-BE49-F238E27FC236}">
-                <a16:creationId xmlns:a16="http://schemas.microsoft.com/office/drawing/2014/main" id="{CF742AD2-4699-44DB-BAF8-628BDBFB527F}"/>
+                <a16:creationId xmlns:a16="http://schemas.microsoft.com/office/drawing/2014/main" id="{048422F9-BE18-495B-9263-2DC4257B4740}"/>
               </a:ext>
             </a:extLst>
           </p:cNvPr>
@@ -6833,7 +7977,7 @@
           <p:nvPr/>
         </p:nvPicPr>
         <p:blipFill>
-          <a:blip r:embed="rId2" cstate="print">
+          <a:blip r:embed="rId2">
             <a:extLst>
               <a:ext uri="{28A0092B-C50C-407E-A947-70E740481C1C}">
                 <a14:useLocalDpi xmlns:a14="http://schemas.microsoft.com/office/drawing/2010/main" val="0"/>
@@ -6846,8 +7990,8 @@
         </p:blipFill>
         <p:spPr>
           <a:xfrm>
-            <a:off x="628718" y="3140968"/>
-            <a:ext cx="7886564" cy="2088232"/>
+            <a:off x="157693" y="2790056"/>
+            <a:ext cx="8828614" cy="2592288"/>
           </a:xfrm>
           <a:prstGeom prst="rect">
             <a:avLst/>
@@ -6862,7 +8006,7 @@
     </p:spTree>
     <p:extLst>
       <p:ext uri="{BB962C8B-B14F-4D97-AF65-F5344CB8AC3E}">
-        <p14:creationId xmlns:p14="http://schemas.microsoft.com/office/powerpoint/2010/main" val="4150733308"/>
+        <p14:creationId xmlns:p14="http://schemas.microsoft.com/office/powerpoint/2010/main" val="1696598633"/>
       </p:ext>
     </p:extLst>
   </p:cSld>
@@ -6906,7 +8050,7 @@
           <a:p>
             <a:r>
               <a:rPr lang="pt-BR" dirty="0"/>
-              <a:t>Implementação (4/7)</a:t>
+              <a:t>Implementação (3/8)</a:t>
             </a:r>
           </a:p>
         </p:txBody>
@@ -6929,45 +8073,53 @@
           <a:lstStyle/>
           <a:p>
             <a:r>
-              <a:rPr lang="pt-BR" dirty="0"/>
-              <a:t>Peça Iteração</a:t>
+              <a:rPr lang="pt-BR" sz="2800" dirty="0"/>
+              <a:t>Peça Polígono</a:t>
             </a:r>
           </a:p>
           <a:p>
             <a:pPr lvl="1"/>
             <a:r>
-              <a:rPr lang="pt-BR" dirty="0"/>
-              <a:t>Utilizado recurso de </a:t>
-            </a:r>
-            <a:r>
-              <a:rPr lang="pt-BR" dirty="0" err="1"/>
-              <a:t>Coroutines</a:t>
-            </a:r>
-            <a:r>
-              <a:rPr lang="pt-BR" dirty="0"/>
-              <a:t> do Unity</a:t>
-            </a:r>
-          </a:p>
-          <a:p>
-            <a:pPr marL="457200" lvl="1" indent="0">
-              <a:buNone/>
-            </a:pPr>
-            <a:endParaRPr lang="pt-BR" dirty="0"/>
-          </a:p>
-          <a:p>
-            <a:pPr marL="457200" lvl="1" indent="0">
-              <a:buNone/>
-            </a:pPr>
-            <a:endParaRPr lang="pt-BR" dirty="0"/>
+              <a:rPr lang="pt-BR" sz="2400" dirty="0"/>
+              <a:t>Utilização de recurso como: </a:t>
+            </a:r>
+            <a:r>
+              <a:rPr lang="pt-BR" sz="2400" dirty="0" err="1"/>
+              <a:t>MeshRenderer</a:t>
+            </a:r>
+            <a:r>
+              <a:rPr lang="pt-BR" sz="2400" dirty="0"/>
+              <a:t> e </a:t>
+            </a:r>
+            <a:r>
+              <a:rPr lang="pt-BR" sz="2400" dirty="0" err="1"/>
+              <a:t>Triangulator</a:t>
+            </a:r>
+            <a:endParaRPr lang="pt-BR" sz="2400" dirty="0"/>
+          </a:p>
+          <a:p>
+            <a:pPr lvl="1"/>
+            <a:r>
+              <a:rPr lang="pt-BR" sz="2400" dirty="0"/>
+              <a:t>Opções de primitivas: Preenchido, Cheio, </a:t>
+            </a:r>
+            <a:r>
+              <a:rPr lang="pt-BR" sz="2400" dirty="0" err="1"/>
+              <a:t>Vertices</a:t>
+            </a:r>
+            <a:r>
+              <a:rPr lang="pt-BR" sz="2400" dirty="0"/>
+              <a:t> e aberto</a:t>
+            </a:r>
           </a:p>
         </p:txBody>
       </p:sp>
       <p:pic>
         <p:nvPicPr>
-          <p:cNvPr id="5" name="Imagem 4" descr="Tela de celular&#10;&#10;Descrição gerada automaticamente com confiança média">
+          <p:cNvPr id="4" name="Imagem 3">
             <a:extLst>
               <a:ext uri="{FF2B5EF4-FFF2-40B4-BE49-F238E27FC236}">
-                <a16:creationId xmlns:a16="http://schemas.microsoft.com/office/drawing/2014/main" id="{3741F4F6-F921-4D1A-9FD0-72A3BEE501B2}"/>
+                <a16:creationId xmlns:a16="http://schemas.microsoft.com/office/drawing/2014/main" id="{CF742AD2-4699-44DB-BAF8-628BDBFB527F}"/>
               </a:ext>
             </a:extLst>
           </p:cNvPr>
@@ -6990,49 +8142,8 @@
         </p:blipFill>
         <p:spPr>
           <a:xfrm>
-            <a:off x="1331640" y="2555409"/>
-            <a:ext cx="5705369" cy="1975532"/>
-          </a:xfrm>
-          <a:prstGeom prst="rect">
-            <a:avLst/>
-          </a:prstGeom>
-          <a:ln>
-            <a:solidFill>
-              <a:schemeClr val="tx1"/>
-            </a:solidFill>
-          </a:ln>
-        </p:spPr>
-      </p:pic>
-      <p:pic>
-        <p:nvPicPr>
-          <p:cNvPr id="6" name="Imagem 5" descr="Diagrama&#10;&#10;Descrição gerada automaticamente com confiança baixa">
-            <a:extLst>
-              <a:ext uri="{FF2B5EF4-FFF2-40B4-BE49-F238E27FC236}">
-                <a16:creationId xmlns:a16="http://schemas.microsoft.com/office/drawing/2014/main" id="{688D3DAC-4198-4F3F-8DEC-EA7A23393235}"/>
-              </a:ext>
-            </a:extLst>
-          </p:cNvPr>
-          <p:cNvPicPr>
-            <a:picLocks noChangeAspect="1"/>
-          </p:cNvPicPr>
-          <p:nvPr/>
-        </p:nvPicPr>
-        <p:blipFill>
-          <a:blip r:embed="rId3" cstate="print">
-            <a:extLst>
-              <a:ext uri="{28A0092B-C50C-407E-A947-70E740481C1C}">
-                <a14:useLocalDpi xmlns:a14="http://schemas.microsoft.com/office/drawing/2010/main" val="0"/>
-              </a:ext>
-            </a:extLst>
-          </a:blip>
-          <a:stretch>
-            <a:fillRect/>
-          </a:stretch>
-        </p:blipFill>
-        <p:spPr>
-          <a:xfrm>
-            <a:off x="1325662" y="4581128"/>
-            <a:ext cx="5705369" cy="1975531"/>
+            <a:off x="84817" y="3573016"/>
+            <a:ext cx="8974366" cy="2376264"/>
           </a:xfrm>
           <a:prstGeom prst="rect">
             <a:avLst/>
@@ -7047,7 +8158,7 @@
     </p:spTree>
     <p:extLst>
       <p:ext uri="{BB962C8B-B14F-4D97-AF65-F5344CB8AC3E}">
-        <p14:creationId xmlns:p14="http://schemas.microsoft.com/office/powerpoint/2010/main" val="3063325790"/>
+        <p14:creationId xmlns:p14="http://schemas.microsoft.com/office/powerpoint/2010/main" val="4150733308"/>
       </p:ext>
     </p:extLst>
   </p:cSld>
@@ -7074,74 +8185,24 @@
           <a:chExt cx="0" cy="0"/>
         </a:xfrm>
       </p:grpSpPr>
-      <p:sp>
-        <p:nvSpPr>
-          <p:cNvPr id="2" name="Título 1"/>
-          <p:cNvSpPr>
-            <a:spLocks noGrp="1"/>
-          </p:cNvSpPr>
-          <p:nvPr>
-            <p:ph type="title"/>
-          </p:nvPr>
-        </p:nvSpPr>
-        <p:spPr/>
-        <p:txBody>
-          <a:bodyPr/>
-          <a:lstStyle/>
-          <a:p>
-            <a:r>
-              <a:rPr lang="pt-BR" dirty="0"/>
-              <a:t>Implementação (5/7)</a:t>
-            </a:r>
-          </a:p>
-        </p:txBody>
-      </p:sp>
-      <p:sp>
-        <p:nvSpPr>
-          <p:cNvPr id="3" name="Espaço Reservado para Conteúdo 2"/>
-          <p:cNvSpPr>
-            <a:spLocks noGrp="1"/>
-          </p:cNvSpPr>
-          <p:nvPr>
-            <p:ph idx="1"/>
-          </p:nvPr>
-        </p:nvSpPr>
-        <p:spPr/>
-        <p:txBody>
-          <a:bodyPr>
-            <a:normAutofit/>
-          </a:bodyPr>
-          <a:lstStyle/>
-          <a:p>
-            <a:r>
-              <a:rPr lang="pt-BR" dirty="0"/>
-              <a:t>Adicionado menu de Ajuda</a:t>
-            </a:r>
-          </a:p>
-          <a:p>
-            <a:pPr marL="457200" lvl="1" indent="0">
-              <a:buNone/>
-            </a:pPr>
-            <a:endParaRPr lang="pt-BR" dirty="0"/>
-          </a:p>
-        </p:txBody>
-      </p:sp>
       <p:pic>
         <p:nvPicPr>
-          <p:cNvPr id="5" name="Imagem 4">
+          <p:cNvPr id="5" name="Espaço Reservado para Conteúdo 4" descr="Tela de computador&#10;&#10;Descrição gerada automaticamente com confiança média">
             <a:extLst>
               <a:ext uri="{FF2B5EF4-FFF2-40B4-BE49-F238E27FC236}">
-                <a16:creationId xmlns:a16="http://schemas.microsoft.com/office/drawing/2014/main" id="{373298DF-A39A-4B64-ADDB-C1D441F517EB}"/>
+                <a16:creationId xmlns:a16="http://schemas.microsoft.com/office/drawing/2014/main" id="{1B92A284-8D9E-4666-948D-C1DD5E5E783C}"/>
               </a:ext>
             </a:extLst>
           </p:cNvPr>
           <p:cNvPicPr>
-            <a:picLocks noChangeAspect="1"/>
+            <a:picLocks noGrp="1" noChangeAspect="1"/>
           </p:cNvPicPr>
-          <p:nvPr/>
+          <p:nvPr>
+            <p:ph idx="1"/>
+          </p:nvPr>
         </p:nvPicPr>
         <p:blipFill>
-          <a:blip r:embed="rId2">
+          <a:blip r:embed="rId2" cstate="print">
             <a:extLst>
               <a:ext uri="{28A0092B-C50C-407E-A947-70E740481C1C}">
                 <a14:useLocalDpi xmlns:a14="http://schemas.microsoft.com/office/drawing/2010/main" val="0"/>
@@ -7154,13 +8215,95 @@
         </p:blipFill>
         <p:spPr>
           <a:xfrm>
-            <a:off x="1701700" y="2132856"/>
-            <a:ext cx="5740599" cy="3429605"/>
+            <a:off x="467544" y="202257"/>
+            <a:ext cx="8023628" cy="2088232"/>
           </a:xfrm>
           <a:prstGeom prst="rect">
             <a:avLst/>
           </a:prstGeom>
-          <a:ln w="9525">
+          <a:ln>
+            <a:solidFill>
+              <a:schemeClr val="tx1"/>
+            </a:solidFill>
+          </a:ln>
+        </p:spPr>
+      </p:pic>
+      <p:pic>
+        <p:nvPicPr>
+          <p:cNvPr id="6" name="Imagem 5" descr="Uma imagem contendo computer, computador, mesa&#10;&#10;Descrição gerada automaticamente">
+            <a:extLst>
+              <a:ext uri="{FF2B5EF4-FFF2-40B4-BE49-F238E27FC236}">
+                <a16:creationId xmlns:a16="http://schemas.microsoft.com/office/drawing/2014/main" id="{636921C7-608C-4E36-9C52-57903529685F}"/>
+              </a:ext>
+            </a:extLst>
+          </p:cNvPr>
+          <p:cNvPicPr>
+            <a:picLocks noChangeAspect="1"/>
+          </p:cNvPicPr>
+          <p:nvPr/>
+        </p:nvPicPr>
+        <p:blipFill>
+          <a:blip r:embed="rId3" cstate="print">
+            <a:extLst>
+              <a:ext uri="{28A0092B-C50C-407E-A947-70E740481C1C}">
+                <a14:useLocalDpi xmlns:a14="http://schemas.microsoft.com/office/drawing/2010/main" val="0"/>
+              </a:ext>
+            </a:extLst>
+          </a:blip>
+          <a:stretch>
+            <a:fillRect/>
+          </a:stretch>
+        </p:blipFill>
+        <p:spPr>
+          <a:xfrm>
+            <a:off x="457158" y="2348884"/>
+            <a:ext cx="8034014" cy="2084515"/>
+          </a:xfrm>
+          <a:prstGeom prst="rect">
+            <a:avLst/>
+          </a:prstGeom>
+          <a:ln>
+            <a:solidFill>
+              <a:schemeClr val="tx1"/>
+            </a:solidFill>
+          </a:ln>
+        </p:spPr>
+      </p:pic>
+      <p:pic>
+        <p:nvPicPr>
+          <p:cNvPr id="7" name="Imagem 6" descr="Uma imagem contendo computer, computador&#10;&#10;Descrição gerada automaticamente">
+            <a:extLst>
+              <a:ext uri="{FF2B5EF4-FFF2-40B4-BE49-F238E27FC236}">
+                <a16:creationId xmlns:a16="http://schemas.microsoft.com/office/drawing/2014/main" id="{2E818890-6D97-4C40-A132-DF24B2110181}"/>
+              </a:ext>
+            </a:extLst>
+          </p:cNvPr>
+          <p:cNvPicPr>
+            <a:picLocks noChangeAspect="1"/>
+          </p:cNvPicPr>
+          <p:nvPr/>
+        </p:nvPicPr>
+        <p:blipFill>
+          <a:blip r:embed="rId4" cstate="print">
+            <a:extLst>
+              <a:ext uri="{28A0092B-C50C-407E-A947-70E740481C1C}">
+                <a14:useLocalDpi xmlns:a14="http://schemas.microsoft.com/office/drawing/2010/main" val="0"/>
+              </a:ext>
+            </a:extLst>
+          </a:blip>
+          <a:stretch>
+            <a:fillRect/>
+          </a:stretch>
+        </p:blipFill>
+        <p:spPr>
+          <a:xfrm>
+            <a:off x="454172" y="4488718"/>
+            <a:ext cx="8048336" cy="2084515"/>
+          </a:xfrm>
+          <a:prstGeom prst="rect">
+            <a:avLst/>
+          </a:prstGeom>
+          <a:ln>
             <a:solidFill>
               <a:schemeClr val="tx1"/>
             </a:solidFill>
@@ -7170,7 +8313,7 @@
     </p:spTree>
     <p:extLst>
       <p:ext uri="{BB962C8B-B14F-4D97-AF65-F5344CB8AC3E}">
-        <p14:creationId xmlns:p14="http://schemas.microsoft.com/office/powerpoint/2010/main" val="1885608876"/>
+        <p14:creationId xmlns:p14="http://schemas.microsoft.com/office/powerpoint/2010/main" val="624474286"/>
       </p:ext>
     </p:extLst>
   </p:cSld>
@@ -7338,6 +8481,280 @@
       </p:grpSpPr>
       <p:sp>
         <p:nvSpPr>
+          <p:cNvPr id="3" name="Espaço Reservado para Conteúdo 2"/>
+          <p:cNvSpPr>
+            <a:spLocks noGrp="1"/>
+          </p:cNvSpPr>
+          <p:nvPr>
+            <p:ph idx="1"/>
+          </p:nvPr>
+        </p:nvSpPr>
+        <p:spPr>
+          <a:xfrm>
+            <a:off x="395536" y="301341"/>
+            <a:ext cx="8229600" cy="1080120"/>
+          </a:xfrm>
+        </p:spPr>
+        <p:txBody>
+          <a:bodyPr>
+            <a:normAutofit lnSpcReduction="10000"/>
+          </a:bodyPr>
+          <a:lstStyle/>
+          <a:p>
+            <a:r>
+              <a:rPr lang="pt-BR" dirty="0"/>
+              <a:t>Peça Iteração</a:t>
+            </a:r>
+          </a:p>
+          <a:p>
+            <a:pPr lvl="1"/>
+            <a:r>
+              <a:rPr lang="pt-BR" dirty="0"/>
+              <a:t>Utilizado recurso de </a:t>
+            </a:r>
+            <a:r>
+              <a:rPr lang="pt-BR" dirty="0" err="1"/>
+              <a:t>Coroutines</a:t>
+            </a:r>
+            <a:r>
+              <a:rPr lang="pt-BR" dirty="0"/>
+              <a:t> do Unity</a:t>
+            </a:r>
+          </a:p>
+          <a:p>
+            <a:pPr marL="457200" lvl="1" indent="0">
+              <a:buNone/>
+            </a:pPr>
+            <a:endParaRPr lang="pt-BR" dirty="0"/>
+          </a:p>
+          <a:p>
+            <a:pPr marL="457200" lvl="1" indent="0">
+              <a:buNone/>
+            </a:pPr>
+            <a:endParaRPr lang="pt-BR" dirty="0"/>
+          </a:p>
+        </p:txBody>
+      </p:sp>
+      <p:pic>
+        <p:nvPicPr>
+          <p:cNvPr id="5" name="Imagem 4" descr="Tela de celular&#10;&#10;Descrição gerada automaticamente com confiança média">
+            <a:extLst>
+              <a:ext uri="{FF2B5EF4-FFF2-40B4-BE49-F238E27FC236}">
+                <a16:creationId xmlns:a16="http://schemas.microsoft.com/office/drawing/2014/main" id="{3741F4F6-F921-4D1A-9FD0-72A3BEE501B2}"/>
+              </a:ext>
+            </a:extLst>
+          </p:cNvPr>
+          <p:cNvPicPr>
+            <a:picLocks noChangeAspect="1"/>
+          </p:cNvPicPr>
+          <p:nvPr/>
+        </p:nvPicPr>
+        <p:blipFill>
+          <a:blip r:embed="rId2" cstate="print">
+            <a:extLst>
+              <a:ext uri="{28A0092B-C50C-407E-A947-70E740481C1C}">
+                <a14:useLocalDpi xmlns:a14="http://schemas.microsoft.com/office/drawing/2010/main" val="0"/>
+              </a:ext>
+            </a:extLst>
+          </a:blip>
+          <a:stretch>
+            <a:fillRect/>
+          </a:stretch>
+        </p:blipFill>
+        <p:spPr>
+          <a:xfrm>
+            <a:off x="518865" y="1349835"/>
+            <a:ext cx="7365504" cy="2550368"/>
+          </a:xfrm>
+          <a:prstGeom prst="rect">
+            <a:avLst/>
+          </a:prstGeom>
+          <a:ln>
+            <a:solidFill>
+              <a:schemeClr val="tx1"/>
+            </a:solidFill>
+          </a:ln>
+        </p:spPr>
+      </p:pic>
+      <p:pic>
+        <p:nvPicPr>
+          <p:cNvPr id="6" name="Imagem 5" descr="Diagrama&#10;&#10;Descrição gerada automaticamente com confiança baixa">
+            <a:extLst>
+              <a:ext uri="{FF2B5EF4-FFF2-40B4-BE49-F238E27FC236}">
+                <a16:creationId xmlns:a16="http://schemas.microsoft.com/office/drawing/2014/main" id="{688D3DAC-4198-4F3F-8DEC-EA7A23393235}"/>
+              </a:ext>
+            </a:extLst>
+          </p:cNvPr>
+          <p:cNvPicPr>
+            <a:picLocks noChangeAspect="1"/>
+          </p:cNvPicPr>
+          <p:nvPr/>
+        </p:nvPicPr>
+        <p:blipFill>
+          <a:blip r:embed="rId3" cstate="print">
+            <a:extLst>
+              <a:ext uri="{28A0092B-C50C-407E-A947-70E740481C1C}">
+                <a14:useLocalDpi xmlns:a14="http://schemas.microsoft.com/office/drawing/2010/main" val="0"/>
+              </a:ext>
+            </a:extLst>
+          </a:blip>
+          <a:stretch>
+            <a:fillRect/>
+          </a:stretch>
+        </p:blipFill>
+        <p:spPr>
+          <a:xfrm>
+            <a:off x="518865" y="3983295"/>
+            <a:ext cx="7380486" cy="2555554"/>
+          </a:xfrm>
+          <a:prstGeom prst="rect">
+            <a:avLst/>
+          </a:prstGeom>
+          <a:ln>
+            <a:solidFill>
+              <a:schemeClr val="tx1"/>
+            </a:solidFill>
+          </a:ln>
+        </p:spPr>
+      </p:pic>
+    </p:spTree>
+    <p:extLst>
+      <p:ext uri="{BB962C8B-B14F-4D97-AF65-F5344CB8AC3E}">
+        <p14:creationId xmlns:p14="http://schemas.microsoft.com/office/powerpoint/2010/main" val="3063325790"/>
+      </p:ext>
+    </p:extLst>
+  </p:cSld>
+  <p:clrMapOvr>
+    <a:masterClrMapping/>
+  </p:clrMapOvr>
+</p:sld>
+</file>
+
+<file path=ppt/slides/slide21.xml><?xml version="1.0" encoding="utf-8"?>
+<p:sld xmlns:a="http://schemas.openxmlformats.org/drawingml/2006/main" xmlns:r="http://schemas.openxmlformats.org/officeDocument/2006/relationships" xmlns:p="http://schemas.openxmlformats.org/presentationml/2006/main">
+  <p:cSld>
+    <p:spTree>
+      <p:nvGrpSpPr>
+        <p:cNvPr id="1" name=""/>
+        <p:cNvGrpSpPr/>
+        <p:nvPr/>
+      </p:nvGrpSpPr>
+      <p:grpSpPr>
+        <a:xfrm>
+          <a:off x="0" y="0"/>
+          <a:ext cx="0" cy="0"/>
+          <a:chOff x="0" y="0"/>
+          <a:chExt cx="0" cy="0"/>
+        </a:xfrm>
+      </p:grpSpPr>
+      <p:sp>
+        <p:nvSpPr>
+          <p:cNvPr id="3" name="Espaço Reservado para Conteúdo 2"/>
+          <p:cNvSpPr>
+            <a:spLocks noGrp="1"/>
+          </p:cNvSpPr>
+          <p:nvPr>
+            <p:ph idx="1"/>
+          </p:nvPr>
+        </p:nvSpPr>
+        <p:spPr>
+          <a:xfrm>
+            <a:off x="457200" y="260648"/>
+            <a:ext cx="8229600" cy="648072"/>
+          </a:xfrm>
+        </p:spPr>
+        <p:txBody>
+          <a:bodyPr>
+            <a:normAutofit/>
+          </a:bodyPr>
+          <a:lstStyle/>
+          <a:p>
+            <a:r>
+              <a:rPr lang="pt-BR" dirty="0"/>
+              <a:t>Adicionado menu de Ajuda</a:t>
+            </a:r>
+          </a:p>
+          <a:p>
+            <a:pPr marL="457200" lvl="1" indent="0">
+              <a:buNone/>
+            </a:pPr>
+            <a:endParaRPr lang="pt-BR" dirty="0"/>
+          </a:p>
+        </p:txBody>
+      </p:sp>
+      <p:pic>
+        <p:nvPicPr>
+          <p:cNvPr id="5" name="Imagem 4">
+            <a:extLst>
+              <a:ext uri="{FF2B5EF4-FFF2-40B4-BE49-F238E27FC236}">
+                <a16:creationId xmlns:a16="http://schemas.microsoft.com/office/drawing/2014/main" id="{373298DF-A39A-4B64-ADDB-C1D441F517EB}"/>
+              </a:ext>
+            </a:extLst>
+          </p:cNvPr>
+          <p:cNvPicPr>
+            <a:picLocks noChangeAspect="1"/>
+          </p:cNvPicPr>
+          <p:nvPr/>
+        </p:nvPicPr>
+        <p:blipFill>
+          <a:blip r:embed="rId2">
+            <a:extLst>
+              <a:ext uri="{28A0092B-C50C-407E-A947-70E740481C1C}">
+                <a14:useLocalDpi xmlns:a14="http://schemas.microsoft.com/office/drawing/2010/main" val="0"/>
+              </a:ext>
+            </a:extLst>
+          </a:blip>
+          <a:stretch>
+            <a:fillRect/>
+          </a:stretch>
+        </p:blipFill>
+        <p:spPr>
+          <a:xfrm>
+            <a:off x="611560" y="980728"/>
+            <a:ext cx="7834427" cy="4680520"/>
+          </a:xfrm>
+          <a:prstGeom prst="rect">
+            <a:avLst/>
+          </a:prstGeom>
+          <a:ln w="9525">
+            <a:solidFill>
+              <a:schemeClr val="tx1"/>
+            </a:solidFill>
+          </a:ln>
+        </p:spPr>
+      </p:pic>
+    </p:spTree>
+    <p:extLst>
+      <p:ext uri="{BB962C8B-B14F-4D97-AF65-F5344CB8AC3E}">
+        <p14:creationId xmlns:p14="http://schemas.microsoft.com/office/powerpoint/2010/main" val="1885608876"/>
+      </p:ext>
+    </p:extLst>
+  </p:cSld>
+  <p:clrMapOvr>
+    <a:masterClrMapping/>
+  </p:clrMapOvr>
+</p:sld>
+</file>
+
+<file path=ppt/slides/slide22.xml><?xml version="1.0" encoding="utf-8"?>
+<p:sld xmlns:a="http://schemas.openxmlformats.org/drawingml/2006/main" xmlns:r="http://schemas.openxmlformats.org/officeDocument/2006/relationships" xmlns:p="http://schemas.openxmlformats.org/presentationml/2006/main">
+  <p:cSld>
+    <p:spTree>
+      <p:nvGrpSpPr>
+        <p:cNvPr id="1" name=""/>
+        <p:cNvGrpSpPr/>
+        <p:nvPr/>
+      </p:nvGrpSpPr>
+      <p:grpSpPr>
+        <a:xfrm>
+          <a:off x="0" y="0"/>
+          <a:ext cx="0" cy="0"/>
+          <a:chOff x="0" y="0"/>
+          <a:chExt cx="0" cy="0"/>
+        </a:xfrm>
+      </p:grpSpPr>
+      <p:sp>
+        <p:nvSpPr>
           <p:cNvPr id="2" name="Título 1"/>
           <p:cNvSpPr>
             <a:spLocks noGrp="1"/>
@@ -7346,14 +8763,19 @@
             <p:ph type="title"/>
           </p:nvPr>
         </p:nvSpPr>
-        <p:spPr/>
+        <p:spPr>
+          <a:xfrm>
+            <a:off x="467544" y="188640"/>
+            <a:ext cx="8229600" cy="864096"/>
+          </a:xfrm>
+        </p:spPr>
         <p:txBody>
           <a:bodyPr/>
           <a:lstStyle/>
           <a:p>
             <a:r>
               <a:rPr lang="pt-BR" dirty="0"/>
-              <a:t>Implementação (6/7)</a:t>
+              <a:t>Implementação (7/8)</a:t>
             </a:r>
           </a:p>
         </p:txBody>
@@ -7368,7 +8790,12 @@
             <p:ph idx="1"/>
           </p:nvPr>
         </p:nvSpPr>
-        <p:spPr/>
+        <p:spPr>
+          <a:xfrm>
+            <a:off x="467544" y="1196752"/>
+            <a:ext cx="8229600" cy="1440160"/>
+          </a:xfrm>
+        </p:spPr>
         <p:txBody>
           <a:bodyPr>
             <a:normAutofit/>
@@ -7388,7 +8815,7 @@
             </a:r>
             <a:r>
               <a:rPr lang="pt-BR" sz="2400" dirty="0" err="1"/>
-              <a:t>JsonUtilty</a:t>
+              <a:t>JsonUtility</a:t>
             </a:r>
             <a:r>
               <a:rPr lang="pt-BR" sz="2400" dirty="0"/>
@@ -7433,8 +8860,8 @@
         </p:blipFill>
         <p:spPr>
           <a:xfrm>
-            <a:off x="721613" y="2996952"/>
-            <a:ext cx="3671844" cy="2545834"/>
+            <a:off x="179512" y="2763367"/>
+            <a:ext cx="4320481" cy="2969890"/>
           </a:xfrm>
           <a:prstGeom prst="rect">
             <a:avLst/>
@@ -7474,8 +8901,8 @@
         </p:blipFill>
         <p:spPr>
           <a:xfrm>
-            <a:off x="4572000" y="2990354"/>
-            <a:ext cx="3877102" cy="2552432"/>
+            <a:off x="4556224" y="2763366"/>
+            <a:ext cx="4511214" cy="2969890"/>
           </a:xfrm>
           <a:prstGeom prst="rect">
             <a:avLst/>
@@ -7500,7 +8927,7 @@
 </p:sld>
 </file>
 
-<file path=ppt/slides/slide21.xml><?xml version="1.0" encoding="utf-8"?>
+<file path=ppt/slides/slide23.xml><?xml version="1.0" encoding="utf-8"?>
 <p:sld xmlns:a="http://schemas.openxmlformats.org/drawingml/2006/main" xmlns:r="http://schemas.openxmlformats.org/officeDocument/2006/relationships" xmlns:p="http://schemas.openxmlformats.org/presentationml/2006/main">
   <p:cSld>
     <p:spTree>
@@ -7527,14 +8954,19 @@
             <p:ph type="title"/>
           </p:nvPr>
         </p:nvSpPr>
-        <p:spPr/>
+        <p:spPr>
+          <a:xfrm>
+            <a:off x="467544" y="188640"/>
+            <a:ext cx="8229600" cy="864096"/>
+          </a:xfrm>
+        </p:spPr>
         <p:txBody>
           <a:bodyPr/>
           <a:lstStyle/>
           <a:p>
             <a:r>
               <a:rPr lang="pt-BR" dirty="0"/>
-              <a:t>Implementação (7/7)</a:t>
+              <a:t>Implementação (8/8)</a:t>
             </a:r>
           </a:p>
         </p:txBody>
@@ -7549,7 +8981,12 @@
             <p:ph idx="1"/>
           </p:nvPr>
         </p:nvSpPr>
-        <p:spPr/>
+        <p:spPr>
+          <a:xfrm>
+            <a:off x="457200" y="1196752"/>
+            <a:ext cx="8229600" cy="1622223"/>
+          </a:xfrm>
+        </p:spPr>
         <p:txBody>
           <a:bodyPr>
             <a:normAutofit/>
@@ -7557,35 +8994,33 @@
           <a:lstStyle/>
           <a:p>
             <a:r>
-              <a:rPr lang="pt-BR" sz="2800" dirty="0"/>
+              <a:rPr lang="pt-BR" sz="2400" dirty="0"/>
               <a:t>Adicionado opção de bloqueio de campos das propriedades das peças</a:t>
             </a:r>
           </a:p>
           <a:p>
             <a:pPr lvl="1"/>
             <a:r>
-              <a:rPr lang="pt-BR" sz="2400" dirty="0"/>
+              <a:rPr lang="pt-BR" sz="2000" dirty="0"/>
               <a:t>Atributos das classes definidos do tipo </a:t>
             </a:r>
             <a:r>
-              <a:rPr lang="pt-BR" sz="2400" dirty="0" err="1"/>
+              <a:rPr lang="pt-BR" sz="2000" dirty="0" err="1">
+                <a:latin typeface="Courier New" panose="02070309020205020404" pitchFamily="49" charset="0"/>
+                <a:cs typeface="Courier New" panose="02070309020205020404" pitchFamily="49" charset="0"/>
+              </a:rPr>
               <a:t>String</a:t>
             </a:r>
-            <a:endParaRPr lang="pt-BR" sz="2400" dirty="0"/>
+            <a:endParaRPr lang="pt-BR" sz="2000" dirty="0">
+              <a:latin typeface="Courier New" panose="02070309020205020404" pitchFamily="49" charset="0"/>
+              <a:cs typeface="Courier New" panose="02070309020205020404" pitchFamily="49" charset="0"/>
+            </a:endParaRPr>
           </a:p>
           <a:p>
             <a:pPr lvl="1"/>
             <a:r>
-              <a:rPr lang="pt-BR" sz="2400" dirty="0"/>
-              <a:t>Embaralhamento utilizando </a:t>
-            </a:r>
-            <a:r>
-              <a:rPr lang="pt-BR" sz="2400" dirty="0" err="1"/>
-              <a:t>coversao</a:t>
-            </a:r>
-            <a:r>
-              <a:rPr lang="pt-BR" sz="2400" dirty="0"/>
-              <a:t> em base64</a:t>
+              <a:rPr lang="pt-BR" sz="2000" dirty="0"/>
+              <a:t>Embaralhamento utilizando conversão em base64</a:t>
             </a:r>
           </a:p>
         </p:txBody>
@@ -7605,14 +9040,14 @@
           <p:nvPr>
             <p:extLst>
               <p:ext uri="{D42A27DB-BD31-4B8C-83A1-F6EECF244321}">
-                <p14:modId xmlns:p14="http://schemas.microsoft.com/office/powerpoint/2010/main" val="1148937635"/>
+                <p14:modId xmlns:p14="http://schemas.microsoft.com/office/powerpoint/2010/main" val="2599796019"/>
               </p:ext>
             </p:extLst>
           </p:nvPr>
         </p:nvGraphicFramePr>
         <p:xfrm>
-          <a:off x="4644008" y="3378136"/>
-          <a:ext cx="2271395" cy="1386840"/>
+          <a:off x="4427984" y="2897060"/>
+          <a:ext cx="2271395" cy="1640840"/>
         </p:xfrm>
         <a:graphic>
           <a:graphicData uri="http://schemas.openxmlformats.org/drawingml/2006/table">
@@ -7632,6 +9067,22 @@
                   <a:txBody>
                     <a:bodyPr/>
                     <a:lstStyle/>
+                    <a:p>
+                      <a:pPr algn="ctr">
+                        <a:spcBef>
+                          <a:spcPts val="100"/>
+                        </a:spcBef>
+                        <a:spcAft>
+                          <a:spcPts val="100"/>
+                        </a:spcAft>
+                      </a:pPr>
+                      <a:r>
+                        <a:rPr lang="pt-BR" sz="1200" b="1" dirty="0">
+                          <a:effectLst/>
+                        </a:rPr>
+                        <a:t>...</a:t>
+                      </a:r>
+                    </a:p>
                     <a:p>
                       <a:pPr algn="l">
                         <a:spcBef>
@@ -7750,12 +9201,12 @@
                         </a:spcAft>
                       </a:pPr>
                       <a:r>
-                        <a:rPr lang="pt-BR" sz="900" b="1" dirty="0">
+                        <a:rPr lang="pt-BR" sz="1200" b="1" dirty="0">
                           <a:effectLst/>
                         </a:rPr>
                         <a:t>...</a:t>
                       </a:r>
-                      <a:endParaRPr lang="pt-BR" sz="1000" b="1" dirty="0">
+                      <a:endParaRPr lang="pt-BR" sz="1200" b="1" dirty="0">
                         <a:effectLst/>
                         <a:latin typeface="Times New Roman" panose="02020603050405020304" pitchFamily="18" charset="0"/>
                         <a:ea typeface="Times New Roman" panose="02020603050405020304" pitchFamily="18" charset="0"/>
@@ -7802,8 +9253,8 @@
         </p:blipFill>
         <p:spPr>
           <a:xfrm>
-            <a:off x="2275627" y="3378136"/>
-            <a:ext cx="2315230" cy="1386840"/>
+            <a:off x="1043608" y="2818974"/>
+            <a:ext cx="3062001" cy="1834161"/>
           </a:xfrm>
           <a:prstGeom prst="rect">
             <a:avLst/>
@@ -7843,8 +9294,8 @@
         </p:blipFill>
         <p:spPr>
           <a:xfrm>
-            <a:off x="2269505" y="4822517"/>
-            <a:ext cx="2321351" cy="1374730"/>
+            <a:off x="1043608" y="4756437"/>
+            <a:ext cx="3062001" cy="1813351"/>
           </a:xfrm>
           <a:prstGeom prst="rect">
             <a:avLst/>
@@ -7871,14 +9322,14 @@
           <p:nvPr>
             <p:extLst>
               <p:ext uri="{D42A27DB-BD31-4B8C-83A1-F6EECF244321}">
-                <p14:modId xmlns:p14="http://schemas.microsoft.com/office/powerpoint/2010/main" val="2565046179"/>
+                <p14:modId xmlns:p14="http://schemas.microsoft.com/office/powerpoint/2010/main" val="4023683987"/>
               </p:ext>
             </p:extLst>
           </p:nvPr>
         </p:nvGraphicFramePr>
         <p:xfrm>
-          <a:off x="4644008" y="4816462"/>
-          <a:ext cx="2271395" cy="1386840"/>
+          <a:off x="4427983" y="4850136"/>
+          <a:ext cx="2271395" cy="1622223"/>
         </p:xfrm>
         <a:graphic>
           <a:graphicData uri="http://schemas.openxmlformats.org/drawingml/2006/table">
@@ -7893,11 +9344,27 @@
                   </a:extLst>
                 </a:gridCol>
               </a:tblGrid>
-              <a:tr h="1354837">
+              <a:tr h="1622223">
                 <a:tc>
                   <a:txBody>
                     <a:bodyPr/>
                     <a:lstStyle/>
+                    <a:p>
+                      <a:pPr algn="ctr">
+                        <a:spcBef>
+                          <a:spcPts val="100"/>
+                        </a:spcBef>
+                        <a:spcAft>
+                          <a:spcPts val="100"/>
+                        </a:spcAft>
+                      </a:pPr>
+                      <a:r>
+                        <a:rPr lang="pt-BR" sz="1200" b="1" dirty="0">
+                          <a:effectLst/>
+                        </a:rPr>
+                        <a:t>...</a:t>
+                      </a:r>
+                    </a:p>
                     <a:p>
                       <a:pPr algn="l">
                         <a:spcBef>
@@ -8053,7 +9520,7 @@
 </p:sld>
 </file>
 
-<file path=ppt/slides/slide22.xml><?xml version="1.0" encoding="utf-8"?>
+<file path=ppt/slides/slide24.xml><?xml version="1.0" encoding="utf-8"?>
 <p:sld xmlns:a="http://schemas.openxmlformats.org/drawingml/2006/main" xmlns:r="http://schemas.openxmlformats.org/officeDocument/2006/relationships" xmlns:p="http://schemas.openxmlformats.org/presentationml/2006/main">
   <p:cSld>
     <p:spTree>
@@ -8083,14 +9550,14 @@
           <p:nvPr>
             <p:extLst>
               <p:ext uri="{D42A27DB-BD31-4B8C-83A1-F6EECF244321}">
-                <p14:modId xmlns:p14="http://schemas.microsoft.com/office/powerpoint/2010/main" val="1978055109"/>
+                <p14:modId xmlns:p14="http://schemas.microsoft.com/office/powerpoint/2010/main" val="3847914098"/>
               </p:ext>
             </p:extLst>
           </p:nvPr>
         </p:nvGraphicFramePr>
         <p:xfrm>
-          <a:off x="457200" y="3268663"/>
-          <a:ext cx="8229600" cy="2822575"/>
+          <a:off x="233314" y="3280046"/>
+          <a:ext cx="8371134" cy="3029274"/>
         </p:xfrm>
         <a:graphic>
           <a:graphicData uri="http://schemas.openxmlformats.org/drawingml/2006/chart">
@@ -8111,7 +9578,7 @@
         <p:spPr>
           <a:xfrm>
             <a:off x="467544" y="188640"/>
-            <a:ext cx="8229600" cy="1143000"/>
+            <a:ext cx="8229600" cy="864096"/>
           </a:xfrm>
         </p:spPr>
         <p:txBody>
@@ -8143,14 +9610,14 @@
             <p:ph idx="1"/>
             <p:extLst>
               <p:ext uri="{D42A27DB-BD31-4B8C-83A1-F6EECF244321}">
-                <p14:modId xmlns:p14="http://schemas.microsoft.com/office/powerpoint/2010/main" val="1387097392"/>
+                <p14:modId xmlns:p14="http://schemas.microsoft.com/office/powerpoint/2010/main" val="3589466240"/>
               </p:ext>
             </p:extLst>
           </p:nvPr>
         </p:nvGraphicFramePr>
         <p:xfrm>
-          <a:off x="457200" y="1411288"/>
-          <a:ext cx="8229596" cy="1789110"/>
+          <a:off x="278421" y="1196752"/>
+          <a:ext cx="8587158" cy="2016220"/>
         </p:xfrm>
         <a:graphic>
           <a:graphicData uri="http://schemas.openxmlformats.org/drawingml/2006/table">
@@ -8159,42 +9626,42 @@
                 <a:tableStyleId>{3C2FFA5D-87B4-456A-9821-1D502468CF0F}</a:tableStyleId>
               </a:tblPr>
               <a:tblGrid>
-                <a:gridCol w="1739295">
+                <a:gridCol w="1814864">
                   <a:extLst>
                     <a:ext uri="{9D8B030D-6E8A-4147-A177-3AD203B41FA5}">
                       <a16:colId xmlns:a16="http://schemas.microsoft.com/office/drawing/2014/main" val="2209352882"/>
                     </a:ext>
                   </a:extLst>
                 </a:gridCol>
-                <a:gridCol w="1346555">
+                <a:gridCol w="1405061">
                   <a:extLst>
                     <a:ext uri="{9D8B030D-6E8A-4147-A177-3AD203B41FA5}">
                       <a16:colId xmlns:a16="http://schemas.microsoft.com/office/drawing/2014/main" val="68588849"/>
                     </a:ext>
                   </a:extLst>
                 </a:gridCol>
-                <a:gridCol w="1336310">
+                <a:gridCol w="1394370">
                   <a:extLst>
                     <a:ext uri="{9D8B030D-6E8A-4147-A177-3AD203B41FA5}">
                       <a16:colId xmlns:a16="http://schemas.microsoft.com/office/drawing/2014/main" val="2434854812"/>
                     </a:ext>
                   </a:extLst>
                 </a:gridCol>
-                <a:gridCol w="1271422">
+                <a:gridCol w="1326663">
                   <a:extLst>
                     <a:ext uri="{9D8B030D-6E8A-4147-A177-3AD203B41FA5}">
                       <a16:colId xmlns:a16="http://schemas.microsoft.com/office/drawing/2014/main" val="2760883202"/>
                     </a:ext>
                   </a:extLst>
                 </a:gridCol>
-                <a:gridCol w="1268007">
+                <a:gridCol w="1323100">
                   <a:extLst>
                     <a:ext uri="{9D8B030D-6E8A-4147-A177-3AD203B41FA5}">
                       <a16:colId xmlns:a16="http://schemas.microsoft.com/office/drawing/2014/main" val="2683469746"/>
                     </a:ext>
                   </a:extLst>
                 </a:gridCol>
-                <a:gridCol w="1268007">
+                <a:gridCol w="1323100">
                   <a:extLst>
                     <a:ext uri="{9D8B030D-6E8A-4147-A177-3AD203B41FA5}">
                       <a16:colId xmlns:a16="http://schemas.microsoft.com/office/drawing/2014/main" val="1486642042"/>
@@ -8202,7 +9669,7 @@
                   </a:extLst>
                 </a:gridCol>
               </a:tblGrid>
-              <a:tr h="178911">
+              <a:tr h="201622">
                 <a:tc>
                   <a:txBody>
                     <a:bodyPr/>
@@ -8377,7 +9844,7 @@
                   </a:ext>
                 </a:extLst>
               </a:tr>
-              <a:tr h="178911">
+              <a:tr h="201622">
                 <a:tc>
                   <a:txBody>
                     <a:bodyPr/>
@@ -8552,7 +10019,7 @@
                   </a:ext>
                 </a:extLst>
               </a:tr>
-              <a:tr h="178911">
+              <a:tr h="201622">
                 <a:tc>
                   <a:txBody>
                     <a:bodyPr/>
@@ -8727,7 +10194,7 @@
                   </a:ext>
                 </a:extLst>
               </a:tr>
-              <a:tr h="178911">
+              <a:tr h="201622">
                 <a:tc>
                   <a:txBody>
                     <a:bodyPr/>
@@ -8854,12 +10321,12 @@
                         </a:spcAft>
                       </a:pPr>
                       <a:r>
-                        <a:rPr lang="pt-BR" sz="900">
+                        <a:rPr lang="pt-BR" sz="900" dirty="0">
                           <a:effectLst/>
                         </a:rPr>
                         <a:t>6</a:t>
                       </a:r>
-                      <a:endParaRPr lang="pt-BR" sz="900">
+                      <a:endParaRPr lang="pt-BR" sz="900" dirty="0">
                         <a:effectLst/>
                         <a:latin typeface="Times New Roman" panose="02020603050405020304" pitchFamily="18" charset="0"/>
                         <a:ea typeface="Times New Roman" panose="02020603050405020304" pitchFamily="18" charset="0"/>
@@ -8902,7 +10369,7 @@
                   </a:ext>
                 </a:extLst>
               </a:tr>
-              <a:tr h="178911">
+              <a:tr h="201622">
                 <a:tc>
                   <a:txBody>
                     <a:bodyPr/>
@@ -9057,12 +10524,12 @@
                         </a:spcAft>
                       </a:pPr>
                       <a:r>
-                        <a:rPr lang="pt-BR" sz="900">
+                        <a:rPr lang="pt-BR" sz="900" dirty="0">
                           <a:effectLst/>
                         </a:rPr>
                         <a:t>8</a:t>
                       </a:r>
-                      <a:endParaRPr lang="pt-BR" sz="900">
+                      <a:endParaRPr lang="pt-BR" sz="900" dirty="0">
                         <a:effectLst/>
                         <a:latin typeface="Times New Roman" panose="02020603050405020304" pitchFamily="18" charset="0"/>
                         <a:ea typeface="Times New Roman" panose="02020603050405020304" pitchFamily="18" charset="0"/>
@@ -9077,7 +10544,7 @@
                   </a:ext>
                 </a:extLst>
               </a:tr>
-              <a:tr h="178911">
+              <a:tr h="201622">
                 <a:tc>
                   <a:txBody>
                     <a:bodyPr/>
@@ -9252,7 +10719,7 @@
                   </a:ext>
                 </a:extLst>
               </a:tr>
-              <a:tr h="178911">
+              <a:tr h="201622">
                 <a:tc>
                   <a:txBody>
                     <a:bodyPr/>
@@ -9427,7 +10894,7 @@
                   </a:ext>
                 </a:extLst>
               </a:tr>
-              <a:tr h="178911">
+              <a:tr h="201622">
                 <a:tc>
                   <a:txBody>
                     <a:bodyPr/>
@@ -9602,7 +11069,7 @@
                   </a:ext>
                 </a:extLst>
               </a:tr>
-              <a:tr h="178911">
+              <a:tr h="201622">
                 <a:tc>
                   <a:txBody>
                     <a:bodyPr/>
@@ -9777,7 +11244,7 @@
                   </a:ext>
                 </a:extLst>
               </a:tr>
-              <a:tr h="178911">
+              <a:tr h="201622">
                 <a:tc>
                   <a:txBody>
                     <a:bodyPr/>
@@ -9932,12 +11399,12 @@
                         </a:spcAft>
                       </a:pPr>
                       <a:r>
-                        <a:rPr lang="pt-BR" sz="900" b="1">
+                        <a:rPr lang="pt-BR" sz="900" b="1" dirty="0">
                           <a:effectLst/>
                         </a:rPr>
                         <a:t>61</a:t>
                       </a:r>
-                      <a:endParaRPr lang="pt-BR" sz="900" b="1">
+                      <a:endParaRPr lang="pt-BR" sz="900" b="1" dirty="0">
                         <a:effectLst/>
                         <a:latin typeface="Times New Roman" panose="02020603050405020304" pitchFamily="18" charset="0"/>
                         <a:ea typeface="Times New Roman" panose="02020603050405020304" pitchFamily="18" charset="0"/>
@@ -9960,206 +11427,6 @@
     <p:extLst>
       <p:ext uri="{BB962C8B-B14F-4D97-AF65-F5344CB8AC3E}">
         <p14:creationId xmlns:p14="http://schemas.microsoft.com/office/powerpoint/2010/main" val="3487219581"/>
-      </p:ext>
-    </p:extLst>
-  </p:cSld>
-  <p:clrMapOvr>
-    <a:masterClrMapping/>
-  </p:clrMapOvr>
-</p:sld>
-</file>
-
-<file path=ppt/slides/slide23.xml><?xml version="1.0" encoding="utf-8"?>
-<p:sld xmlns:a="http://schemas.openxmlformats.org/drawingml/2006/main" xmlns:r="http://schemas.openxmlformats.org/officeDocument/2006/relationships" xmlns:p="http://schemas.openxmlformats.org/presentationml/2006/main">
-  <p:cSld>
-    <p:spTree>
-      <p:nvGrpSpPr>
-        <p:cNvPr id="1" name=""/>
-        <p:cNvGrpSpPr/>
-        <p:nvPr/>
-      </p:nvGrpSpPr>
-      <p:grpSpPr>
-        <a:xfrm>
-          <a:off x="0" y="0"/>
-          <a:ext cx="0" cy="0"/>
-          <a:chOff x="0" y="0"/>
-          <a:chExt cx="0" cy="0"/>
-        </a:xfrm>
-      </p:grpSpPr>
-      <p:sp>
-        <p:nvSpPr>
-          <p:cNvPr id="2" name="Título 1"/>
-          <p:cNvSpPr>
-            <a:spLocks noGrp="1"/>
-          </p:cNvSpPr>
-          <p:nvPr>
-            <p:ph type="title"/>
-          </p:nvPr>
-        </p:nvSpPr>
-        <p:spPr/>
-        <p:txBody>
-          <a:bodyPr/>
-          <a:lstStyle/>
-          <a:p>
-            <a:r>
-              <a:rPr lang="pt-BR" dirty="0"/>
-              <a:t>Conclusões</a:t>
-            </a:r>
-          </a:p>
-        </p:txBody>
-      </p:sp>
-      <p:sp>
-        <p:nvSpPr>
-          <p:cNvPr id="3" name="Espaço Reservado para Conteúdo 2"/>
-          <p:cNvSpPr>
-            <a:spLocks noGrp="1"/>
-          </p:cNvSpPr>
-          <p:nvPr>
-            <p:ph idx="1"/>
-          </p:nvPr>
-        </p:nvSpPr>
-        <p:spPr/>
-        <p:txBody>
-          <a:bodyPr/>
-          <a:lstStyle/>
-          <a:p>
-            <a:r>
-              <a:rPr lang="pt-BR" dirty="0"/>
-              <a:t>Opção de bloqueio de campos</a:t>
-            </a:r>
-          </a:p>
-          <a:p>
-            <a:r>
-              <a:rPr lang="pt-BR" dirty="0"/>
-              <a:t>Adicionado peças Polígono, </a:t>
-            </a:r>
-            <a:r>
-              <a:rPr lang="pt-BR" dirty="0" err="1"/>
-              <a:t>Spline</a:t>
-            </a:r>
-            <a:r>
-              <a:rPr lang="pt-BR" dirty="0"/>
-              <a:t> e Iteração</a:t>
-            </a:r>
-          </a:p>
-          <a:p>
-            <a:pPr lvl="1"/>
-            <a:r>
-              <a:rPr lang="pt-BR" dirty="0"/>
-              <a:t>Utilização de </a:t>
-            </a:r>
-            <a:r>
-              <a:rPr lang="pt-BR" dirty="0" err="1"/>
-              <a:t>Coroutines</a:t>
-            </a:r>
-            <a:endParaRPr lang="pt-BR" dirty="0"/>
-          </a:p>
-          <a:p>
-            <a:r>
-              <a:rPr lang="pt-BR" dirty="0"/>
-              <a:t>Dificuldades na refatoração da ferramenta</a:t>
-            </a:r>
-          </a:p>
-          <a:p>
-            <a:r>
-              <a:rPr lang="pt-BR" dirty="0"/>
-              <a:t>Adicionado menu de ajuda</a:t>
-            </a:r>
-          </a:p>
-        </p:txBody>
-      </p:sp>
-    </p:spTree>
-    <p:extLst>
-      <p:ext uri="{BB962C8B-B14F-4D97-AF65-F5344CB8AC3E}">
-        <p14:creationId xmlns:p14="http://schemas.microsoft.com/office/powerpoint/2010/main" val="2793539094"/>
-      </p:ext>
-    </p:extLst>
-  </p:cSld>
-  <p:clrMapOvr>
-    <a:masterClrMapping/>
-  </p:clrMapOvr>
-</p:sld>
-</file>
-
-<file path=ppt/slides/slide24.xml><?xml version="1.0" encoding="utf-8"?>
-<p:sld xmlns:a="http://schemas.openxmlformats.org/drawingml/2006/main" xmlns:r="http://schemas.openxmlformats.org/officeDocument/2006/relationships" xmlns:p="http://schemas.openxmlformats.org/presentationml/2006/main">
-  <p:cSld>
-    <p:spTree>
-      <p:nvGrpSpPr>
-        <p:cNvPr id="1" name=""/>
-        <p:cNvGrpSpPr/>
-        <p:nvPr/>
-      </p:nvGrpSpPr>
-      <p:grpSpPr>
-        <a:xfrm>
-          <a:off x="0" y="0"/>
-          <a:ext cx="0" cy="0"/>
-          <a:chOff x="0" y="0"/>
-          <a:chExt cx="0" cy="0"/>
-        </a:xfrm>
-      </p:grpSpPr>
-      <p:sp>
-        <p:nvSpPr>
-          <p:cNvPr id="2" name="Título 1"/>
-          <p:cNvSpPr>
-            <a:spLocks noGrp="1"/>
-          </p:cNvSpPr>
-          <p:nvPr>
-            <p:ph type="title"/>
-          </p:nvPr>
-        </p:nvSpPr>
-        <p:spPr/>
-        <p:txBody>
-          <a:bodyPr/>
-          <a:lstStyle/>
-          <a:p>
-            <a:r>
-              <a:rPr lang="pt-BR" dirty="0"/>
-              <a:t>Sugestões (1/2)</a:t>
-            </a:r>
-          </a:p>
-        </p:txBody>
-      </p:sp>
-      <p:sp>
-        <p:nvSpPr>
-          <p:cNvPr id="3" name="Espaço Reservado para Conteúdo 2"/>
-          <p:cNvSpPr>
-            <a:spLocks noGrp="1"/>
-          </p:cNvSpPr>
-          <p:nvPr>
-            <p:ph idx="1"/>
-          </p:nvPr>
-        </p:nvSpPr>
-        <p:spPr/>
-        <p:txBody>
-          <a:bodyPr>
-            <a:normAutofit/>
-          </a:bodyPr>
-          <a:lstStyle/>
-          <a:p>
-            <a:r>
-              <a:rPr lang="pt-BR" dirty="0"/>
-              <a:t>Adicionar novos passos no tutorial da ferramenta;</a:t>
-            </a:r>
-          </a:p>
-          <a:p>
-            <a:r>
-              <a:rPr lang="pt-BR" dirty="0"/>
-              <a:t>Utilizar outras bibliotecas ou componentes para exportação de um cenário construído com recursos de orientação a objeto; </a:t>
-            </a:r>
-          </a:p>
-          <a:p>
-            <a:r>
-              <a:rPr lang="pt-BR" dirty="0"/>
-              <a:t>Melhorias na iluminação já pendentes da versão anterior, aplicando nas novas peças adicionadas; </a:t>
-            </a:r>
-          </a:p>
-        </p:txBody>
-      </p:sp>
-    </p:spTree>
-    <p:extLst>
-      <p:ext uri="{BB962C8B-B14F-4D97-AF65-F5344CB8AC3E}">
-        <p14:creationId xmlns:p14="http://schemas.microsoft.com/office/powerpoint/2010/main" val="4009922910"/>
       </p:ext>
     </p:extLst>
   </p:cSld>
@@ -10202,10 +11469,121 @@
           <a:lstStyle/>
           <a:p>
             <a:r>
-              <a:rPr lang="pt-BR"/>
-              <a:t>Sugestões (2/2)</a:t>
+              <a:rPr lang="pt-BR" dirty="0"/>
+              <a:t>Conclusões</a:t>
+            </a:r>
+          </a:p>
+        </p:txBody>
+      </p:sp>
+      <p:sp>
+        <p:nvSpPr>
+          <p:cNvPr id="3" name="Espaço Reservado para Conteúdo 2"/>
+          <p:cNvSpPr>
+            <a:spLocks noGrp="1"/>
+          </p:cNvSpPr>
+          <p:nvPr>
+            <p:ph idx="1"/>
+          </p:nvPr>
+        </p:nvSpPr>
+        <p:spPr/>
+        <p:txBody>
+          <a:bodyPr/>
+          <a:lstStyle/>
+          <a:p>
+            <a:r>
+              <a:rPr lang="pt-BR" dirty="0"/>
+              <a:t>Opção de bloqueio de campos</a:t>
+            </a:r>
+          </a:p>
+          <a:p>
+            <a:r>
+              <a:rPr lang="pt-BR" dirty="0"/>
+              <a:t>Adicionado peças Polígono, </a:t>
+            </a:r>
+            <a:r>
+              <a:rPr lang="pt-BR" dirty="0" err="1"/>
+              <a:t>Spline</a:t>
+            </a:r>
+            <a:r>
+              <a:rPr lang="pt-BR" dirty="0"/>
+              <a:t> e Iteração</a:t>
+            </a:r>
+          </a:p>
+          <a:p>
+            <a:pPr lvl="1"/>
+            <a:r>
+              <a:rPr lang="pt-BR" dirty="0"/>
+              <a:t>Utilização de </a:t>
+            </a:r>
+            <a:r>
+              <a:rPr lang="pt-BR" dirty="0" err="1"/>
+              <a:t>Coroutines</a:t>
             </a:r>
             <a:endParaRPr lang="pt-BR" dirty="0"/>
+          </a:p>
+          <a:p>
+            <a:r>
+              <a:rPr lang="pt-BR" dirty="0"/>
+              <a:t>Dificuldades na refatoração da ferramenta</a:t>
+            </a:r>
+          </a:p>
+          <a:p>
+            <a:r>
+              <a:rPr lang="pt-BR" dirty="0"/>
+              <a:t>Adicionado menu de ajuda</a:t>
+            </a:r>
+          </a:p>
+        </p:txBody>
+      </p:sp>
+    </p:spTree>
+    <p:extLst>
+      <p:ext uri="{BB962C8B-B14F-4D97-AF65-F5344CB8AC3E}">
+        <p14:creationId xmlns:p14="http://schemas.microsoft.com/office/powerpoint/2010/main" val="2793539094"/>
+      </p:ext>
+    </p:extLst>
+  </p:cSld>
+  <p:clrMapOvr>
+    <a:masterClrMapping/>
+  </p:clrMapOvr>
+</p:sld>
+</file>
+
+<file path=ppt/slides/slide26.xml><?xml version="1.0" encoding="utf-8"?>
+<p:sld xmlns:a="http://schemas.openxmlformats.org/drawingml/2006/main" xmlns:r="http://schemas.openxmlformats.org/officeDocument/2006/relationships" xmlns:p="http://schemas.openxmlformats.org/presentationml/2006/main">
+  <p:cSld>
+    <p:spTree>
+      <p:nvGrpSpPr>
+        <p:cNvPr id="1" name=""/>
+        <p:cNvGrpSpPr/>
+        <p:nvPr/>
+      </p:nvGrpSpPr>
+      <p:grpSpPr>
+        <a:xfrm>
+          <a:off x="0" y="0"/>
+          <a:ext cx="0" cy="0"/>
+          <a:chOff x="0" y="0"/>
+          <a:chExt cx="0" cy="0"/>
+        </a:xfrm>
+      </p:grpSpPr>
+      <p:sp>
+        <p:nvSpPr>
+          <p:cNvPr id="2" name="Título 1"/>
+          <p:cNvSpPr>
+            <a:spLocks noGrp="1"/>
+          </p:cNvSpPr>
+          <p:nvPr>
+            <p:ph type="title"/>
+          </p:nvPr>
+        </p:nvSpPr>
+        <p:spPr/>
+        <p:txBody>
+          <a:bodyPr/>
+          <a:lstStyle/>
+          <a:p>
+            <a:r>
+              <a:rPr lang="pt-BR" dirty="0"/>
+              <a:t>Sugestões (1/2)</a:t>
+            </a:r>
           </a:p>
         </p:txBody>
       </p:sp>
@@ -10228,7 +11606,96 @@
           <a:p>
             <a:r>
               <a:rPr lang="pt-BR" dirty="0"/>
-              <a:t>Melhorar documentação do painel de ajuda com os novos recursos adicionados na ferramenta; </a:t>
+              <a:t>Adicionar novos passos no tutorial da ferramenta</a:t>
+            </a:r>
+          </a:p>
+          <a:p>
+            <a:r>
+              <a:rPr lang="pt-BR" dirty="0"/>
+              <a:t>Utilizar outras bibliotecas ou componentes para exportação de um cenário construído com recursos de orientação a objeto</a:t>
+            </a:r>
+          </a:p>
+          <a:p>
+            <a:r>
+              <a:rPr lang="pt-BR" dirty="0"/>
+              <a:t>Melhorias na iluminação já pendentes da versão anterior, aplicando nas novas peças adicionadas</a:t>
+            </a:r>
+          </a:p>
+        </p:txBody>
+      </p:sp>
+    </p:spTree>
+    <p:extLst>
+      <p:ext uri="{BB962C8B-B14F-4D97-AF65-F5344CB8AC3E}">
+        <p14:creationId xmlns:p14="http://schemas.microsoft.com/office/powerpoint/2010/main" val="4009922910"/>
+      </p:ext>
+    </p:extLst>
+  </p:cSld>
+  <p:clrMapOvr>
+    <a:masterClrMapping/>
+  </p:clrMapOvr>
+</p:sld>
+</file>
+
+<file path=ppt/slides/slide27.xml><?xml version="1.0" encoding="utf-8"?>
+<p:sld xmlns:a="http://schemas.openxmlformats.org/drawingml/2006/main" xmlns:r="http://schemas.openxmlformats.org/officeDocument/2006/relationships" xmlns:p="http://schemas.openxmlformats.org/presentationml/2006/main">
+  <p:cSld>
+    <p:spTree>
+      <p:nvGrpSpPr>
+        <p:cNvPr id="1" name=""/>
+        <p:cNvGrpSpPr/>
+        <p:nvPr/>
+      </p:nvGrpSpPr>
+      <p:grpSpPr>
+        <a:xfrm>
+          <a:off x="0" y="0"/>
+          <a:ext cx="0" cy="0"/>
+          <a:chOff x="0" y="0"/>
+          <a:chExt cx="0" cy="0"/>
+        </a:xfrm>
+      </p:grpSpPr>
+      <p:sp>
+        <p:nvSpPr>
+          <p:cNvPr id="2" name="Título 1"/>
+          <p:cNvSpPr>
+            <a:spLocks noGrp="1"/>
+          </p:cNvSpPr>
+          <p:nvPr>
+            <p:ph type="title"/>
+          </p:nvPr>
+        </p:nvSpPr>
+        <p:spPr/>
+        <p:txBody>
+          <a:bodyPr/>
+          <a:lstStyle/>
+          <a:p>
+            <a:r>
+              <a:rPr lang="pt-BR"/>
+              <a:t>Sugestões (2/2)</a:t>
+            </a:r>
+            <a:endParaRPr lang="pt-BR" dirty="0"/>
+          </a:p>
+        </p:txBody>
+      </p:sp>
+      <p:sp>
+        <p:nvSpPr>
+          <p:cNvPr id="3" name="Espaço Reservado para Conteúdo 2"/>
+          <p:cNvSpPr>
+            <a:spLocks noGrp="1"/>
+          </p:cNvSpPr>
+          <p:nvPr>
+            <p:ph idx="1"/>
+          </p:nvPr>
+        </p:nvSpPr>
+        <p:spPr/>
+        <p:txBody>
+          <a:bodyPr>
+            <a:normAutofit/>
+          </a:bodyPr>
+          <a:lstStyle/>
+          <a:p>
+            <a:r>
+              <a:rPr lang="pt-BR" dirty="0"/>
+              <a:t>Melhorar documentação do painel de ajuda com os novos recursos adicionados na ferramenta </a:t>
             </a:r>
           </a:p>
           <a:p>
@@ -10867,6 +12334,352 @@
           <a:chExt cx="0" cy="0"/>
         </a:xfrm>
       </p:grpSpPr>
+      <p:pic>
+        <p:nvPicPr>
+          <p:cNvPr id="7" name="Imagem 6" descr="Interface gráfica do usuário&#10;&#10;Descrição gerada automaticamente">
+            <a:extLst>
+              <a:ext uri="{FF2B5EF4-FFF2-40B4-BE49-F238E27FC236}">
+                <a16:creationId xmlns:a16="http://schemas.microsoft.com/office/drawing/2014/main" id="{45C2A834-1810-4E07-975C-C223B6C083A7}"/>
+              </a:ext>
+            </a:extLst>
+          </p:cNvPr>
+          <p:cNvPicPr>
+            <a:picLocks noChangeAspect="1"/>
+          </p:cNvPicPr>
+          <p:nvPr/>
+        </p:nvPicPr>
+        <p:blipFill>
+          <a:blip r:embed="rId2" cstate="print">
+            <a:extLst>
+              <a:ext uri="{28A0092B-C50C-407E-A947-70E740481C1C}">
+                <a14:useLocalDpi xmlns:a14="http://schemas.microsoft.com/office/drawing/2010/main" val="0"/>
+              </a:ext>
+            </a:extLst>
+          </a:blip>
+          <a:srcRect/>
+          <a:stretch>
+            <a:fillRect/>
+          </a:stretch>
+        </p:blipFill>
+        <p:spPr bwMode="auto">
+          <a:xfrm>
+            <a:off x="467544" y="116632"/>
+            <a:ext cx="5812786" cy="3269864"/>
+          </a:xfrm>
+          <a:prstGeom prst="rect">
+            <a:avLst/>
+          </a:prstGeom>
+          <a:noFill/>
+          <a:ln w="6350" cmpd="sng">
+            <a:solidFill>
+              <a:srgbClr val="000000"/>
+            </a:solidFill>
+            <a:miter lim="800000"/>
+            <a:headEnd/>
+            <a:tailEnd/>
+          </a:ln>
+          <a:effectLst/>
+        </p:spPr>
+      </p:pic>
+      <p:pic>
+        <p:nvPicPr>
+          <p:cNvPr id="8" name="Imagem 7" descr="Gráfico&#10;&#10;Descrição gerada automaticamente">
+            <a:extLst>
+              <a:ext uri="{FF2B5EF4-FFF2-40B4-BE49-F238E27FC236}">
+                <a16:creationId xmlns:a16="http://schemas.microsoft.com/office/drawing/2014/main" id="{BE4EF68D-1D1A-4943-AC2F-B7A044F30865}"/>
+              </a:ext>
+            </a:extLst>
+          </p:cNvPr>
+          <p:cNvPicPr>
+            <a:picLocks noChangeAspect="1"/>
+          </p:cNvPicPr>
+          <p:nvPr/>
+        </p:nvPicPr>
+        <p:blipFill>
+          <a:blip r:embed="rId3" cstate="print">
+            <a:extLst>
+              <a:ext uri="{28A0092B-C50C-407E-A947-70E740481C1C}">
+                <a14:useLocalDpi xmlns:a14="http://schemas.microsoft.com/office/drawing/2010/main" val="0"/>
+              </a:ext>
+            </a:extLst>
+          </a:blip>
+          <a:stretch>
+            <a:fillRect/>
+          </a:stretch>
+        </p:blipFill>
+        <p:spPr>
+          <a:xfrm>
+            <a:off x="467048" y="3471504"/>
+            <a:ext cx="5808939" cy="3269864"/>
+          </a:xfrm>
+          <a:prstGeom prst="rect">
+            <a:avLst/>
+          </a:prstGeom>
+          <a:ln w="9525">
+            <a:solidFill>
+              <a:schemeClr val="tx1"/>
+            </a:solidFill>
+          </a:ln>
+        </p:spPr>
+      </p:pic>
+      <p:sp>
+        <p:nvSpPr>
+          <p:cNvPr id="9" name="Espaço Reservado para Conteúdo 2">
+            <a:extLst>
+              <a:ext uri="{FF2B5EF4-FFF2-40B4-BE49-F238E27FC236}">
+                <a16:creationId xmlns:a16="http://schemas.microsoft.com/office/drawing/2014/main" id="{A4C69DC3-354C-4162-8565-2D32FF083AEF}"/>
+              </a:ext>
+            </a:extLst>
+          </p:cNvPr>
+          <p:cNvSpPr>
+            <a:spLocks noGrp="1"/>
+          </p:cNvSpPr>
+          <p:nvPr>
+            <p:ph idx="1"/>
+          </p:nvPr>
+        </p:nvSpPr>
+        <p:spPr>
+          <a:xfrm>
+            <a:off x="5940152" y="980728"/>
+            <a:ext cx="2664296" cy="360040"/>
+          </a:xfrm>
+        </p:spPr>
+        <p:txBody>
+          <a:bodyPr>
+            <a:normAutofit fontScale="70000" lnSpcReduction="20000"/>
+          </a:bodyPr>
+          <a:lstStyle/>
+          <a:p>
+            <a:pPr lvl="1">
+              <a:buFont typeface="Arial" panose="020B0604020202020204" pitchFamily="34" charset="0"/>
+              <a:buChar char="•"/>
+            </a:pPr>
+            <a:r>
+              <a:rPr lang="pt-BR" dirty="0"/>
+              <a:t>Versão anterior</a:t>
+            </a:r>
+          </a:p>
+        </p:txBody>
+      </p:sp>
+      <p:sp>
+        <p:nvSpPr>
+          <p:cNvPr id="10" name="Espaço Reservado para Conteúdo 2">
+            <a:extLst>
+              <a:ext uri="{FF2B5EF4-FFF2-40B4-BE49-F238E27FC236}">
+                <a16:creationId xmlns:a16="http://schemas.microsoft.com/office/drawing/2014/main" id="{9DEE4F09-9A2E-46A0-8B21-6B56EBAAE06B}"/>
+              </a:ext>
+            </a:extLst>
+          </p:cNvPr>
+          <p:cNvSpPr txBox="1">
+            <a:spLocks/>
+          </p:cNvSpPr>
+          <p:nvPr/>
+        </p:nvSpPr>
+        <p:spPr bwMode="auto">
+          <a:xfrm>
+            <a:off x="5940152" y="5106436"/>
+            <a:ext cx="2664296" cy="360040"/>
+          </a:xfrm>
+          <a:prstGeom prst="rect">
+            <a:avLst/>
+          </a:prstGeom>
+          <a:noFill/>
+          <a:ln w="9525">
+            <a:noFill/>
+            <a:miter lim="800000"/>
+            <a:headEnd/>
+            <a:tailEnd/>
+          </a:ln>
+          <a:effectLst/>
+        </p:spPr>
+        <p:txBody>
+          <a:bodyPr vert="horz" wrap="square" lIns="91440" tIns="45720" rIns="91440" bIns="45720" numCol="1" anchor="t" anchorCtr="0" compatLnSpc="1">
+            <a:prstTxWarp prst="textNoShape">
+              <a:avLst/>
+            </a:prstTxWarp>
+            <a:normAutofit fontScale="77500" lnSpcReduction="20000"/>
+          </a:bodyPr>
+          <a:lstStyle>
+            <a:lvl1pPr marL="342900" indent="-342900" algn="l" rtl="0" fontAlgn="base">
+              <a:spcBef>
+                <a:spcPct val="20000"/>
+              </a:spcBef>
+              <a:spcAft>
+                <a:spcPct val="0"/>
+              </a:spcAft>
+              <a:buChar char="•"/>
+              <a:defRPr sz="3200">
+                <a:solidFill>
+                  <a:schemeClr val="tx1"/>
+                </a:solidFill>
+                <a:latin typeface="+mn-lt"/>
+                <a:ea typeface="+mn-ea"/>
+                <a:cs typeface="+mn-cs"/>
+              </a:defRPr>
+            </a:lvl1pPr>
+            <a:lvl2pPr marL="742950" indent="-285750" algn="l" rtl="0" fontAlgn="base">
+              <a:spcBef>
+                <a:spcPct val="20000"/>
+              </a:spcBef>
+              <a:spcAft>
+                <a:spcPct val="0"/>
+              </a:spcAft>
+              <a:buChar char="–"/>
+              <a:defRPr sz="2800">
+                <a:solidFill>
+                  <a:schemeClr val="tx1"/>
+                </a:solidFill>
+                <a:latin typeface="+mn-lt"/>
+              </a:defRPr>
+            </a:lvl2pPr>
+            <a:lvl3pPr marL="1143000" indent="-228600" algn="l" rtl="0" fontAlgn="base">
+              <a:spcBef>
+                <a:spcPct val="20000"/>
+              </a:spcBef>
+              <a:spcAft>
+                <a:spcPct val="0"/>
+              </a:spcAft>
+              <a:buChar char="•"/>
+              <a:defRPr sz="2400">
+                <a:solidFill>
+                  <a:schemeClr val="tx1"/>
+                </a:solidFill>
+                <a:latin typeface="+mn-lt"/>
+              </a:defRPr>
+            </a:lvl3pPr>
+            <a:lvl4pPr marL="1600200" indent="-228600" algn="l" rtl="0" fontAlgn="base">
+              <a:spcBef>
+                <a:spcPct val="20000"/>
+              </a:spcBef>
+              <a:spcAft>
+                <a:spcPct val="0"/>
+              </a:spcAft>
+              <a:buChar char="–"/>
+              <a:defRPr sz="2000">
+                <a:solidFill>
+                  <a:schemeClr val="tx1"/>
+                </a:solidFill>
+                <a:latin typeface="+mn-lt"/>
+              </a:defRPr>
+            </a:lvl4pPr>
+            <a:lvl5pPr marL="2057400" indent="-228600" algn="l" rtl="0" fontAlgn="base">
+              <a:spcBef>
+                <a:spcPct val="20000"/>
+              </a:spcBef>
+              <a:spcAft>
+                <a:spcPct val="0"/>
+              </a:spcAft>
+              <a:buChar char="»"/>
+              <a:defRPr sz="2000">
+                <a:solidFill>
+                  <a:schemeClr val="tx1"/>
+                </a:solidFill>
+                <a:latin typeface="+mn-lt"/>
+              </a:defRPr>
+            </a:lvl5pPr>
+            <a:lvl6pPr marL="2514600" indent="-228600" algn="l" rtl="0" fontAlgn="base">
+              <a:spcBef>
+                <a:spcPct val="20000"/>
+              </a:spcBef>
+              <a:spcAft>
+                <a:spcPct val="0"/>
+              </a:spcAft>
+              <a:buChar char="»"/>
+              <a:defRPr sz="2000">
+                <a:solidFill>
+                  <a:schemeClr val="tx1"/>
+                </a:solidFill>
+                <a:latin typeface="+mn-lt"/>
+              </a:defRPr>
+            </a:lvl6pPr>
+            <a:lvl7pPr marL="2971800" indent="-228600" algn="l" rtl="0" fontAlgn="base">
+              <a:spcBef>
+                <a:spcPct val="20000"/>
+              </a:spcBef>
+              <a:spcAft>
+                <a:spcPct val="0"/>
+              </a:spcAft>
+              <a:buChar char="»"/>
+              <a:defRPr sz="2000">
+                <a:solidFill>
+                  <a:schemeClr val="tx1"/>
+                </a:solidFill>
+                <a:latin typeface="+mn-lt"/>
+              </a:defRPr>
+            </a:lvl7pPr>
+            <a:lvl8pPr marL="3429000" indent="-228600" algn="l" rtl="0" fontAlgn="base">
+              <a:spcBef>
+                <a:spcPct val="20000"/>
+              </a:spcBef>
+              <a:spcAft>
+                <a:spcPct val="0"/>
+              </a:spcAft>
+              <a:buChar char="»"/>
+              <a:defRPr sz="2000">
+                <a:solidFill>
+                  <a:schemeClr val="tx1"/>
+                </a:solidFill>
+                <a:latin typeface="+mn-lt"/>
+              </a:defRPr>
+            </a:lvl8pPr>
+            <a:lvl9pPr marL="3886200" indent="-228600" algn="l" rtl="0" fontAlgn="base">
+              <a:spcBef>
+                <a:spcPct val="20000"/>
+              </a:spcBef>
+              <a:spcAft>
+                <a:spcPct val="0"/>
+              </a:spcAft>
+              <a:buChar char="»"/>
+              <a:defRPr sz="2000">
+                <a:solidFill>
+                  <a:schemeClr val="tx1"/>
+                </a:solidFill>
+                <a:latin typeface="+mn-lt"/>
+              </a:defRPr>
+            </a:lvl9pPr>
+          </a:lstStyle>
+          <a:p>
+            <a:pPr lvl="1">
+              <a:buFont typeface="Arial" panose="020B0604020202020204" pitchFamily="34" charset="0"/>
+              <a:buChar char="•"/>
+            </a:pPr>
+            <a:r>
+              <a:rPr lang="pt-BR" kern="0" dirty="0"/>
+              <a:t>Versão atual</a:t>
+            </a:r>
+          </a:p>
+        </p:txBody>
+      </p:sp>
+    </p:spTree>
+    <p:extLst>
+      <p:ext uri="{BB962C8B-B14F-4D97-AF65-F5344CB8AC3E}">
+        <p14:creationId xmlns:p14="http://schemas.microsoft.com/office/powerpoint/2010/main" val="249792182"/>
+      </p:ext>
+    </p:extLst>
+  </p:cSld>
+  <p:clrMapOvr>
+    <a:masterClrMapping/>
+  </p:clrMapOvr>
+</p:sld>
+</file>
+
+<file path=ppt/slides/slide9.xml><?xml version="1.0" encoding="utf-8"?>
+<p:sld xmlns:a="http://schemas.openxmlformats.org/drawingml/2006/main" xmlns:r="http://schemas.openxmlformats.org/officeDocument/2006/relationships" xmlns:p="http://schemas.openxmlformats.org/presentationml/2006/main">
+  <p:cSld>
+    <p:spTree>
+      <p:nvGrpSpPr>
+        <p:cNvPr id="1" name=""/>
+        <p:cNvGrpSpPr/>
+        <p:nvPr/>
+      </p:nvGrpSpPr>
+      <p:grpSpPr>
+        <a:xfrm>
+          <a:off x="0" y="0"/>
+          <a:ext cx="0" cy="0"/>
+          <a:chOff x="0" y="0"/>
+          <a:chExt cx="0" cy="0"/>
+        </a:xfrm>
+      </p:grpSpPr>
       <p:sp>
         <p:nvSpPr>
           <p:cNvPr id="2" name="Título 1"/>
@@ -10943,8 +12756,8 @@
         </p:blipFill>
         <p:spPr>
           <a:xfrm>
-            <a:off x="4583149" y="3064625"/>
-            <a:ext cx="4103652" cy="2178444"/>
+            <a:off x="6051550" y="3068960"/>
+            <a:ext cx="2721072" cy="1444495"/>
           </a:xfrm>
           <a:prstGeom prst="rect">
             <a:avLst/>
@@ -10996,28 +12809,28 @@
           <p:nvPr>
             <p:extLst>
               <p:ext uri="{D42A27DB-BD31-4B8C-83A1-F6EECF244321}">
-                <p14:modId xmlns:p14="http://schemas.microsoft.com/office/powerpoint/2010/main" val="3166467211"/>
+                <p14:modId xmlns:p14="http://schemas.microsoft.com/office/powerpoint/2010/main" val="2270219784"/>
               </p:ext>
             </p:extLst>
           </p:nvPr>
         </p:nvGraphicFramePr>
         <p:xfrm>
           <a:off x="611560" y="2996952"/>
-          <a:ext cx="3416300" cy="2193925"/>
+          <a:ext cx="5256584" cy="3168352"/>
         </p:xfrm>
         <a:graphic>
           <a:graphicData uri="http://schemas.openxmlformats.org/drawingml/2006/table">
             <a:tbl>
               <a:tblPr firstRow="1" firstCol="1" bandRow="1"/>
               <a:tblGrid>
-                <a:gridCol w="1976115">
+                <a:gridCol w="3040604">
                   <a:extLst>
                     <a:ext uri="{9D8B030D-6E8A-4147-A177-3AD203B41FA5}">
                       <a16:colId xmlns:a16="http://schemas.microsoft.com/office/drawing/2014/main" val="4215553245"/>
                     </a:ext>
                   </a:extLst>
                 </a:gridCol>
-                <a:gridCol w="1440185">
+                <a:gridCol w="2215980">
                   <a:extLst>
                     <a:ext uri="{9D8B030D-6E8A-4147-A177-3AD203B41FA5}">
                       <a16:colId xmlns:a16="http://schemas.microsoft.com/office/drawing/2014/main" val="939591887"/>
@@ -11025,7 +12838,7 @@
                   </a:extLst>
                 </a:gridCol>
               </a:tblGrid>
-              <a:tr h="626835">
+              <a:tr h="648072">
                 <a:tc>
                   <a:txBody>
                     <a:bodyPr/>
@@ -11175,7 +12988,7 @@
                   </a:ext>
                 </a:extLst>
               </a:tr>
-              <a:tr h="313418">
+              <a:tr h="504056">
                 <a:tc>
                   <a:txBody>
                     <a:bodyPr/>
@@ -11291,7 +13104,7 @@
                   </a:ext>
                 </a:extLst>
               </a:tr>
-              <a:tr h="313418">
+              <a:tr h="504056">
                 <a:tc>
                   <a:txBody>
                     <a:bodyPr/>
@@ -11407,7 +13220,7 @@
                   </a:ext>
                 </a:extLst>
               </a:tr>
-              <a:tr h="313418">
+              <a:tr h="504056">
                 <a:tc>
                   <a:txBody>
                     <a:bodyPr/>
@@ -11523,7 +13336,7 @@
                   </a:ext>
                 </a:extLst>
               </a:tr>
-              <a:tr h="313418">
+              <a:tr h="504056">
                 <a:tc>
                   <a:txBody>
                     <a:bodyPr/>
@@ -11639,7 +13452,7 @@
                   </a:ext>
                 </a:extLst>
               </a:tr>
-              <a:tr h="313418">
+              <a:tr h="504056">
                 <a:tc>
                   <a:txBody>
                     <a:bodyPr/>
@@ -11775,7 +13588,7 @@
         </p:nvSpPr>
         <p:spPr bwMode="auto">
           <a:xfrm>
-            <a:off x="539552" y="3337284"/>
+            <a:off x="611560" y="3303339"/>
             <a:ext cx="1408113" cy="307975"/>
           </a:xfrm>
           <a:prstGeom prst="rect">
@@ -11966,7 +13779,7 @@
         </p:nvSpPr>
         <p:spPr bwMode="auto">
           <a:xfrm>
-            <a:off x="1763688" y="2973394"/>
+            <a:off x="2735027" y="2996952"/>
             <a:ext cx="1009650" cy="306387"/>
           </a:xfrm>
           <a:prstGeom prst="rect">
@@ -12145,1319 +13958,6 @@
     <p:extLst>
       <p:ext uri="{BB962C8B-B14F-4D97-AF65-F5344CB8AC3E}">
         <p14:creationId xmlns:p14="http://schemas.microsoft.com/office/powerpoint/2010/main" val="3483541894"/>
-      </p:ext>
-    </p:extLst>
-  </p:cSld>
-  <p:clrMapOvr>
-    <a:masterClrMapping/>
-  </p:clrMapOvr>
-</p:sld>
-</file>
-
-<file path=ppt/slides/slide9.xml><?xml version="1.0" encoding="utf-8"?>
-<p:sld xmlns:a="http://schemas.openxmlformats.org/drawingml/2006/main" xmlns:r="http://schemas.openxmlformats.org/officeDocument/2006/relationships" xmlns:p="http://schemas.openxmlformats.org/presentationml/2006/main">
-  <p:cSld>
-    <p:spTree>
-      <p:nvGrpSpPr>
-        <p:cNvPr id="1" name=""/>
-        <p:cNvGrpSpPr/>
-        <p:nvPr/>
-      </p:nvGrpSpPr>
-      <p:grpSpPr>
-        <a:xfrm>
-          <a:off x="0" y="0"/>
-          <a:ext cx="0" cy="0"/>
-          <a:chOff x="0" y="0"/>
-          <a:chExt cx="0" cy="0"/>
-        </a:xfrm>
-      </p:grpSpPr>
-      <p:sp>
-        <p:nvSpPr>
-          <p:cNvPr id="2" name="Título 1"/>
-          <p:cNvSpPr>
-            <a:spLocks noGrp="1"/>
-          </p:cNvSpPr>
-          <p:nvPr>
-            <p:ph type="title"/>
-          </p:nvPr>
-        </p:nvSpPr>
-        <p:spPr/>
-        <p:txBody>
-          <a:bodyPr/>
-          <a:lstStyle/>
-          <a:p>
-            <a:r>
-              <a:rPr lang="pt-BR" dirty="0"/>
-              <a:t>Trabalhos Correlatos (2/3)</a:t>
-            </a:r>
-          </a:p>
-        </p:txBody>
-      </p:sp>
-      <p:sp>
-        <p:nvSpPr>
-          <p:cNvPr id="3" name="Espaço Reservado para Conteúdo 2"/>
-          <p:cNvSpPr>
-            <a:spLocks noGrp="1"/>
-          </p:cNvSpPr>
-          <p:nvPr>
-            <p:ph idx="1"/>
-          </p:nvPr>
-        </p:nvSpPr>
-        <p:spPr/>
-        <p:txBody>
-          <a:bodyPr/>
-          <a:lstStyle/>
-          <a:p>
-            <a:pPr eaLnBrk="1" hangingPunct="1"/>
-            <a:r>
-              <a:rPr lang="pt-BR" altLang="pt-BR" dirty="0" err="1"/>
-              <a:t>Questmeter</a:t>
-            </a:r>
-            <a:r>
-              <a:rPr lang="pt-BR" altLang="pt-BR" dirty="0"/>
-              <a:t> é uma ferramenta de quis com conceito de </a:t>
-            </a:r>
-            <a:r>
-              <a:rPr lang="pt-BR" altLang="pt-BR" dirty="0" err="1"/>
-              <a:t>Clickers</a:t>
-            </a:r>
-            <a:endParaRPr lang="pt-BR" altLang="pt-BR" dirty="0"/>
-          </a:p>
-          <a:p>
-            <a:pPr marL="0" indent="0">
-              <a:buNone/>
-            </a:pPr>
-            <a:endParaRPr lang="pt-BR" dirty="0"/>
-          </a:p>
-          <a:p>
-            <a:endParaRPr lang="pt-BR" dirty="0"/>
-          </a:p>
-        </p:txBody>
-      </p:sp>
-      <p:graphicFrame>
-        <p:nvGraphicFramePr>
-          <p:cNvPr id="5" name="Tabela 4">
-            <a:extLst>
-              <a:ext uri="{FF2B5EF4-FFF2-40B4-BE49-F238E27FC236}">
-                <a16:creationId xmlns:a16="http://schemas.microsoft.com/office/drawing/2014/main" id="{958886B5-AD6F-4924-842C-248B3A8E0390}"/>
-              </a:ext>
-            </a:extLst>
-          </p:cNvPr>
-          <p:cNvGraphicFramePr>
-            <a:graphicFrameLocks noGrp="1"/>
-          </p:cNvGraphicFramePr>
-          <p:nvPr>
-            <p:extLst>
-              <p:ext uri="{D42A27DB-BD31-4B8C-83A1-F6EECF244321}">
-                <p14:modId xmlns:p14="http://schemas.microsoft.com/office/powerpoint/2010/main" val="903955947"/>
-              </p:ext>
-            </p:extLst>
-          </p:nvPr>
-        </p:nvGraphicFramePr>
-        <p:xfrm>
-          <a:off x="611560" y="2996952"/>
-          <a:ext cx="3416300" cy="2193925"/>
-        </p:xfrm>
-        <a:graphic>
-          <a:graphicData uri="http://schemas.openxmlformats.org/drawingml/2006/table">
-            <a:tbl>
-              <a:tblPr firstRow="1" firstCol="1" bandRow="1"/>
-              <a:tblGrid>
-                <a:gridCol w="1976115">
-                  <a:extLst>
-                    <a:ext uri="{9D8B030D-6E8A-4147-A177-3AD203B41FA5}">
-                      <a16:colId xmlns:a16="http://schemas.microsoft.com/office/drawing/2014/main" val="4215553245"/>
-                    </a:ext>
-                  </a:extLst>
-                </a:gridCol>
-                <a:gridCol w="1440185">
-                  <a:extLst>
-                    <a:ext uri="{9D8B030D-6E8A-4147-A177-3AD203B41FA5}">
-                      <a16:colId xmlns:a16="http://schemas.microsoft.com/office/drawing/2014/main" val="939591887"/>
-                    </a:ext>
-                  </a:extLst>
-                </a:gridCol>
-              </a:tblGrid>
-              <a:tr h="626835">
-                <a:tc>
-                  <a:txBody>
-                    <a:bodyPr/>
-                    <a:lstStyle/>
-                    <a:p>
-                      <a:pPr lvl="0" indent="431800" algn="l">
-                        <a:spcAft>
-                          <a:spcPts val="600"/>
-                        </a:spcAft>
-                      </a:pPr>
-                      <a:endParaRPr lang="pt-BR" sz="1000" dirty="0">
-                        <a:solidFill>
-                          <a:schemeClr val="bg1"/>
-                        </a:solidFill>
-                        <a:effectLst/>
-                        <a:latin typeface="Times New Roman" panose="02020603050405020304" pitchFamily="18" charset="0"/>
-                        <a:ea typeface="Times New Roman" panose="02020603050405020304" pitchFamily="18" charset="0"/>
-                      </a:endParaRPr>
-                    </a:p>
-                  </a:txBody>
-                  <a:tcPr marL="68581" marR="68581" marT="0" marB="0" anchor="b">
-                    <a:lnL w="12700" cap="flat" cmpd="sng" algn="ctr">
-                      <a:solidFill>
-                        <a:srgbClr val="000000"/>
-                      </a:solidFill>
-                      <a:prstDash val="solid"/>
-                      <a:round/>
-                      <a:headEnd type="none" w="med" len="med"/>
-                      <a:tailEnd type="none" w="med" len="med"/>
-                    </a:lnL>
-                    <a:lnR w="12700" cap="flat" cmpd="sng" algn="ctr">
-                      <a:solidFill>
-                        <a:srgbClr val="000000"/>
-                      </a:solidFill>
-                      <a:prstDash val="solid"/>
-                      <a:round/>
-                      <a:headEnd type="none" w="med" len="med"/>
-                      <a:tailEnd type="none" w="med" len="med"/>
-                    </a:lnR>
-                    <a:lnT w="12700" cap="flat" cmpd="sng" algn="ctr">
-                      <a:solidFill>
-                        <a:srgbClr val="000000"/>
-                      </a:solidFill>
-                      <a:prstDash val="solid"/>
-                      <a:round/>
-                      <a:headEnd type="none" w="med" len="med"/>
-                      <a:tailEnd type="none" w="med" len="med"/>
-                    </a:lnT>
-                    <a:lnB w="12700" cap="flat" cmpd="sng" algn="ctr">
-                      <a:solidFill>
-                        <a:srgbClr val="000000"/>
-                      </a:solidFill>
-                      <a:prstDash val="solid"/>
-                      <a:round/>
-                      <a:headEnd type="none" w="med" len="med"/>
-                      <a:tailEnd type="none" w="med" len="med"/>
-                    </a:lnB>
-                    <a:lnTlToBr w="6350" cap="flat" cmpd="sng" algn="ctr">
-                      <a:solidFill>
-                        <a:srgbClr val="000000"/>
-                      </a:solidFill>
-                      <a:prstDash val="solid"/>
-                      <a:round/>
-                      <a:headEnd type="none" w="med" len="med"/>
-                      <a:tailEnd type="none" w="med" len="med"/>
-                    </a:lnTlToBr>
-                    <a:solidFill>
-                      <a:srgbClr val="A6A6A6"/>
-                    </a:solidFill>
-                  </a:tcPr>
-                </a:tc>
-                <a:tc>
-                  <a:txBody>
-                    <a:bodyPr/>
-                    <a:lstStyle/>
-                    <a:p>
-                      <a:pPr algn="ctr"/>
-                      <a:r>
-                        <a:rPr lang="pt-BR" sz="1400" dirty="0" err="1">
-                          <a:solidFill>
-                            <a:schemeClr val="bg1"/>
-                          </a:solidFill>
-                          <a:effectLst/>
-                          <a:latin typeface="+mj-lt"/>
-                          <a:ea typeface="Times New Roman" panose="02020603050405020304" pitchFamily="18" charset="0"/>
-                        </a:rPr>
-                        <a:t>Questmeter</a:t>
-                      </a:r>
-                      <a:r>
-                        <a:rPr lang="pt-BR" sz="1400" dirty="0">
-                          <a:solidFill>
-                            <a:schemeClr val="bg1"/>
-                          </a:solidFill>
-                          <a:effectLst/>
-                          <a:latin typeface="+mj-lt"/>
-                          <a:ea typeface="Times New Roman" panose="02020603050405020304" pitchFamily="18" charset="0"/>
-                        </a:rPr>
-                        <a:t> (2019)</a:t>
-                      </a:r>
-                    </a:p>
-                  </a:txBody>
-                  <a:tcPr marL="68581" marR="68581" marT="0" marB="0" anchor="ctr">
-                    <a:lnL w="12700" cap="flat" cmpd="sng" algn="ctr">
-                      <a:solidFill>
-                        <a:srgbClr val="000000"/>
-                      </a:solidFill>
-                      <a:prstDash val="solid"/>
-                      <a:round/>
-                      <a:headEnd type="none" w="med" len="med"/>
-                      <a:tailEnd type="none" w="med" len="med"/>
-                    </a:lnL>
-                    <a:lnR w="12700" cap="flat" cmpd="sng" algn="ctr">
-                      <a:solidFill>
-                        <a:srgbClr val="000000"/>
-                      </a:solidFill>
-                      <a:prstDash val="solid"/>
-                      <a:round/>
-                      <a:headEnd type="none" w="med" len="med"/>
-                      <a:tailEnd type="none" w="med" len="med"/>
-                    </a:lnR>
-                    <a:lnT w="12700" cap="flat" cmpd="sng" algn="ctr">
-                      <a:solidFill>
-                        <a:srgbClr val="000000"/>
-                      </a:solidFill>
-                      <a:prstDash val="solid"/>
-                      <a:round/>
-                      <a:headEnd type="none" w="med" len="med"/>
-                      <a:tailEnd type="none" w="med" len="med"/>
-                    </a:lnT>
-                    <a:lnB w="12700" cap="flat" cmpd="sng" algn="ctr">
-                      <a:solidFill>
-                        <a:srgbClr val="000000"/>
-                      </a:solidFill>
-                      <a:prstDash val="solid"/>
-                      <a:round/>
-                      <a:headEnd type="none" w="med" len="med"/>
-                      <a:tailEnd type="none" w="med" len="med"/>
-                    </a:lnB>
-                    <a:solidFill>
-                      <a:srgbClr val="A6A6A6"/>
-                    </a:solidFill>
-                  </a:tcPr>
-                </a:tc>
-                <a:extLst>
-                  <a:ext uri="{0D108BD9-81ED-4DB2-BD59-A6C34878D82A}">
-                    <a16:rowId xmlns:a16="http://schemas.microsoft.com/office/drawing/2014/main" val="722429279"/>
-                  </a:ext>
-                </a:extLst>
-              </a:tr>
-              <a:tr h="313418">
-                <a:tc>
-                  <a:txBody>
-                    <a:bodyPr/>
-                    <a:lstStyle/>
-                    <a:p>
-                      <a:r>
-                        <a:rPr lang="pt-BR" sz="1000" dirty="0">
-                          <a:effectLst/>
-                          <a:latin typeface="Arial (Corpo)"/>
-                          <a:ea typeface="Times New Roman" panose="02020603050405020304" pitchFamily="18" charset="0"/>
-                        </a:rPr>
-                        <a:t>transformações geométricas</a:t>
-                      </a:r>
-                    </a:p>
-                  </a:txBody>
-                  <a:tcPr marL="68579" marR="68579" marT="0" marB="0" anchor="ctr">
-                    <a:lnL w="12700" cap="flat" cmpd="sng" algn="ctr">
-                      <a:solidFill>
-                        <a:srgbClr val="000000"/>
-                      </a:solidFill>
-                      <a:prstDash val="solid"/>
-                      <a:round/>
-                      <a:headEnd type="none" w="med" len="med"/>
-                      <a:tailEnd type="none" w="med" len="med"/>
-                    </a:lnL>
-                    <a:lnR w="12700" cap="flat" cmpd="sng" algn="ctr">
-                      <a:solidFill>
-                        <a:srgbClr val="000000"/>
-                      </a:solidFill>
-                      <a:prstDash val="solid"/>
-                      <a:round/>
-                      <a:headEnd type="none" w="med" len="med"/>
-                      <a:tailEnd type="none" w="med" len="med"/>
-                    </a:lnR>
-                    <a:lnT w="12700" cap="flat" cmpd="sng" algn="ctr">
-                      <a:solidFill>
-                        <a:srgbClr val="000000"/>
-                      </a:solidFill>
-                      <a:prstDash val="solid"/>
-                      <a:round/>
-                      <a:headEnd type="none" w="med" len="med"/>
-                      <a:tailEnd type="none" w="med" len="med"/>
-                    </a:lnT>
-                    <a:lnB w="12700" cap="flat" cmpd="sng" algn="ctr">
-                      <a:solidFill>
-                        <a:srgbClr val="000000"/>
-                      </a:solidFill>
-                      <a:prstDash val="solid"/>
-                      <a:round/>
-                      <a:headEnd type="none" w="med" len="med"/>
-                      <a:tailEnd type="none" w="med" len="med"/>
-                    </a:lnB>
-                  </a:tcPr>
-                </a:tc>
-                <a:tc>
-                  <a:txBody>
-                    <a:bodyPr/>
-                    <a:lstStyle/>
-                    <a:p>
-                      <a:pPr algn="ctr"/>
-                      <a:r>
-                        <a:rPr lang="pt-BR" sz="1000" dirty="0">
-                          <a:effectLst/>
-                          <a:latin typeface="Arial (Corpo)"/>
-                          <a:ea typeface="Times New Roman" panose="02020603050405020304" pitchFamily="18" charset="0"/>
-                        </a:rPr>
-                        <a:t>Não</a:t>
-                      </a:r>
-                    </a:p>
-                  </a:txBody>
-                  <a:tcPr marL="68579" marR="68579" marT="0" marB="0" anchor="ctr">
-                    <a:lnL w="12700" cap="flat" cmpd="sng" algn="ctr">
-                      <a:solidFill>
-                        <a:srgbClr val="000000"/>
-                      </a:solidFill>
-                      <a:prstDash val="solid"/>
-                      <a:round/>
-                      <a:headEnd type="none" w="med" len="med"/>
-                      <a:tailEnd type="none" w="med" len="med"/>
-                    </a:lnL>
-                    <a:lnR w="12700" cap="flat" cmpd="sng" algn="ctr">
-                      <a:solidFill>
-                        <a:srgbClr val="000000"/>
-                      </a:solidFill>
-                      <a:prstDash val="solid"/>
-                      <a:round/>
-                      <a:headEnd type="none" w="med" len="med"/>
-                      <a:tailEnd type="none" w="med" len="med"/>
-                    </a:lnR>
-                    <a:lnT w="12700" cap="flat" cmpd="sng" algn="ctr">
-                      <a:solidFill>
-                        <a:srgbClr val="000000"/>
-                      </a:solidFill>
-                      <a:prstDash val="solid"/>
-                      <a:round/>
-                      <a:headEnd type="none" w="med" len="med"/>
-                      <a:tailEnd type="none" w="med" len="med"/>
-                    </a:lnT>
-                    <a:lnB w="12700" cap="flat" cmpd="sng" algn="ctr">
-                      <a:solidFill>
-                        <a:srgbClr val="000000"/>
-                      </a:solidFill>
-                      <a:prstDash val="solid"/>
-                      <a:round/>
-                      <a:headEnd type="none" w="med" len="med"/>
-                      <a:tailEnd type="none" w="med" len="med"/>
-                    </a:lnB>
-                  </a:tcPr>
-                </a:tc>
-                <a:extLst>
-                  <a:ext uri="{0D108BD9-81ED-4DB2-BD59-A6C34878D82A}">
-                    <a16:rowId xmlns:a16="http://schemas.microsoft.com/office/drawing/2014/main" val="1287992700"/>
-                  </a:ext>
-                </a:extLst>
-              </a:tr>
-              <a:tr h="313418">
-                <a:tc>
-                  <a:txBody>
-                    <a:bodyPr/>
-                    <a:lstStyle/>
-                    <a:p>
-                      <a:r>
-                        <a:rPr lang="pt-BR" sz="1000" dirty="0">
-                          <a:effectLst/>
-                          <a:latin typeface="Arial (Corpo)"/>
-                          <a:ea typeface="Times New Roman" panose="02020603050405020304" pitchFamily="18" charset="0"/>
-                        </a:rPr>
-                        <a:t>motor de jogos</a:t>
-                      </a:r>
-                    </a:p>
-                  </a:txBody>
-                  <a:tcPr marL="68579" marR="68579" marT="0" marB="0" anchor="ctr">
-                    <a:lnL w="12700" cap="flat" cmpd="sng" algn="ctr">
-                      <a:solidFill>
-                        <a:srgbClr val="000000"/>
-                      </a:solidFill>
-                      <a:prstDash val="solid"/>
-                      <a:round/>
-                      <a:headEnd type="none" w="med" len="med"/>
-                      <a:tailEnd type="none" w="med" len="med"/>
-                    </a:lnL>
-                    <a:lnR w="12700" cap="flat" cmpd="sng" algn="ctr">
-                      <a:solidFill>
-                        <a:srgbClr val="000000"/>
-                      </a:solidFill>
-                      <a:prstDash val="solid"/>
-                      <a:round/>
-                      <a:headEnd type="none" w="med" len="med"/>
-                      <a:tailEnd type="none" w="med" len="med"/>
-                    </a:lnR>
-                    <a:lnT w="12700" cap="flat" cmpd="sng" algn="ctr">
-                      <a:solidFill>
-                        <a:srgbClr val="000000"/>
-                      </a:solidFill>
-                      <a:prstDash val="solid"/>
-                      <a:round/>
-                      <a:headEnd type="none" w="med" len="med"/>
-                      <a:tailEnd type="none" w="med" len="med"/>
-                    </a:lnT>
-                    <a:lnB w="12700" cap="flat" cmpd="sng" algn="ctr">
-                      <a:solidFill>
-                        <a:srgbClr val="000000"/>
-                      </a:solidFill>
-                      <a:prstDash val="solid"/>
-                      <a:round/>
-                      <a:headEnd type="none" w="med" len="med"/>
-                      <a:tailEnd type="none" w="med" len="med"/>
-                    </a:lnB>
-                  </a:tcPr>
-                </a:tc>
-                <a:tc>
-                  <a:txBody>
-                    <a:bodyPr/>
-                    <a:lstStyle/>
-                    <a:p>
-                      <a:pPr algn="ctr"/>
-                      <a:r>
-                        <a:rPr lang="pt-BR" sz="1000" dirty="0">
-                          <a:effectLst/>
-                          <a:latin typeface="Arial (Corpo)"/>
-                          <a:ea typeface="Times New Roman" panose="02020603050405020304" pitchFamily="18" charset="0"/>
-                        </a:rPr>
-                        <a:t>Não</a:t>
-                      </a:r>
-                    </a:p>
-                  </a:txBody>
-                  <a:tcPr marL="68579" marR="68579" marT="0" marB="0" anchor="ctr">
-                    <a:lnL w="12700" cap="flat" cmpd="sng" algn="ctr">
-                      <a:solidFill>
-                        <a:srgbClr val="000000"/>
-                      </a:solidFill>
-                      <a:prstDash val="solid"/>
-                      <a:round/>
-                      <a:headEnd type="none" w="med" len="med"/>
-                      <a:tailEnd type="none" w="med" len="med"/>
-                    </a:lnL>
-                    <a:lnR w="12700" cap="flat" cmpd="sng" algn="ctr">
-                      <a:solidFill>
-                        <a:srgbClr val="000000"/>
-                      </a:solidFill>
-                      <a:prstDash val="solid"/>
-                      <a:round/>
-                      <a:headEnd type="none" w="med" len="med"/>
-                      <a:tailEnd type="none" w="med" len="med"/>
-                    </a:lnR>
-                    <a:lnT w="12700" cap="flat" cmpd="sng" algn="ctr">
-                      <a:solidFill>
-                        <a:srgbClr val="000000"/>
-                      </a:solidFill>
-                      <a:prstDash val="solid"/>
-                      <a:round/>
-                      <a:headEnd type="none" w="med" len="med"/>
-                      <a:tailEnd type="none" w="med" len="med"/>
-                    </a:lnT>
-                    <a:lnB w="12700" cap="flat" cmpd="sng" algn="ctr">
-                      <a:solidFill>
-                        <a:srgbClr val="000000"/>
-                      </a:solidFill>
-                      <a:prstDash val="solid"/>
-                      <a:round/>
-                      <a:headEnd type="none" w="med" len="med"/>
-                      <a:tailEnd type="none" w="med" len="med"/>
-                    </a:lnB>
-                  </a:tcPr>
-                </a:tc>
-                <a:extLst>
-                  <a:ext uri="{0D108BD9-81ED-4DB2-BD59-A6C34878D82A}">
-                    <a16:rowId xmlns:a16="http://schemas.microsoft.com/office/drawing/2014/main" val="3318941460"/>
-                  </a:ext>
-                </a:extLst>
-              </a:tr>
-              <a:tr h="313418">
-                <a:tc>
-                  <a:txBody>
-                    <a:bodyPr/>
-                    <a:lstStyle/>
-                    <a:p>
-                      <a:r>
-                        <a:rPr lang="pt-BR" sz="1000" dirty="0">
-                          <a:effectLst/>
-                          <a:latin typeface="Arial (Corpo)"/>
-                          <a:ea typeface="Times New Roman" panose="02020603050405020304" pitchFamily="18" charset="0"/>
-                        </a:rPr>
-                        <a:t>exportação de atividades</a:t>
-                      </a:r>
-                    </a:p>
-                  </a:txBody>
-                  <a:tcPr marL="68579" marR="68579" marT="0" marB="0" anchor="ctr">
-                    <a:lnL w="12700" cap="flat" cmpd="sng" algn="ctr">
-                      <a:solidFill>
-                        <a:srgbClr val="000000"/>
-                      </a:solidFill>
-                      <a:prstDash val="solid"/>
-                      <a:round/>
-                      <a:headEnd type="none" w="med" len="med"/>
-                      <a:tailEnd type="none" w="med" len="med"/>
-                    </a:lnL>
-                    <a:lnR w="12700" cap="flat" cmpd="sng" algn="ctr">
-                      <a:solidFill>
-                        <a:srgbClr val="000000"/>
-                      </a:solidFill>
-                      <a:prstDash val="solid"/>
-                      <a:round/>
-                      <a:headEnd type="none" w="med" len="med"/>
-                      <a:tailEnd type="none" w="med" len="med"/>
-                    </a:lnR>
-                    <a:lnT w="12700" cap="flat" cmpd="sng" algn="ctr">
-                      <a:solidFill>
-                        <a:srgbClr val="000000"/>
-                      </a:solidFill>
-                      <a:prstDash val="solid"/>
-                      <a:round/>
-                      <a:headEnd type="none" w="med" len="med"/>
-                      <a:tailEnd type="none" w="med" len="med"/>
-                    </a:lnT>
-                    <a:lnB w="12700" cap="flat" cmpd="sng" algn="ctr">
-                      <a:solidFill>
-                        <a:srgbClr val="000000"/>
-                      </a:solidFill>
-                      <a:prstDash val="solid"/>
-                      <a:round/>
-                      <a:headEnd type="none" w="med" len="med"/>
-                      <a:tailEnd type="none" w="med" len="med"/>
-                    </a:lnB>
-                  </a:tcPr>
-                </a:tc>
-                <a:tc>
-                  <a:txBody>
-                    <a:bodyPr/>
-                    <a:lstStyle/>
-                    <a:p>
-                      <a:pPr algn="ctr"/>
-                      <a:r>
-                        <a:rPr lang="pt-BR" sz="1000" dirty="0">
-                          <a:effectLst/>
-                          <a:latin typeface="Arial (Corpo)"/>
-                          <a:ea typeface="Times New Roman" panose="02020603050405020304" pitchFamily="18" charset="0"/>
-                        </a:rPr>
-                        <a:t>Sim</a:t>
-                      </a:r>
-                    </a:p>
-                  </a:txBody>
-                  <a:tcPr marL="68579" marR="68579" marT="0" marB="0" anchor="ctr">
-                    <a:lnL w="12700" cap="flat" cmpd="sng" algn="ctr">
-                      <a:solidFill>
-                        <a:srgbClr val="000000"/>
-                      </a:solidFill>
-                      <a:prstDash val="solid"/>
-                      <a:round/>
-                      <a:headEnd type="none" w="med" len="med"/>
-                      <a:tailEnd type="none" w="med" len="med"/>
-                    </a:lnL>
-                    <a:lnR w="12700" cap="flat" cmpd="sng" algn="ctr">
-                      <a:solidFill>
-                        <a:srgbClr val="000000"/>
-                      </a:solidFill>
-                      <a:prstDash val="solid"/>
-                      <a:round/>
-                      <a:headEnd type="none" w="med" len="med"/>
-                      <a:tailEnd type="none" w="med" len="med"/>
-                    </a:lnR>
-                    <a:lnT w="12700" cap="flat" cmpd="sng" algn="ctr">
-                      <a:solidFill>
-                        <a:srgbClr val="000000"/>
-                      </a:solidFill>
-                      <a:prstDash val="solid"/>
-                      <a:round/>
-                      <a:headEnd type="none" w="med" len="med"/>
-                      <a:tailEnd type="none" w="med" len="med"/>
-                    </a:lnT>
-                    <a:lnB w="12700" cap="flat" cmpd="sng" algn="ctr">
-                      <a:solidFill>
-                        <a:srgbClr val="000000"/>
-                      </a:solidFill>
-                      <a:prstDash val="solid"/>
-                      <a:round/>
-                      <a:headEnd type="none" w="med" len="med"/>
-                      <a:tailEnd type="none" w="med" len="med"/>
-                    </a:lnB>
-                  </a:tcPr>
-                </a:tc>
-                <a:extLst>
-                  <a:ext uri="{0D108BD9-81ED-4DB2-BD59-A6C34878D82A}">
-                    <a16:rowId xmlns:a16="http://schemas.microsoft.com/office/drawing/2014/main" val="218770268"/>
-                  </a:ext>
-                </a:extLst>
-              </a:tr>
-              <a:tr h="313418">
-                <a:tc>
-                  <a:txBody>
-                    <a:bodyPr/>
-                    <a:lstStyle/>
-                    <a:p>
-                      <a:r>
-                        <a:rPr lang="pt-BR" sz="1000" dirty="0">
-                          <a:effectLst/>
-                          <a:latin typeface="Arial (Corpo)"/>
-                          <a:ea typeface="Times New Roman" panose="02020603050405020304" pitchFamily="18" charset="0"/>
-                        </a:rPr>
-                        <a:t>tutoriais interativos</a:t>
-                      </a:r>
-                    </a:p>
-                  </a:txBody>
-                  <a:tcPr marL="68579" marR="68579" marT="0" marB="0" anchor="ctr">
-                    <a:lnL w="12700" cap="flat" cmpd="sng" algn="ctr">
-                      <a:solidFill>
-                        <a:srgbClr val="000000"/>
-                      </a:solidFill>
-                      <a:prstDash val="solid"/>
-                      <a:round/>
-                      <a:headEnd type="none" w="med" len="med"/>
-                      <a:tailEnd type="none" w="med" len="med"/>
-                    </a:lnL>
-                    <a:lnR w="12700" cap="flat" cmpd="sng" algn="ctr">
-                      <a:solidFill>
-                        <a:srgbClr val="000000"/>
-                      </a:solidFill>
-                      <a:prstDash val="solid"/>
-                      <a:round/>
-                      <a:headEnd type="none" w="med" len="med"/>
-                      <a:tailEnd type="none" w="med" len="med"/>
-                    </a:lnR>
-                    <a:lnT w="12700" cap="flat" cmpd="sng" algn="ctr">
-                      <a:solidFill>
-                        <a:srgbClr val="000000"/>
-                      </a:solidFill>
-                      <a:prstDash val="solid"/>
-                      <a:round/>
-                      <a:headEnd type="none" w="med" len="med"/>
-                      <a:tailEnd type="none" w="med" len="med"/>
-                    </a:lnT>
-                    <a:lnB w="12700" cap="flat" cmpd="sng" algn="ctr">
-                      <a:solidFill>
-                        <a:srgbClr val="000000"/>
-                      </a:solidFill>
-                      <a:prstDash val="solid"/>
-                      <a:round/>
-                      <a:headEnd type="none" w="med" len="med"/>
-                      <a:tailEnd type="none" w="med" len="med"/>
-                    </a:lnB>
-                  </a:tcPr>
-                </a:tc>
-                <a:tc>
-                  <a:txBody>
-                    <a:bodyPr/>
-                    <a:lstStyle/>
-                    <a:p>
-                      <a:pPr algn="ctr"/>
-                      <a:r>
-                        <a:rPr lang="pt-BR" sz="1000" dirty="0">
-                          <a:effectLst/>
-                          <a:latin typeface="Arial (Corpo)"/>
-                          <a:ea typeface="Times New Roman" panose="02020603050405020304" pitchFamily="18" charset="0"/>
-                        </a:rPr>
-                        <a:t>Sim</a:t>
-                      </a:r>
-                    </a:p>
-                  </a:txBody>
-                  <a:tcPr marL="68579" marR="68579" marT="0" marB="0" anchor="ctr">
-                    <a:lnL w="12700" cap="flat" cmpd="sng" algn="ctr">
-                      <a:solidFill>
-                        <a:srgbClr val="000000"/>
-                      </a:solidFill>
-                      <a:prstDash val="solid"/>
-                      <a:round/>
-                      <a:headEnd type="none" w="med" len="med"/>
-                      <a:tailEnd type="none" w="med" len="med"/>
-                    </a:lnL>
-                    <a:lnR w="12700" cap="flat" cmpd="sng" algn="ctr">
-                      <a:solidFill>
-                        <a:srgbClr val="000000"/>
-                      </a:solidFill>
-                      <a:prstDash val="solid"/>
-                      <a:round/>
-                      <a:headEnd type="none" w="med" len="med"/>
-                      <a:tailEnd type="none" w="med" len="med"/>
-                    </a:lnR>
-                    <a:lnT w="12700" cap="flat" cmpd="sng" algn="ctr">
-                      <a:solidFill>
-                        <a:srgbClr val="000000"/>
-                      </a:solidFill>
-                      <a:prstDash val="solid"/>
-                      <a:round/>
-                      <a:headEnd type="none" w="med" len="med"/>
-                      <a:tailEnd type="none" w="med" len="med"/>
-                    </a:lnT>
-                    <a:lnB w="12700" cap="flat" cmpd="sng" algn="ctr">
-                      <a:solidFill>
-                        <a:srgbClr val="000000"/>
-                      </a:solidFill>
-                      <a:prstDash val="solid"/>
-                      <a:round/>
-                      <a:headEnd type="none" w="med" len="med"/>
-                      <a:tailEnd type="none" w="med" len="med"/>
-                    </a:lnB>
-                  </a:tcPr>
-                </a:tc>
-                <a:extLst>
-                  <a:ext uri="{0D108BD9-81ED-4DB2-BD59-A6C34878D82A}">
-                    <a16:rowId xmlns:a16="http://schemas.microsoft.com/office/drawing/2014/main" val="1062201106"/>
-                  </a:ext>
-                </a:extLst>
-              </a:tr>
-              <a:tr h="313418">
-                <a:tc>
-                  <a:txBody>
-                    <a:bodyPr/>
-                    <a:lstStyle/>
-                    <a:p>
-                      <a:r>
-                        <a:rPr lang="pt-BR" sz="1000" dirty="0">
-                          <a:effectLst/>
-                          <a:latin typeface="Arial (Corpo)"/>
-                          <a:ea typeface="Times New Roman" panose="02020603050405020304" pitchFamily="18" charset="0"/>
-                        </a:rPr>
-                        <a:t>múltiplas plataformas</a:t>
-                      </a:r>
-                    </a:p>
-                  </a:txBody>
-                  <a:tcPr marL="68579" marR="68579" marT="0" marB="0" anchor="ctr">
-                    <a:lnL w="12700" cap="flat" cmpd="sng" algn="ctr">
-                      <a:solidFill>
-                        <a:srgbClr val="000000"/>
-                      </a:solidFill>
-                      <a:prstDash val="solid"/>
-                      <a:round/>
-                      <a:headEnd type="none" w="med" len="med"/>
-                      <a:tailEnd type="none" w="med" len="med"/>
-                    </a:lnL>
-                    <a:lnR w="12700" cap="flat" cmpd="sng" algn="ctr">
-                      <a:solidFill>
-                        <a:srgbClr val="000000"/>
-                      </a:solidFill>
-                      <a:prstDash val="solid"/>
-                      <a:round/>
-                      <a:headEnd type="none" w="med" len="med"/>
-                      <a:tailEnd type="none" w="med" len="med"/>
-                    </a:lnR>
-                    <a:lnT w="12700" cap="flat" cmpd="sng" algn="ctr">
-                      <a:solidFill>
-                        <a:srgbClr val="000000"/>
-                      </a:solidFill>
-                      <a:prstDash val="solid"/>
-                      <a:round/>
-                      <a:headEnd type="none" w="med" len="med"/>
-                      <a:tailEnd type="none" w="med" len="med"/>
-                    </a:lnT>
-                    <a:lnB w="12700" cap="flat" cmpd="sng" algn="ctr">
-                      <a:solidFill>
-                        <a:srgbClr val="000000"/>
-                      </a:solidFill>
-                      <a:prstDash val="solid"/>
-                      <a:round/>
-                      <a:headEnd type="none" w="med" len="med"/>
-                      <a:tailEnd type="none" w="med" len="med"/>
-                    </a:lnB>
-                  </a:tcPr>
-                </a:tc>
-                <a:tc>
-                  <a:txBody>
-                    <a:bodyPr/>
-                    <a:lstStyle/>
-                    <a:p>
-                      <a:pPr algn="ctr"/>
-                      <a:r>
-                        <a:rPr lang="pt-BR" sz="1000" dirty="0">
-                          <a:effectLst/>
-                          <a:latin typeface="Arial (Corpo)"/>
-                          <a:ea typeface="Times New Roman" panose="02020603050405020304" pitchFamily="18" charset="0"/>
-                        </a:rPr>
-                        <a:t>Sim</a:t>
-                      </a:r>
-                    </a:p>
-                  </a:txBody>
-                  <a:tcPr marL="68579" marR="68579" marT="0" marB="0" anchor="ctr">
-                    <a:lnL w="12700" cap="flat" cmpd="sng" algn="ctr">
-                      <a:solidFill>
-                        <a:srgbClr val="000000"/>
-                      </a:solidFill>
-                      <a:prstDash val="solid"/>
-                      <a:round/>
-                      <a:headEnd type="none" w="med" len="med"/>
-                      <a:tailEnd type="none" w="med" len="med"/>
-                    </a:lnL>
-                    <a:lnR w="12700" cap="flat" cmpd="sng" algn="ctr">
-                      <a:solidFill>
-                        <a:srgbClr val="000000"/>
-                      </a:solidFill>
-                      <a:prstDash val="solid"/>
-                      <a:round/>
-                      <a:headEnd type="none" w="med" len="med"/>
-                      <a:tailEnd type="none" w="med" len="med"/>
-                    </a:lnR>
-                    <a:lnT w="12700" cap="flat" cmpd="sng" algn="ctr">
-                      <a:solidFill>
-                        <a:srgbClr val="000000"/>
-                      </a:solidFill>
-                      <a:prstDash val="solid"/>
-                      <a:round/>
-                      <a:headEnd type="none" w="med" len="med"/>
-                      <a:tailEnd type="none" w="med" len="med"/>
-                    </a:lnT>
-                    <a:lnB w="12700" cap="flat" cmpd="sng" algn="ctr">
-                      <a:solidFill>
-                        <a:srgbClr val="000000"/>
-                      </a:solidFill>
-                      <a:prstDash val="solid"/>
-                      <a:round/>
-                      <a:headEnd type="none" w="med" len="med"/>
-                      <a:tailEnd type="none" w="med" len="med"/>
-                    </a:lnB>
-                  </a:tcPr>
-                </a:tc>
-                <a:extLst>
-                  <a:ext uri="{0D108BD9-81ED-4DB2-BD59-A6C34878D82A}">
-                    <a16:rowId xmlns:a16="http://schemas.microsoft.com/office/drawing/2014/main" val="3751742738"/>
-                  </a:ext>
-                </a:extLst>
-              </a:tr>
-            </a:tbl>
-          </a:graphicData>
-        </a:graphic>
-      </p:graphicFrame>
-      <p:sp>
-        <p:nvSpPr>
-          <p:cNvPr id="6" name="CaixaDeTexto 17">
-            <a:extLst>
-              <a:ext uri="{FF2B5EF4-FFF2-40B4-BE49-F238E27FC236}">
-                <a16:creationId xmlns:a16="http://schemas.microsoft.com/office/drawing/2014/main" id="{9DCD0B1A-8507-4007-912C-BE74A2E294F7}"/>
-              </a:ext>
-            </a:extLst>
-          </p:cNvPr>
-          <p:cNvSpPr txBox="1">
-            <a:spLocks noChangeArrowheads="1"/>
-          </p:cNvSpPr>
-          <p:nvPr/>
-        </p:nvSpPr>
-        <p:spPr bwMode="auto">
-          <a:xfrm>
-            <a:off x="539552" y="3337284"/>
-            <a:ext cx="1408113" cy="307975"/>
-          </a:xfrm>
-          <a:prstGeom prst="rect">
-            <a:avLst/>
-          </a:prstGeom>
-          <a:noFill/>
-          <a:ln>
-            <a:noFill/>
-          </a:ln>
-          <a:extLst>
-            <a:ext uri="{909E8E84-426E-40DD-AFC4-6F175D3DCCD1}">
-              <a14:hiddenFill xmlns:a14="http://schemas.microsoft.com/office/drawing/2010/main">
-                <a:solidFill>
-                  <a:srgbClr val="FFFFFF"/>
-                </a:solidFill>
-              </a14:hiddenFill>
-            </a:ext>
-            <a:ext uri="{91240B29-F687-4F45-9708-019B960494DF}">
-              <a14:hiddenLine xmlns:a14="http://schemas.microsoft.com/office/drawing/2010/main" w="9525">
-                <a:solidFill>
-                  <a:srgbClr val="000000"/>
-                </a:solidFill>
-                <a:miter lim="800000"/>
-                <a:headEnd/>
-                <a:tailEnd/>
-              </a14:hiddenLine>
-            </a:ext>
-          </a:extLst>
-        </p:spPr>
-        <p:txBody>
-          <a:bodyPr>
-            <a:spAutoFit/>
-          </a:bodyPr>
-          <a:lstStyle>
-            <a:lvl1pPr>
-              <a:spcBef>
-                <a:spcPct val="20000"/>
-              </a:spcBef>
-              <a:buChar char="•"/>
-              <a:defRPr sz="3200">
-                <a:solidFill>
-                  <a:schemeClr val="tx1"/>
-                </a:solidFill>
-                <a:latin typeface="Arial" panose="020B0604020202020204" pitchFamily="34" charset="0"/>
-              </a:defRPr>
-            </a:lvl1pPr>
-            <a:lvl2pPr marL="742950" indent="-285750">
-              <a:spcBef>
-                <a:spcPct val="20000"/>
-              </a:spcBef>
-              <a:buChar char="–"/>
-              <a:defRPr sz="2800">
-                <a:solidFill>
-                  <a:schemeClr val="tx1"/>
-                </a:solidFill>
-                <a:latin typeface="Arial" panose="020B0604020202020204" pitchFamily="34" charset="0"/>
-              </a:defRPr>
-            </a:lvl2pPr>
-            <a:lvl3pPr marL="1143000" indent="-228600">
-              <a:spcBef>
-                <a:spcPct val="20000"/>
-              </a:spcBef>
-              <a:buChar char="•"/>
-              <a:defRPr sz="2400">
-                <a:solidFill>
-                  <a:schemeClr val="tx1"/>
-                </a:solidFill>
-                <a:latin typeface="Arial" panose="020B0604020202020204" pitchFamily="34" charset="0"/>
-              </a:defRPr>
-            </a:lvl3pPr>
-            <a:lvl4pPr marL="1600200" indent="-228600">
-              <a:spcBef>
-                <a:spcPct val="20000"/>
-              </a:spcBef>
-              <a:buChar char="–"/>
-              <a:defRPr sz="2000">
-                <a:solidFill>
-                  <a:schemeClr val="tx1"/>
-                </a:solidFill>
-                <a:latin typeface="Arial" panose="020B0604020202020204" pitchFamily="34" charset="0"/>
-              </a:defRPr>
-            </a:lvl4pPr>
-            <a:lvl5pPr marL="2057400" indent="-228600">
-              <a:spcBef>
-                <a:spcPct val="20000"/>
-              </a:spcBef>
-              <a:buChar char="»"/>
-              <a:defRPr sz="2000">
-                <a:solidFill>
-                  <a:schemeClr val="tx1"/>
-                </a:solidFill>
-                <a:latin typeface="Arial" panose="020B0604020202020204" pitchFamily="34" charset="0"/>
-              </a:defRPr>
-            </a:lvl5pPr>
-            <a:lvl6pPr marL="2514600" indent="-228600" eaLnBrk="0" fontAlgn="base" hangingPunct="0">
-              <a:spcBef>
-                <a:spcPct val="20000"/>
-              </a:spcBef>
-              <a:spcAft>
-                <a:spcPct val="0"/>
-              </a:spcAft>
-              <a:buChar char="»"/>
-              <a:defRPr sz="2000">
-                <a:solidFill>
-                  <a:schemeClr val="tx1"/>
-                </a:solidFill>
-                <a:latin typeface="Arial" panose="020B0604020202020204" pitchFamily="34" charset="0"/>
-              </a:defRPr>
-            </a:lvl6pPr>
-            <a:lvl7pPr marL="2971800" indent="-228600" eaLnBrk="0" fontAlgn="base" hangingPunct="0">
-              <a:spcBef>
-                <a:spcPct val="20000"/>
-              </a:spcBef>
-              <a:spcAft>
-                <a:spcPct val="0"/>
-              </a:spcAft>
-              <a:buChar char="»"/>
-              <a:defRPr sz="2000">
-                <a:solidFill>
-                  <a:schemeClr val="tx1"/>
-                </a:solidFill>
-                <a:latin typeface="Arial" panose="020B0604020202020204" pitchFamily="34" charset="0"/>
-              </a:defRPr>
-            </a:lvl7pPr>
-            <a:lvl8pPr marL="3429000" indent="-228600" eaLnBrk="0" fontAlgn="base" hangingPunct="0">
-              <a:spcBef>
-                <a:spcPct val="20000"/>
-              </a:spcBef>
-              <a:spcAft>
-                <a:spcPct val="0"/>
-              </a:spcAft>
-              <a:buChar char="»"/>
-              <a:defRPr sz="2000">
-                <a:solidFill>
-                  <a:schemeClr val="tx1"/>
-                </a:solidFill>
-                <a:latin typeface="Arial" panose="020B0604020202020204" pitchFamily="34" charset="0"/>
-              </a:defRPr>
-            </a:lvl8pPr>
-            <a:lvl9pPr marL="3886200" indent="-228600" eaLnBrk="0" fontAlgn="base" hangingPunct="0">
-              <a:spcBef>
-                <a:spcPct val="20000"/>
-              </a:spcBef>
-              <a:spcAft>
-                <a:spcPct val="0"/>
-              </a:spcAft>
-              <a:buChar char="»"/>
-              <a:defRPr sz="2000">
-                <a:solidFill>
-                  <a:schemeClr val="tx1"/>
-                </a:solidFill>
-                <a:latin typeface="Arial" panose="020B0604020202020204" pitchFamily="34" charset="0"/>
-              </a:defRPr>
-            </a:lvl9pPr>
-          </a:lstStyle>
-          <a:p>
-            <a:pPr>
-              <a:spcBef>
-                <a:spcPct val="0"/>
-              </a:spcBef>
-              <a:buFontTx/>
-              <a:buNone/>
-            </a:pPr>
-            <a:r>
-              <a:rPr lang="pt-BR" altLang="pt-BR" sz="1400" dirty="0">
-                <a:solidFill>
-                  <a:schemeClr val="bg1"/>
-                </a:solidFill>
-              </a:rPr>
-              <a:t>Características</a:t>
-            </a:r>
-          </a:p>
-        </p:txBody>
-      </p:sp>
-      <p:sp>
-        <p:nvSpPr>
-          <p:cNvPr id="7" name="CaixaDeTexto 16">
-            <a:extLst>
-              <a:ext uri="{FF2B5EF4-FFF2-40B4-BE49-F238E27FC236}">
-                <a16:creationId xmlns:a16="http://schemas.microsoft.com/office/drawing/2014/main" id="{96B06BF0-F38D-4708-AF64-1149F4C2D779}"/>
-              </a:ext>
-            </a:extLst>
-          </p:cNvPr>
-          <p:cNvSpPr txBox="1">
-            <a:spLocks noChangeArrowheads="1"/>
-          </p:cNvSpPr>
-          <p:nvPr/>
-        </p:nvSpPr>
-        <p:spPr bwMode="auto">
-          <a:xfrm>
-            <a:off x="1763688" y="2973394"/>
-            <a:ext cx="1009650" cy="306387"/>
-          </a:xfrm>
-          <a:prstGeom prst="rect">
-            <a:avLst/>
-          </a:prstGeom>
-          <a:noFill/>
-          <a:ln>
-            <a:noFill/>
-          </a:ln>
-          <a:extLst>
-            <a:ext uri="{909E8E84-426E-40DD-AFC4-6F175D3DCCD1}">
-              <a14:hiddenFill xmlns:a14="http://schemas.microsoft.com/office/drawing/2010/main">
-                <a:solidFill>
-                  <a:srgbClr val="FFFFFF"/>
-                </a:solidFill>
-              </a14:hiddenFill>
-            </a:ext>
-            <a:ext uri="{91240B29-F687-4F45-9708-019B960494DF}">
-              <a14:hiddenLine xmlns:a14="http://schemas.microsoft.com/office/drawing/2010/main" w="9525">
-                <a:solidFill>
-                  <a:srgbClr val="000000"/>
-                </a:solidFill>
-                <a:miter lim="800000"/>
-                <a:headEnd/>
-                <a:tailEnd/>
-              </a14:hiddenLine>
-            </a:ext>
-          </a:extLst>
-        </p:spPr>
-        <p:txBody>
-          <a:bodyPr>
-            <a:spAutoFit/>
-          </a:bodyPr>
-          <a:lstStyle>
-            <a:lvl1pPr>
-              <a:spcBef>
-                <a:spcPct val="20000"/>
-              </a:spcBef>
-              <a:buChar char="•"/>
-              <a:defRPr sz="3200">
-                <a:solidFill>
-                  <a:schemeClr val="tx1"/>
-                </a:solidFill>
-                <a:latin typeface="Arial" panose="020B0604020202020204" pitchFamily="34" charset="0"/>
-              </a:defRPr>
-            </a:lvl1pPr>
-            <a:lvl2pPr marL="742950" indent="-285750">
-              <a:spcBef>
-                <a:spcPct val="20000"/>
-              </a:spcBef>
-              <a:buChar char="–"/>
-              <a:defRPr sz="2800">
-                <a:solidFill>
-                  <a:schemeClr val="tx1"/>
-                </a:solidFill>
-                <a:latin typeface="Arial" panose="020B0604020202020204" pitchFamily="34" charset="0"/>
-              </a:defRPr>
-            </a:lvl2pPr>
-            <a:lvl3pPr marL="1143000" indent="-228600">
-              <a:spcBef>
-                <a:spcPct val="20000"/>
-              </a:spcBef>
-              <a:buChar char="•"/>
-              <a:defRPr sz="2400">
-                <a:solidFill>
-                  <a:schemeClr val="tx1"/>
-                </a:solidFill>
-                <a:latin typeface="Arial" panose="020B0604020202020204" pitchFamily="34" charset="0"/>
-              </a:defRPr>
-            </a:lvl3pPr>
-            <a:lvl4pPr marL="1600200" indent="-228600">
-              <a:spcBef>
-                <a:spcPct val="20000"/>
-              </a:spcBef>
-              <a:buChar char="–"/>
-              <a:defRPr sz="2000">
-                <a:solidFill>
-                  <a:schemeClr val="tx1"/>
-                </a:solidFill>
-                <a:latin typeface="Arial" panose="020B0604020202020204" pitchFamily="34" charset="0"/>
-              </a:defRPr>
-            </a:lvl4pPr>
-            <a:lvl5pPr marL="2057400" indent="-228600">
-              <a:spcBef>
-                <a:spcPct val="20000"/>
-              </a:spcBef>
-              <a:buChar char="»"/>
-              <a:defRPr sz="2000">
-                <a:solidFill>
-                  <a:schemeClr val="tx1"/>
-                </a:solidFill>
-                <a:latin typeface="Arial" panose="020B0604020202020204" pitchFamily="34" charset="0"/>
-              </a:defRPr>
-            </a:lvl5pPr>
-            <a:lvl6pPr marL="2514600" indent="-228600" eaLnBrk="0" fontAlgn="base" hangingPunct="0">
-              <a:spcBef>
-                <a:spcPct val="20000"/>
-              </a:spcBef>
-              <a:spcAft>
-                <a:spcPct val="0"/>
-              </a:spcAft>
-              <a:buChar char="»"/>
-              <a:defRPr sz="2000">
-                <a:solidFill>
-                  <a:schemeClr val="tx1"/>
-                </a:solidFill>
-                <a:latin typeface="Arial" panose="020B0604020202020204" pitchFamily="34" charset="0"/>
-              </a:defRPr>
-            </a:lvl6pPr>
-            <a:lvl7pPr marL="2971800" indent="-228600" eaLnBrk="0" fontAlgn="base" hangingPunct="0">
-              <a:spcBef>
-                <a:spcPct val="20000"/>
-              </a:spcBef>
-              <a:spcAft>
-                <a:spcPct val="0"/>
-              </a:spcAft>
-              <a:buChar char="»"/>
-              <a:defRPr sz="2000">
-                <a:solidFill>
-                  <a:schemeClr val="tx1"/>
-                </a:solidFill>
-                <a:latin typeface="Arial" panose="020B0604020202020204" pitchFamily="34" charset="0"/>
-              </a:defRPr>
-            </a:lvl7pPr>
-            <a:lvl8pPr marL="3429000" indent="-228600" eaLnBrk="0" fontAlgn="base" hangingPunct="0">
-              <a:spcBef>
-                <a:spcPct val="20000"/>
-              </a:spcBef>
-              <a:spcAft>
-                <a:spcPct val="0"/>
-              </a:spcAft>
-              <a:buChar char="»"/>
-              <a:defRPr sz="2000">
-                <a:solidFill>
-                  <a:schemeClr val="tx1"/>
-                </a:solidFill>
-                <a:latin typeface="Arial" panose="020B0604020202020204" pitchFamily="34" charset="0"/>
-              </a:defRPr>
-            </a:lvl8pPr>
-            <a:lvl9pPr marL="3886200" indent="-228600" eaLnBrk="0" fontAlgn="base" hangingPunct="0">
-              <a:spcBef>
-                <a:spcPct val="20000"/>
-              </a:spcBef>
-              <a:spcAft>
-                <a:spcPct val="0"/>
-              </a:spcAft>
-              <a:buChar char="»"/>
-              <a:defRPr sz="2000">
-                <a:solidFill>
-                  <a:schemeClr val="tx1"/>
-                </a:solidFill>
-                <a:latin typeface="Arial" panose="020B0604020202020204" pitchFamily="34" charset="0"/>
-              </a:defRPr>
-            </a:lvl9pPr>
-          </a:lstStyle>
-          <a:p>
-            <a:pPr>
-              <a:spcBef>
-                <a:spcPct val="0"/>
-              </a:spcBef>
-              <a:buFontTx/>
-              <a:buNone/>
-            </a:pPr>
-            <a:r>
-              <a:rPr lang="pt-BR" altLang="pt-BR" sz="1400" dirty="0">
-                <a:solidFill>
-                  <a:schemeClr val="bg1"/>
-                </a:solidFill>
-              </a:rPr>
-              <a:t>Trabalho</a:t>
-            </a:r>
-          </a:p>
-        </p:txBody>
-      </p:sp>
-      <p:pic>
-        <p:nvPicPr>
-          <p:cNvPr id="8" name="Imagem 3" descr="Interface gráfica do usuário, Aplicativo&#10;&#10;Descrição gerada automaticamente">
-            <a:extLst>
-              <a:ext uri="{FF2B5EF4-FFF2-40B4-BE49-F238E27FC236}">
-                <a16:creationId xmlns:a16="http://schemas.microsoft.com/office/drawing/2014/main" id="{C16521D6-3A20-4FD4-B7E2-7D44EC301254}"/>
-              </a:ext>
-            </a:extLst>
-          </p:cNvPr>
-          <p:cNvPicPr>
-            <a:picLocks noChangeAspect="1" noChangeArrowheads="1"/>
-          </p:cNvPicPr>
-          <p:nvPr/>
-        </p:nvPicPr>
-        <p:blipFill>
-          <a:blip r:embed="rId2">
-            <a:extLst>
-              <a:ext uri="{28A0092B-C50C-407E-A947-70E740481C1C}">
-                <a14:useLocalDpi xmlns:a14="http://schemas.microsoft.com/office/drawing/2010/main" val="0"/>
-              </a:ext>
-            </a:extLst>
-          </a:blip>
-          <a:srcRect/>
-          <a:stretch>
-            <a:fillRect/>
-          </a:stretch>
-        </p:blipFill>
-        <p:spPr bwMode="auto">
-          <a:xfrm>
-            <a:off x="4482504" y="2965995"/>
-            <a:ext cx="4114800" cy="2255837"/>
-          </a:xfrm>
-          <a:prstGeom prst="rect">
-            <a:avLst/>
-          </a:prstGeom>
-          <a:noFill/>
-          <a:ln>
-            <a:noFill/>
-          </a:ln>
-          <a:extLst>
-            <a:ext uri="{909E8E84-426E-40DD-AFC4-6F175D3DCCD1}">
-              <a14:hiddenFill xmlns:a14="http://schemas.microsoft.com/office/drawing/2010/main">
-                <a:solidFill>
-                  <a:srgbClr val="FFFFFF"/>
-                </a:solidFill>
-              </a14:hiddenFill>
-            </a:ext>
-            <a:ext uri="{91240B29-F687-4F45-9708-019B960494DF}">
-              <a14:hiddenLine xmlns:a14="http://schemas.microsoft.com/office/drawing/2010/main" w="9525">
-                <a:solidFill>
-                  <a:srgbClr val="000000"/>
-                </a:solidFill>
-                <a:miter lim="800000"/>
-                <a:headEnd/>
-                <a:tailEnd/>
-              </a14:hiddenLine>
-            </a:ext>
-          </a:extLst>
-        </p:spPr>
-      </p:pic>
-    </p:spTree>
-    <p:extLst>
-      <p:ext uri="{BB962C8B-B14F-4D97-AF65-F5344CB8AC3E}">
-        <p14:creationId xmlns:p14="http://schemas.microsoft.com/office/powerpoint/2010/main" val="4196046499"/>
       </p:ext>
     </p:extLst>
   </p:cSld>
